--- a/Apresentação final/PDS16inEclipse.pptx
+++ b/Apresentação final/PDS16inEclipse.pptx
@@ -5,23 +5,33 @@
     <p:sldMasterId id="2147483721" r:id="rId1"/>
     <p:sldMasterId id="2147483735" r:id="rId2"/>
   </p:sldMasterIdLst>
+  <p:notesMasterIdLst>
+    <p:notesMasterId r:id="rId26"/>
+  </p:notesMasterIdLst>
   <p:sldIdLst>
     <p:sldId id="256" r:id="rId3"/>
-    <p:sldId id="257" r:id="rId4"/>
-    <p:sldId id="258" r:id="rId5"/>
-    <p:sldId id="259" r:id="rId6"/>
-    <p:sldId id="268" r:id="rId7"/>
-    <p:sldId id="269" r:id="rId8"/>
-    <p:sldId id="260" r:id="rId9"/>
-    <p:sldId id="261" r:id="rId10"/>
-    <p:sldId id="262" r:id="rId11"/>
-    <p:sldId id="263" r:id="rId12"/>
-    <p:sldId id="264" r:id="rId13"/>
-    <p:sldId id="265" r:id="rId14"/>
-    <p:sldId id="266" r:id="rId15"/>
-    <p:sldId id="267" r:id="rId16"/>
-    <p:sldId id="270" r:id="rId17"/>
-    <p:sldId id="271" r:id="rId18"/>
+    <p:sldId id="277" r:id="rId4"/>
+    <p:sldId id="278" r:id="rId5"/>
+    <p:sldId id="258" r:id="rId6"/>
+    <p:sldId id="259" r:id="rId7"/>
+    <p:sldId id="268" r:id="rId8"/>
+    <p:sldId id="269" r:id="rId9"/>
+    <p:sldId id="274" r:id="rId10"/>
+    <p:sldId id="275" r:id="rId11"/>
+    <p:sldId id="276" r:id="rId12"/>
+    <p:sldId id="260" r:id="rId13"/>
+    <p:sldId id="261" r:id="rId14"/>
+    <p:sldId id="262" r:id="rId15"/>
+    <p:sldId id="263" r:id="rId16"/>
+    <p:sldId id="272" r:id="rId17"/>
+    <p:sldId id="264" r:id="rId18"/>
+    <p:sldId id="265" r:id="rId19"/>
+    <p:sldId id="273" r:id="rId20"/>
+    <p:sldId id="266" r:id="rId21"/>
+    <p:sldId id="267" r:id="rId22"/>
+    <p:sldId id="270" r:id="rId23"/>
+    <p:sldId id="280" r:id="rId24"/>
+    <p:sldId id="271" r:id="rId25"/>
   </p:sldIdLst>
   <p:sldSz cx="12192000" cy="6858000"/>
   <p:notesSz cx="6858000" cy="9144000"/>
@@ -120,7 +130,3084 @@
       </a:defRPr>
     </a:lvl9pPr>
   </p:defaultTextStyle>
+  <p:extLst>
+    <p:ext uri="{EFAFB233-063F-42B5-8137-9DF3F51BA10A}">
+      <p15:sldGuideLst xmlns:p15="http://schemas.microsoft.com/office/powerpoint/2012/main"/>
+    </p:ext>
+  </p:extLst>
 </p:presentation>
+</file>
+
+<file path=ppt/commentAuthors.xml><?xml version="1.0" encoding="utf-8"?>
+<p:cmAuthorLst xmlns:a="http://schemas.openxmlformats.org/drawingml/2006/main" xmlns:r="http://schemas.openxmlformats.org/officeDocument/2006/relationships" xmlns:p="http://schemas.openxmlformats.org/presentationml/2006/main">
+  <p:cmAuthor id="1" name="Tiago Oliveira" initials="TO" lastIdx="2" clrIdx="0">
+    <p:extLst>
+      <p:ext uri="{19B8F6BF-5375-455C-9EA6-DF929625EA0E}">
+        <p15:presenceInfo xmlns:p15="http://schemas.microsoft.com/office/powerpoint/2012/main" userId="7eb0af10b4188c47" providerId="Windows Live"/>
+      </p:ext>
+    </p:extLst>
+  </p:cmAuthor>
+</p:cmAuthorLst>
+</file>
+
+<file path=ppt/comments/comment1.xml><?xml version="1.0" encoding="utf-8"?>
+<p:cmLst xmlns:a="http://schemas.openxmlformats.org/drawingml/2006/main" xmlns:r="http://schemas.openxmlformats.org/officeDocument/2006/relationships" xmlns:p="http://schemas.openxmlformats.org/presentationml/2006/main">
+  <p:cm authorId="1" dt="2016-07-27T15:45:35.080" idx="1">
+    <p:pos x="4849" y="3081"/>
+    <p:text>não é bem a geração que é conseguida atravez do xtext, as ferramentas é que são realizadas recorrendo ao xtext</p:text>
+    <p:extLst>
+      <p:ext uri="{C676402C-5697-4E1C-873F-D02D1690AC5C}">
+        <p15:threadingInfo xmlns:p15="http://schemas.microsoft.com/office/powerpoint/2012/main" timeZoneBias="-60"/>
+      </p:ext>
+    </p:extLst>
+  </p:cm>
+</p:cmLst>
+</file>
+
+<file path=ppt/notesMasters/notesMaster1.xml><?xml version="1.0" encoding="utf-8"?>
+<p:notesMaster xmlns:a="http://schemas.openxmlformats.org/drawingml/2006/main" xmlns:r="http://schemas.openxmlformats.org/officeDocument/2006/relationships" xmlns:p="http://schemas.openxmlformats.org/presentationml/2006/main">
+  <p:cSld>
+    <p:bg>
+      <p:bgRef idx="1001">
+        <a:schemeClr val="bg1"/>
+      </p:bgRef>
+    </p:bg>
+    <p:spTree>
+      <p:nvGrpSpPr>
+        <p:cNvPr id="1" name=""/>
+        <p:cNvGrpSpPr/>
+        <p:nvPr/>
+      </p:nvGrpSpPr>
+      <p:grpSpPr>
+        <a:xfrm>
+          <a:off x="0" y="0"/>
+          <a:ext cx="0" cy="0"/>
+          <a:chOff x="0" y="0"/>
+          <a:chExt cx="0" cy="0"/>
+        </a:xfrm>
+      </p:grpSpPr>
+      <p:sp>
+        <p:nvSpPr>
+          <p:cNvPr id="2" name="Marcador de Posição do Cabeçalho 1"/>
+          <p:cNvSpPr>
+            <a:spLocks noGrp="1"/>
+          </p:cNvSpPr>
+          <p:nvPr>
+            <p:ph type="hdr" sz="quarter"/>
+          </p:nvPr>
+        </p:nvSpPr>
+        <p:spPr>
+          <a:xfrm>
+            <a:off x="0" y="0"/>
+            <a:ext cx="2971800" cy="458788"/>
+          </a:xfrm>
+          <a:prstGeom prst="rect">
+            <a:avLst/>
+          </a:prstGeom>
+        </p:spPr>
+        <p:txBody>
+          <a:bodyPr vert="horz" lIns="91440" tIns="45720" rIns="91440" bIns="45720" rtlCol="0"/>
+          <a:lstStyle>
+            <a:lvl1pPr algn="l">
+              <a:defRPr sz="1200"/>
+            </a:lvl1pPr>
+          </a:lstStyle>
+          <a:p>
+            <a:endParaRPr lang="pt-PT"/>
+          </a:p>
+        </p:txBody>
+      </p:sp>
+      <p:sp>
+        <p:nvSpPr>
+          <p:cNvPr id="3" name="Marcador de Posição da Data 2"/>
+          <p:cNvSpPr>
+            <a:spLocks noGrp="1"/>
+          </p:cNvSpPr>
+          <p:nvPr>
+            <p:ph type="dt" idx="1"/>
+          </p:nvPr>
+        </p:nvSpPr>
+        <p:spPr>
+          <a:xfrm>
+            <a:off x="3884613" y="0"/>
+            <a:ext cx="2971800" cy="458788"/>
+          </a:xfrm>
+          <a:prstGeom prst="rect">
+            <a:avLst/>
+          </a:prstGeom>
+        </p:spPr>
+        <p:txBody>
+          <a:bodyPr vert="horz" lIns="91440" tIns="45720" rIns="91440" bIns="45720" rtlCol="0"/>
+          <a:lstStyle>
+            <a:lvl1pPr algn="r">
+              <a:defRPr sz="1200"/>
+            </a:lvl1pPr>
+          </a:lstStyle>
+          <a:p>
+            <a:fld id="{3B5F8247-C030-442D-97C8-73781D4E9114}" type="datetimeFigureOut">
+              <a:rPr lang="pt-PT" smtClean="0"/>
+              <a:t>27/07/2016</a:t>
+            </a:fld>
+            <a:endParaRPr lang="pt-PT"/>
+          </a:p>
+        </p:txBody>
+      </p:sp>
+      <p:sp>
+        <p:nvSpPr>
+          <p:cNvPr id="4" name="Marcador de Posição da Imagem do Diapositivo 3"/>
+          <p:cNvSpPr>
+            <a:spLocks noGrp="1" noRot="1" noChangeAspect="1"/>
+          </p:cNvSpPr>
+          <p:nvPr>
+            <p:ph type="sldImg" idx="2"/>
+          </p:nvPr>
+        </p:nvSpPr>
+        <p:spPr>
+          <a:xfrm>
+            <a:off x="685800" y="1143000"/>
+            <a:ext cx="5486400" cy="3086100"/>
+          </a:xfrm>
+          <a:prstGeom prst="rect">
+            <a:avLst/>
+          </a:prstGeom>
+          <a:noFill/>
+          <a:ln w="12700">
+            <a:solidFill>
+              <a:prstClr val="black"/>
+            </a:solidFill>
+          </a:ln>
+        </p:spPr>
+        <p:txBody>
+          <a:bodyPr vert="horz" lIns="91440" tIns="45720" rIns="91440" bIns="45720" rtlCol="0" anchor="ctr"/>
+          <a:lstStyle/>
+          <a:p>
+            <a:endParaRPr lang="pt-PT"/>
+          </a:p>
+        </p:txBody>
+      </p:sp>
+      <p:sp>
+        <p:nvSpPr>
+          <p:cNvPr id="5" name="Marcador de Posição de Notas 4"/>
+          <p:cNvSpPr>
+            <a:spLocks noGrp="1"/>
+          </p:cNvSpPr>
+          <p:nvPr>
+            <p:ph type="body" sz="quarter" idx="3"/>
+          </p:nvPr>
+        </p:nvSpPr>
+        <p:spPr>
+          <a:xfrm>
+            <a:off x="685800" y="4400550"/>
+            <a:ext cx="5486400" cy="3600450"/>
+          </a:xfrm>
+          <a:prstGeom prst="rect">
+            <a:avLst/>
+          </a:prstGeom>
+        </p:spPr>
+        <p:txBody>
+          <a:bodyPr vert="horz" lIns="91440" tIns="45720" rIns="91440" bIns="45720" rtlCol="0"/>
+          <a:lstStyle/>
+          <a:p>
+            <a:pPr lvl="0"/>
+            <a:r>
+              <a:rPr lang="pt-PT" smtClean="0"/>
+              <a:t>Clique para editar os estilos</a:t>
+            </a:r>
+          </a:p>
+          <a:p>
+            <a:pPr lvl="1"/>
+            <a:r>
+              <a:rPr lang="pt-PT" smtClean="0"/>
+              <a:t>Segundo nível</a:t>
+            </a:r>
+          </a:p>
+          <a:p>
+            <a:pPr lvl="2"/>
+            <a:r>
+              <a:rPr lang="pt-PT" smtClean="0"/>
+              <a:t>Terceiro nível</a:t>
+            </a:r>
+          </a:p>
+          <a:p>
+            <a:pPr lvl="3"/>
+            <a:r>
+              <a:rPr lang="pt-PT" smtClean="0"/>
+              <a:t>Quarto nível</a:t>
+            </a:r>
+          </a:p>
+          <a:p>
+            <a:pPr lvl="4"/>
+            <a:r>
+              <a:rPr lang="pt-PT" smtClean="0"/>
+              <a:t>Quinto nível</a:t>
+            </a:r>
+            <a:endParaRPr lang="pt-PT"/>
+          </a:p>
+        </p:txBody>
+      </p:sp>
+      <p:sp>
+        <p:nvSpPr>
+          <p:cNvPr id="6" name="Marcador de Posição do Rodapé 5"/>
+          <p:cNvSpPr>
+            <a:spLocks noGrp="1"/>
+          </p:cNvSpPr>
+          <p:nvPr>
+            <p:ph type="ftr" sz="quarter" idx="4"/>
+          </p:nvPr>
+        </p:nvSpPr>
+        <p:spPr>
+          <a:xfrm>
+            <a:off x="0" y="8685213"/>
+            <a:ext cx="2971800" cy="458787"/>
+          </a:xfrm>
+          <a:prstGeom prst="rect">
+            <a:avLst/>
+          </a:prstGeom>
+        </p:spPr>
+        <p:txBody>
+          <a:bodyPr vert="horz" lIns="91440" tIns="45720" rIns="91440" bIns="45720" rtlCol="0" anchor="b"/>
+          <a:lstStyle>
+            <a:lvl1pPr algn="l">
+              <a:defRPr sz="1200"/>
+            </a:lvl1pPr>
+          </a:lstStyle>
+          <a:p>
+            <a:endParaRPr lang="pt-PT"/>
+          </a:p>
+        </p:txBody>
+      </p:sp>
+      <p:sp>
+        <p:nvSpPr>
+          <p:cNvPr id="7" name="Marcador de Posição do Número do Diapositivo 6"/>
+          <p:cNvSpPr>
+            <a:spLocks noGrp="1"/>
+          </p:cNvSpPr>
+          <p:nvPr>
+            <p:ph type="sldNum" sz="quarter" idx="5"/>
+          </p:nvPr>
+        </p:nvSpPr>
+        <p:spPr>
+          <a:xfrm>
+            <a:off x="3884613" y="8685213"/>
+            <a:ext cx="2971800" cy="458787"/>
+          </a:xfrm>
+          <a:prstGeom prst="rect">
+            <a:avLst/>
+          </a:prstGeom>
+        </p:spPr>
+        <p:txBody>
+          <a:bodyPr vert="horz" lIns="91440" tIns="45720" rIns="91440" bIns="45720" rtlCol="0" anchor="b"/>
+          <a:lstStyle>
+            <a:lvl1pPr algn="r">
+              <a:defRPr sz="1200"/>
+            </a:lvl1pPr>
+          </a:lstStyle>
+          <a:p>
+            <a:fld id="{57619820-F9B7-4861-AAE2-DFC11E5F6C7F}" type="slidenum">
+              <a:rPr lang="pt-PT" smtClean="0"/>
+              <a:t>‹nº›</a:t>
+            </a:fld>
+            <a:endParaRPr lang="pt-PT"/>
+          </a:p>
+        </p:txBody>
+      </p:sp>
+    </p:spTree>
+    <p:extLst>
+      <p:ext uri="{BB962C8B-B14F-4D97-AF65-F5344CB8AC3E}">
+        <p14:creationId xmlns:p14="http://schemas.microsoft.com/office/powerpoint/2010/main" val="3160681757"/>
+      </p:ext>
+    </p:extLst>
+  </p:cSld>
+  <p:clrMap bg1="lt1" tx1="dk1" bg2="lt2" tx2="dk2" accent1="accent1" accent2="accent2" accent3="accent3" accent4="accent4" accent5="accent5" accent6="accent6" hlink="hlink" folHlink="folHlink"/>
+  <p:notesStyle>
+    <a:lvl1pPr marL="0" algn="l" defTabSz="914400" rtl="0" eaLnBrk="1" latinLnBrk="0" hangingPunct="1">
+      <a:defRPr sz="1200" kern="1200">
+        <a:solidFill>
+          <a:schemeClr val="tx1"/>
+        </a:solidFill>
+        <a:latin typeface="+mn-lt"/>
+        <a:ea typeface="+mn-ea"/>
+        <a:cs typeface="+mn-cs"/>
+      </a:defRPr>
+    </a:lvl1pPr>
+    <a:lvl2pPr marL="457200" algn="l" defTabSz="914400" rtl="0" eaLnBrk="1" latinLnBrk="0" hangingPunct="1">
+      <a:defRPr sz="1200" kern="1200">
+        <a:solidFill>
+          <a:schemeClr val="tx1"/>
+        </a:solidFill>
+        <a:latin typeface="+mn-lt"/>
+        <a:ea typeface="+mn-ea"/>
+        <a:cs typeface="+mn-cs"/>
+      </a:defRPr>
+    </a:lvl2pPr>
+    <a:lvl3pPr marL="914400" algn="l" defTabSz="914400" rtl="0" eaLnBrk="1" latinLnBrk="0" hangingPunct="1">
+      <a:defRPr sz="1200" kern="1200">
+        <a:solidFill>
+          <a:schemeClr val="tx1"/>
+        </a:solidFill>
+        <a:latin typeface="+mn-lt"/>
+        <a:ea typeface="+mn-ea"/>
+        <a:cs typeface="+mn-cs"/>
+      </a:defRPr>
+    </a:lvl3pPr>
+    <a:lvl4pPr marL="1371600" algn="l" defTabSz="914400" rtl="0" eaLnBrk="1" latinLnBrk="0" hangingPunct="1">
+      <a:defRPr sz="1200" kern="1200">
+        <a:solidFill>
+          <a:schemeClr val="tx1"/>
+        </a:solidFill>
+        <a:latin typeface="+mn-lt"/>
+        <a:ea typeface="+mn-ea"/>
+        <a:cs typeface="+mn-cs"/>
+      </a:defRPr>
+    </a:lvl4pPr>
+    <a:lvl5pPr marL="1828800" algn="l" defTabSz="914400" rtl="0" eaLnBrk="1" latinLnBrk="0" hangingPunct="1">
+      <a:defRPr sz="1200" kern="1200">
+        <a:solidFill>
+          <a:schemeClr val="tx1"/>
+        </a:solidFill>
+        <a:latin typeface="+mn-lt"/>
+        <a:ea typeface="+mn-ea"/>
+        <a:cs typeface="+mn-cs"/>
+      </a:defRPr>
+    </a:lvl5pPr>
+    <a:lvl6pPr marL="2286000" algn="l" defTabSz="914400" rtl="0" eaLnBrk="1" latinLnBrk="0" hangingPunct="1">
+      <a:defRPr sz="1200" kern="1200">
+        <a:solidFill>
+          <a:schemeClr val="tx1"/>
+        </a:solidFill>
+        <a:latin typeface="+mn-lt"/>
+        <a:ea typeface="+mn-ea"/>
+        <a:cs typeface="+mn-cs"/>
+      </a:defRPr>
+    </a:lvl6pPr>
+    <a:lvl7pPr marL="2743200" algn="l" defTabSz="914400" rtl="0" eaLnBrk="1" latinLnBrk="0" hangingPunct="1">
+      <a:defRPr sz="1200" kern="1200">
+        <a:solidFill>
+          <a:schemeClr val="tx1"/>
+        </a:solidFill>
+        <a:latin typeface="+mn-lt"/>
+        <a:ea typeface="+mn-ea"/>
+        <a:cs typeface="+mn-cs"/>
+      </a:defRPr>
+    </a:lvl7pPr>
+    <a:lvl8pPr marL="3200400" algn="l" defTabSz="914400" rtl="0" eaLnBrk="1" latinLnBrk="0" hangingPunct="1">
+      <a:defRPr sz="1200" kern="1200">
+        <a:solidFill>
+          <a:schemeClr val="tx1"/>
+        </a:solidFill>
+        <a:latin typeface="+mn-lt"/>
+        <a:ea typeface="+mn-ea"/>
+        <a:cs typeface="+mn-cs"/>
+      </a:defRPr>
+    </a:lvl8pPr>
+    <a:lvl9pPr marL="3657600" algn="l" defTabSz="914400" rtl="0" eaLnBrk="1" latinLnBrk="0" hangingPunct="1">
+      <a:defRPr sz="1200" kern="1200">
+        <a:solidFill>
+          <a:schemeClr val="tx1"/>
+        </a:solidFill>
+        <a:latin typeface="+mn-lt"/>
+        <a:ea typeface="+mn-ea"/>
+        <a:cs typeface="+mn-cs"/>
+      </a:defRPr>
+    </a:lvl9pPr>
+  </p:notesStyle>
+</p:notesMaster>
+</file>
+
+<file path=ppt/notesSlides/notesSlide1.xml><?xml version="1.0" encoding="utf-8"?>
+<p:notes xmlns:a="http://schemas.openxmlformats.org/drawingml/2006/main" xmlns:r="http://schemas.openxmlformats.org/officeDocument/2006/relationships" xmlns:p="http://schemas.openxmlformats.org/presentationml/2006/main">
+  <p:cSld>
+    <p:spTree>
+      <p:nvGrpSpPr>
+        <p:cNvPr id="1" name=""/>
+        <p:cNvGrpSpPr/>
+        <p:nvPr/>
+      </p:nvGrpSpPr>
+      <p:grpSpPr>
+        <a:xfrm>
+          <a:off x="0" y="0"/>
+          <a:ext cx="0" cy="0"/>
+          <a:chOff x="0" y="0"/>
+          <a:chExt cx="0" cy="0"/>
+        </a:xfrm>
+      </p:grpSpPr>
+      <p:sp>
+        <p:nvSpPr>
+          <p:cNvPr id="2" name="Marcador de Posição da Imagem do Diapositivo 1"/>
+          <p:cNvSpPr>
+            <a:spLocks noGrp="1" noRot="1" noChangeAspect="1"/>
+          </p:cNvSpPr>
+          <p:nvPr>
+            <p:ph type="sldImg"/>
+          </p:nvPr>
+        </p:nvSpPr>
+        <p:spPr/>
+      </p:sp>
+      <p:sp>
+        <p:nvSpPr>
+          <p:cNvPr id="3" name="Marcador de Posição de Notas 2"/>
+          <p:cNvSpPr>
+            <a:spLocks noGrp="1"/>
+          </p:cNvSpPr>
+          <p:nvPr>
+            <p:ph type="body" idx="1"/>
+          </p:nvPr>
+        </p:nvSpPr>
+        <p:spPr/>
+        <p:txBody>
+          <a:bodyPr/>
+          <a:lstStyle/>
+          <a:p>
+            <a:r>
+              <a:rPr lang="pt-PT" dirty="0" smtClean="0"/>
+              <a:t>Explicar:</a:t>
+            </a:r>
+          </a:p>
+          <a:p>
+            <a:r>
+              <a:rPr lang="pt-PT" dirty="0" smtClean="0"/>
+              <a:t>-Verificação</a:t>
+            </a:r>
+            <a:r>
+              <a:rPr lang="pt-PT" baseline="0" dirty="0" smtClean="0"/>
+              <a:t> em tempo de escrita de modo a </a:t>
+            </a:r>
+            <a:r>
+              <a:rPr lang="pt-PT" baseline="0" dirty="0" err="1" smtClean="0"/>
+              <a:t>optimizar</a:t>
+            </a:r>
+            <a:r>
+              <a:rPr lang="pt-PT" baseline="0" dirty="0" smtClean="0"/>
+              <a:t> a produtividade</a:t>
+            </a:r>
+          </a:p>
+          <a:p>
+            <a:r>
+              <a:rPr lang="pt-PT" baseline="0" dirty="0" smtClean="0"/>
+              <a:t>-Exibir eventuais erros no próprio editor</a:t>
+            </a:r>
+          </a:p>
+          <a:p>
+            <a:r>
+              <a:rPr lang="pt-PT" baseline="0" dirty="0" smtClean="0"/>
+              <a:t>-Exportação das ferramentas implementadas para um plug-in</a:t>
+            </a:r>
+            <a:endParaRPr lang="pt-PT" dirty="0"/>
+          </a:p>
+        </p:txBody>
+      </p:sp>
+      <p:sp>
+        <p:nvSpPr>
+          <p:cNvPr id="4" name="Marcador de Posição do Número do Diapositivo 3"/>
+          <p:cNvSpPr>
+            <a:spLocks noGrp="1"/>
+          </p:cNvSpPr>
+          <p:nvPr>
+            <p:ph type="sldNum" sz="quarter" idx="10"/>
+          </p:nvPr>
+        </p:nvSpPr>
+        <p:spPr/>
+        <p:txBody>
+          <a:bodyPr/>
+          <a:lstStyle/>
+          <a:p>
+            <a:fld id="{57619820-F9B7-4861-AAE2-DFC11E5F6C7F}" type="slidenum">
+              <a:rPr lang="pt-PT" smtClean="0"/>
+              <a:t>3</a:t>
+            </a:fld>
+            <a:endParaRPr lang="pt-PT"/>
+          </a:p>
+        </p:txBody>
+      </p:sp>
+    </p:spTree>
+    <p:extLst>
+      <p:ext uri="{BB962C8B-B14F-4D97-AF65-F5344CB8AC3E}">
+        <p14:creationId xmlns:p14="http://schemas.microsoft.com/office/powerpoint/2010/main" val="3392903438"/>
+      </p:ext>
+    </p:extLst>
+  </p:cSld>
+  <p:clrMapOvr>
+    <a:masterClrMapping/>
+  </p:clrMapOvr>
+</p:notes>
+</file>
+
+<file path=ppt/notesSlides/notesSlide10.xml><?xml version="1.0" encoding="utf-8"?>
+<p:notes xmlns:a="http://schemas.openxmlformats.org/drawingml/2006/main" xmlns:r="http://schemas.openxmlformats.org/officeDocument/2006/relationships" xmlns:p="http://schemas.openxmlformats.org/presentationml/2006/main">
+  <p:cSld>
+    <p:spTree>
+      <p:nvGrpSpPr>
+        <p:cNvPr id="1" name=""/>
+        <p:cNvGrpSpPr/>
+        <p:nvPr/>
+      </p:nvGrpSpPr>
+      <p:grpSpPr>
+        <a:xfrm>
+          <a:off x="0" y="0"/>
+          <a:ext cx="0" cy="0"/>
+          <a:chOff x="0" y="0"/>
+          <a:chExt cx="0" cy="0"/>
+        </a:xfrm>
+      </p:grpSpPr>
+      <p:sp>
+        <p:nvSpPr>
+          <p:cNvPr id="2" name="Marcador de Posição da Imagem do Diapositivo 1"/>
+          <p:cNvSpPr>
+            <a:spLocks noGrp="1" noRot="1" noChangeAspect="1"/>
+          </p:cNvSpPr>
+          <p:nvPr>
+            <p:ph type="sldImg"/>
+          </p:nvPr>
+        </p:nvSpPr>
+        <p:spPr/>
+      </p:sp>
+      <p:sp>
+        <p:nvSpPr>
+          <p:cNvPr id="3" name="Marcador de Posição de Notas 2"/>
+          <p:cNvSpPr>
+            <a:spLocks noGrp="1"/>
+          </p:cNvSpPr>
+          <p:nvPr>
+            <p:ph type="body" idx="1"/>
+          </p:nvPr>
+        </p:nvSpPr>
+        <p:spPr/>
+        <p:txBody>
+          <a:bodyPr/>
+          <a:lstStyle/>
+          <a:p>
+            <a:r>
+              <a:rPr lang="pt-PT" dirty="0" smtClean="0"/>
+              <a:t>Introduzir</a:t>
+            </a:r>
+            <a:r>
+              <a:rPr lang="pt-PT" baseline="0" dirty="0" smtClean="0"/>
+              <a:t> a </a:t>
+            </a:r>
+            <a:r>
+              <a:rPr lang="pt-PT" baseline="0" dirty="0" err="1" smtClean="0"/>
+              <a:t>Syntaxe</a:t>
+            </a:r>
+            <a:r>
+              <a:rPr lang="pt-PT" baseline="0" dirty="0" smtClean="0"/>
+              <a:t> </a:t>
+            </a:r>
+            <a:r>
+              <a:rPr lang="pt-PT" baseline="0" dirty="0" err="1" smtClean="0"/>
+              <a:t>Highliting</a:t>
+            </a:r>
+            <a:r>
+              <a:rPr lang="pt-PT" baseline="0" dirty="0" smtClean="0"/>
+              <a:t>.</a:t>
+            </a:r>
+          </a:p>
+          <a:p>
+            <a:r>
+              <a:rPr lang="pt-PT" baseline="0" dirty="0" smtClean="0"/>
+              <a:t>Dizer o que é, pra que serve?</a:t>
+            </a:r>
+          </a:p>
+          <a:p>
+            <a:endParaRPr lang="pt-PT" baseline="0" dirty="0" smtClean="0"/>
+          </a:p>
+          <a:p>
+            <a:r>
+              <a:rPr lang="pt-PT" baseline="0" dirty="0" smtClean="0"/>
+              <a:t>A partir deste ponto, </a:t>
+            </a:r>
+            <a:r>
+              <a:rPr lang="pt-PT" baseline="0" dirty="0" err="1" smtClean="0"/>
+              <a:t>dixamos</a:t>
+            </a:r>
+            <a:r>
+              <a:rPr lang="pt-PT" baseline="0" dirty="0" smtClean="0"/>
+              <a:t> o </a:t>
+            </a:r>
+            <a:r>
+              <a:rPr lang="pt-PT" baseline="0" dirty="0" err="1" smtClean="0"/>
+              <a:t>RuntimeModule</a:t>
+            </a:r>
+            <a:r>
+              <a:rPr lang="pt-PT" baseline="0" dirty="0" smtClean="0"/>
+              <a:t>, E passamos para o </a:t>
+            </a:r>
+            <a:r>
+              <a:rPr lang="pt-PT" baseline="0" dirty="0" err="1" smtClean="0"/>
+              <a:t>UIModule</a:t>
+            </a:r>
+            <a:r>
+              <a:rPr lang="pt-PT" baseline="0" dirty="0" smtClean="0"/>
+              <a:t>, visto que se trata de interface gráfica</a:t>
+            </a:r>
+          </a:p>
+        </p:txBody>
+      </p:sp>
+      <p:sp>
+        <p:nvSpPr>
+          <p:cNvPr id="4" name="Marcador de Posição do Número do Diapositivo 3"/>
+          <p:cNvSpPr>
+            <a:spLocks noGrp="1"/>
+          </p:cNvSpPr>
+          <p:nvPr>
+            <p:ph type="sldNum" sz="quarter" idx="10"/>
+          </p:nvPr>
+        </p:nvSpPr>
+        <p:spPr/>
+        <p:txBody>
+          <a:bodyPr/>
+          <a:lstStyle/>
+          <a:p>
+            <a:fld id="{57619820-F9B7-4861-AAE2-DFC11E5F6C7F}" type="slidenum">
+              <a:rPr lang="pt-PT" smtClean="0"/>
+              <a:t>13</a:t>
+            </a:fld>
+            <a:endParaRPr lang="pt-PT"/>
+          </a:p>
+        </p:txBody>
+      </p:sp>
+    </p:spTree>
+    <p:extLst>
+      <p:ext uri="{BB962C8B-B14F-4D97-AF65-F5344CB8AC3E}">
+        <p14:creationId xmlns:p14="http://schemas.microsoft.com/office/powerpoint/2010/main" val="2892151761"/>
+      </p:ext>
+    </p:extLst>
+  </p:cSld>
+  <p:clrMapOvr>
+    <a:masterClrMapping/>
+  </p:clrMapOvr>
+</p:notes>
+</file>
+
+<file path=ppt/notesSlides/notesSlide11.xml><?xml version="1.0" encoding="utf-8"?>
+<p:notes xmlns:a="http://schemas.openxmlformats.org/drawingml/2006/main" xmlns:r="http://schemas.openxmlformats.org/officeDocument/2006/relationships" xmlns:p="http://schemas.openxmlformats.org/presentationml/2006/main">
+  <p:cSld>
+    <p:spTree>
+      <p:nvGrpSpPr>
+        <p:cNvPr id="1" name=""/>
+        <p:cNvGrpSpPr/>
+        <p:nvPr/>
+      </p:nvGrpSpPr>
+      <p:grpSpPr>
+        <a:xfrm>
+          <a:off x="0" y="0"/>
+          <a:ext cx="0" cy="0"/>
+          <a:chOff x="0" y="0"/>
+          <a:chExt cx="0" cy="0"/>
+        </a:xfrm>
+      </p:grpSpPr>
+      <p:sp>
+        <p:nvSpPr>
+          <p:cNvPr id="2" name="Marcador de Posição da Imagem do Diapositivo 1"/>
+          <p:cNvSpPr>
+            <a:spLocks noGrp="1" noRot="1" noChangeAspect="1"/>
+          </p:cNvSpPr>
+          <p:nvPr>
+            <p:ph type="sldImg"/>
+          </p:nvPr>
+        </p:nvSpPr>
+        <p:spPr/>
+      </p:sp>
+      <p:sp>
+        <p:nvSpPr>
+          <p:cNvPr id="3" name="Marcador de Posição de Notas 2"/>
+          <p:cNvSpPr>
+            <a:spLocks noGrp="1"/>
+          </p:cNvSpPr>
+          <p:nvPr>
+            <p:ph type="body" idx="1"/>
+          </p:nvPr>
+        </p:nvSpPr>
+        <p:spPr/>
+        <p:txBody>
+          <a:bodyPr/>
+          <a:lstStyle/>
+          <a:p>
+            <a:r>
+              <a:rPr lang="pt-PT" dirty="0" smtClean="0"/>
+              <a:t>Explicar aqui:</a:t>
+            </a:r>
+            <a:r>
+              <a:rPr lang="pt-PT" baseline="0" dirty="0" smtClean="0"/>
+              <a:t> que esta </a:t>
+            </a:r>
+            <a:r>
+              <a:rPr lang="pt-PT" baseline="0" dirty="0" err="1" smtClean="0"/>
+              <a:t>class</a:t>
+            </a:r>
+            <a:r>
+              <a:rPr lang="pt-PT" baseline="0" dirty="0" smtClean="0"/>
+              <a:t> foi criada para associar a cada tipo uma cor e um formato customizado, de modo a adorar um esquema de cores e estilos</a:t>
+            </a:r>
+            <a:endParaRPr lang="pt-PT" dirty="0"/>
+          </a:p>
+        </p:txBody>
+      </p:sp>
+      <p:sp>
+        <p:nvSpPr>
+          <p:cNvPr id="4" name="Marcador de Posição do Número do Diapositivo 3"/>
+          <p:cNvSpPr>
+            <a:spLocks noGrp="1"/>
+          </p:cNvSpPr>
+          <p:nvPr>
+            <p:ph type="sldNum" sz="quarter" idx="10"/>
+          </p:nvPr>
+        </p:nvSpPr>
+        <p:spPr/>
+        <p:txBody>
+          <a:bodyPr/>
+          <a:lstStyle/>
+          <a:p>
+            <a:fld id="{57619820-F9B7-4861-AAE2-DFC11E5F6C7F}" type="slidenum">
+              <a:rPr lang="pt-PT" smtClean="0"/>
+              <a:t>14</a:t>
+            </a:fld>
+            <a:endParaRPr lang="pt-PT"/>
+          </a:p>
+        </p:txBody>
+      </p:sp>
+    </p:spTree>
+    <p:extLst>
+      <p:ext uri="{BB962C8B-B14F-4D97-AF65-F5344CB8AC3E}">
+        <p14:creationId xmlns:p14="http://schemas.microsoft.com/office/powerpoint/2010/main" val="957396961"/>
+      </p:ext>
+    </p:extLst>
+  </p:cSld>
+  <p:clrMapOvr>
+    <a:masterClrMapping/>
+  </p:clrMapOvr>
+</p:notes>
+</file>
+
+<file path=ppt/notesSlides/notesSlide12.xml><?xml version="1.0" encoding="utf-8"?>
+<p:notes xmlns:a="http://schemas.openxmlformats.org/drawingml/2006/main" xmlns:r="http://schemas.openxmlformats.org/officeDocument/2006/relationships" xmlns:p="http://schemas.openxmlformats.org/presentationml/2006/main">
+  <p:cSld>
+    <p:spTree>
+      <p:nvGrpSpPr>
+        <p:cNvPr id="1" name=""/>
+        <p:cNvGrpSpPr/>
+        <p:nvPr/>
+      </p:nvGrpSpPr>
+      <p:grpSpPr>
+        <a:xfrm>
+          <a:off x="0" y="0"/>
+          <a:ext cx="0" cy="0"/>
+          <a:chOff x="0" y="0"/>
+          <a:chExt cx="0" cy="0"/>
+        </a:xfrm>
+      </p:grpSpPr>
+      <p:sp>
+        <p:nvSpPr>
+          <p:cNvPr id="2" name="Marcador de Posição da Imagem do Diapositivo 1"/>
+          <p:cNvSpPr>
+            <a:spLocks noGrp="1" noRot="1" noChangeAspect="1"/>
+          </p:cNvSpPr>
+          <p:nvPr>
+            <p:ph type="sldImg"/>
+          </p:nvPr>
+        </p:nvSpPr>
+        <p:spPr/>
+      </p:sp>
+      <p:sp>
+        <p:nvSpPr>
+          <p:cNvPr id="3" name="Marcador de Posição de Notas 2"/>
+          <p:cNvSpPr>
+            <a:spLocks noGrp="1"/>
+          </p:cNvSpPr>
+          <p:nvPr>
+            <p:ph type="body" idx="1"/>
+          </p:nvPr>
+        </p:nvSpPr>
+        <p:spPr/>
+        <p:txBody>
+          <a:bodyPr/>
+          <a:lstStyle/>
+          <a:p>
+            <a:r>
+              <a:rPr lang="pt-PT" dirty="0" smtClean="0"/>
+              <a:t>Explicar</a:t>
+            </a:r>
+            <a:r>
+              <a:rPr lang="pt-PT" baseline="0" dirty="0" smtClean="0"/>
+              <a:t> que: Esta </a:t>
+            </a:r>
+            <a:r>
+              <a:rPr lang="pt-PT" baseline="0" dirty="0" err="1" smtClean="0"/>
+              <a:t>class</a:t>
+            </a:r>
+            <a:r>
+              <a:rPr lang="pt-PT" baseline="0" dirty="0" smtClean="0"/>
+              <a:t> serve para associar os </a:t>
+            </a:r>
+            <a:r>
+              <a:rPr lang="pt-PT" baseline="0" dirty="0" err="1" smtClean="0"/>
+              <a:t>tokens</a:t>
+            </a:r>
+            <a:r>
+              <a:rPr lang="pt-PT" baseline="0" dirty="0" smtClean="0"/>
+              <a:t> da sintaxe gramatical para que sejam aplicados os estilos criados na outra </a:t>
+            </a:r>
+            <a:r>
+              <a:rPr lang="pt-PT" baseline="0" dirty="0" err="1" smtClean="0"/>
+              <a:t>class</a:t>
+            </a:r>
+            <a:r>
+              <a:rPr lang="pt-PT" baseline="0" dirty="0" smtClean="0"/>
+              <a:t> apresentada </a:t>
+            </a:r>
+            <a:r>
+              <a:rPr lang="pt-PT" baseline="0" dirty="0" err="1" smtClean="0"/>
+              <a:t>anterirormente</a:t>
+            </a:r>
+            <a:r>
+              <a:rPr lang="pt-PT" baseline="0" dirty="0" smtClean="0"/>
+              <a:t>.</a:t>
+            </a:r>
+          </a:p>
+          <a:p>
+            <a:endParaRPr lang="pt-PT" baseline="0" dirty="0" smtClean="0"/>
+          </a:p>
+          <a:p>
+            <a:r>
+              <a:rPr lang="pt-PT" baseline="0" dirty="0" smtClean="0"/>
+              <a:t>Dizer </a:t>
+            </a:r>
+            <a:r>
+              <a:rPr lang="pt-PT" baseline="0" dirty="0" err="1" smtClean="0"/>
+              <a:t>tmb</a:t>
+            </a:r>
+            <a:r>
+              <a:rPr lang="pt-PT" baseline="0" dirty="0" smtClean="0"/>
+              <a:t> que estas duas classes criadas: “PDS16asmHighlithingConfiguration” e “Pds16asmTokenAtributeIdMapper” tem que ser registadas. </a:t>
+            </a:r>
+            <a:r>
+              <a:rPr lang="pt-PT" baseline="0" dirty="0" smtClean="0"/>
+              <a:t>(imagem)</a:t>
+            </a:r>
+            <a:endParaRPr lang="pt-PT" baseline="0" dirty="0" smtClean="0"/>
+          </a:p>
+        </p:txBody>
+      </p:sp>
+      <p:sp>
+        <p:nvSpPr>
+          <p:cNvPr id="4" name="Marcador de Posição do Número do Diapositivo 3"/>
+          <p:cNvSpPr>
+            <a:spLocks noGrp="1"/>
+          </p:cNvSpPr>
+          <p:nvPr>
+            <p:ph type="sldNum" sz="quarter" idx="10"/>
+          </p:nvPr>
+        </p:nvSpPr>
+        <p:spPr/>
+        <p:txBody>
+          <a:bodyPr/>
+          <a:lstStyle/>
+          <a:p>
+            <a:fld id="{57619820-F9B7-4861-AAE2-DFC11E5F6C7F}" type="slidenum">
+              <a:rPr lang="pt-PT" smtClean="0"/>
+              <a:t>15</a:t>
+            </a:fld>
+            <a:endParaRPr lang="pt-PT"/>
+          </a:p>
+        </p:txBody>
+      </p:sp>
+    </p:spTree>
+    <p:extLst>
+      <p:ext uri="{BB962C8B-B14F-4D97-AF65-F5344CB8AC3E}">
+        <p14:creationId xmlns:p14="http://schemas.microsoft.com/office/powerpoint/2010/main" val="2280708066"/>
+      </p:ext>
+    </p:extLst>
+  </p:cSld>
+  <p:clrMapOvr>
+    <a:masterClrMapping/>
+  </p:clrMapOvr>
+</p:notes>
+</file>
+
+<file path=ppt/notesSlides/notesSlide13.xml><?xml version="1.0" encoding="utf-8"?>
+<p:notes xmlns:a="http://schemas.openxmlformats.org/drawingml/2006/main" xmlns:r="http://schemas.openxmlformats.org/officeDocument/2006/relationships" xmlns:p="http://schemas.openxmlformats.org/presentationml/2006/main">
+  <p:cSld>
+    <p:spTree>
+      <p:nvGrpSpPr>
+        <p:cNvPr id="1" name=""/>
+        <p:cNvGrpSpPr/>
+        <p:nvPr/>
+      </p:nvGrpSpPr>
+      <p:grpSpPr>
+        <a:xfrm>
+          <a:off x="0" y="0"/>
+          <a:ext cx="0" cy="0"/>
+          <a:chOff x="0" y="0"/>
+          <a:chExt cx="0" cy="0"/>
+        </a:xfrm>
+      </p:grpSpPr>
+      <p:sp>
+        <p:nvSpPr>
+          <p:cNvPr id="2" name="Marcador de Posição da Imagem do Diapositivo 1"/>
+          <p:cNvSpPr>
+            <a:spLocks noGrp="1" noRot="1" noChangeAspect="1"/>
+          </p:cNvSpPr>
+          <p:nvPr>
+            <p:ph type="sldImg"/>
+          </p:nvPr>
+        </p:nvSpPr>
+        <p:spPr/>
+      </p:sp>
+      <p:sp>
+        <p:nvSpPr>
+          <p:cNvPr id="3" name="Marcador de Posição de Notas 2"/>
+          <p:cNvSpPr>
+            <a:spLocks noGrp="1"/>
+          </p:cNvSpPr>
+          <p:nvPr>
+            <p:ph type="body" idx="1"/>
+          </p:nvPr>
+        </p:nvSpPr>
+        <p:spPr/>
+        <p:txBody>
+          <a:bodyPr/>
+          <a:lstStyle/>
+          <a:p>
+            <a:r>
+              <a:rPr lang="pt-PT" dirty="0" smtClean="0"/>
+              <a:t>Explicar/Introduzir o que é o </a:t>
+            </a:r>
+            <a:r>
+              <a:rPr lang="pt-PT" dirty="0" err="1" smtClean="0"/>
+              <a:t>outline</a:t>
+            </a:r>
+            <a:r>
+              <a:rPr lang="pt-PT" dirty="0" smtClean="0"/>
+              <a:t> e para que serve.</a:t>
+            </a:r>
+            <a:endParaRPr lang="pt-PT" dirty="0"/>
+          </a:p>
+        </p:txBody>
+      </p:sp>
+      <p:sp>
+        <p:nvSpPr>
+          <p:cNvPr id="4" name="Marcador de Posição do Número do Diapositivo 3"/>
+          <p:cNvSpPr>
+            <a:spLocks noGrp="1"/>
+          </p:cNvSpPr>
+          <p:nvPr>
+            <p:ph type="sldNum" sz="quarter" idx="10"/>
+          </p:nvPr>
+        </p:nvSpPr>
+        <p:spPr/>
+        <p:txBody>
+          <a:bodyPr/>
+          <a:lstStyle/>
+          <a:p>
+            <a:fld id="{57619820-F9B7-4861-AAE2-DFC11E5F6C7F}" type="slidenum">
+              <a:rPr lang="pt-PT" smtClean="0"/>
+              <a:t>16</a:t>
+            </a:fld>
+            <a:endParaRPr lang="pt-PT"/>
+          </a:p>
+        </p:txBody>
+      </p:sp>
+    </p:spTree>
+    <p:extLst>
+      <p:ext uri="{BB962C8B-B14F-4D97-AF65-F5344CB8AC3E}">
+        <p14:creationId xmlns:p14="http://schemas.microsoft.com/office/powerpoint/2010/main" val="823823610"/>
+      </p:ext>
+    </p:extLst>
+  </p:cSld>
+  <p:clrMapOvr>
+    <a:masterClrMapping/>
+  </p:clrMapOvr>
+</p:notes>
+</file>
+
+<file path=ppt/notesSlides/notesSlide14.xml><?xml version="1.0" encoding="utf-8"?>
+<p:notes xmlns:a="http://schemas.openxmlformats.org/drawingml/2006/main" xmlns:r="http://schemas.openxmlformats.org/officeDocument/2006/relationships" xmlns:p="http://schemas.openxmlformats.org/presentationml/2006/main">
+  <p:cSld>
+    <p:spTree>
+      <p:nvGrpSpPr>
+        <p:cNvPr id="1" name=""/>
+        <p:cNvGrpSpPr/>
+        <p:nvPr/>
+      </p:nvGrpSpPr>
+      <p:grpSpPr>
+        <a:xfrm>
+          <a:off x="0" y="0"/>
+          <a:ext cx="0" cy="0"/>
+          <a:chOff x="0" y="0"/>
+          <a:chExt cx="0" cy="0"/>
+        </a:xfrm>
+      </p:grpSpPr>
+      <p:sp>
+        <p:nvSpPr>
+          <p:cNvPr id="2" name="Marcador de Posição da Imagem do Diapositivo 1"/>
+          <p:cNvSpPr>
+            <a:spLocks noGrp="1" noRot="1" noChangeAspect="1"/>
+          </p:cNvSpPr>
+          <p:nvPr>
+            <p:ph type="sldImg"/>
+          </p:nvPr>
+        </p:nvSpPr>
+        <p:spPr/>
+      </p:sp>
+      <p:sp>
+        <p:nvSpPr>
+          <p:cNvPr id="3" name="Marcador de Posição de Notas 2"/>
+          <p:cNvSpPr>
+            <a:spLocks noGrp="1"/>
+          </p:cNvSpPr>
+          <p:nvPr>
+            <p:ph type="body" idx="1"/>
+          </p:nvPr>
+        </p:nvSpPr>
+        <p:spPr/>
+        <p:txBody>
+          <a:bodyPr/>
+          <a:lstStyle/>
+          <a:p>
+            <a:r>
+              <a:rPr lang="pt-PT" baseline="0" dirty="0" smtClean="0"/>
+              <a:t>Aqui </a:t>
+            </a:r>
+            <a:r>
+              <a:rPr lang="pt-PT" baseline="0" dirty="0" smtClean="0"/>
+              <a:t>explicasse os parâmetros do método e o método faz e dizer quais os elementos que suportamos. </a:t>
+            </a:r>
+            <a:endParaRPr lang="pt-PT" baseline="0" dirty="0" smtClean="0"/>
+          </a:p>
+          <a:p>
+            <a:r>
+              <a:rPr lang="pt-PT" baseline="0" dirty="0" smtClean="0"/>
+              <a:t>FUNCIONA COMO FILTRO</a:t>
+            </a:r>
+            <a:endParaRPr lang="pt-PT" baseline="0" dirty="0" smtClean="0"/>
+          </a:p>
+        </p:txBody>
+      </p:sp>
+      <p:sp>
+        <p:nvSpPr>
+          <p:cNvPr id="4" name="Marcador de Posição do Número do Diapositivo 3"/>
+          <p:cNvSpPr>
+            <a:spLocks noGrp="1"/>
+          </p:cNvSpPr>
+          <p:nvPr>
+            <p:ph type="sldNum" sz="quarter" idx="10"/>
+          </p:nvPr>
+        </p:nvSpPr>
+        <p:spPr/>
+        <p:txBody>
+          <a:bodyPr/>
+          <a:lstStyle/>
+          <a:p>
+            <a:fld id="{57619820-F9B7-4861-AAE2-DFC11E5F6C7F}" type="slidenum">
+              <a:rPr lang="pt-PT" smtClean="0"/>
+              <a:t>17</a:t>
+            </a:fld>
+            <a:endParaRPr lang="pt-PT"/>
+          </a:p>
+        </p:txBody>
+      </p:sp>
+    </p:spTree>
+    <p:extLst>
+      <p:ext uri="{BB962C8B-B14F-4D97-AF65-F5344CB8AC3E}">
+        <p14:creationId xmlns:p14="http://schemas.microsoft.com/office/powerpoint/2010/main" val="1241106120"/>
+      </p:ext>
+    </p:extLst>
+  </p:cSld>
+  <p:clrMapOvr>
+    <a:masterClrMapping/>
+  </p:clrMapOvr>
+</p:notes>
+</file>
+
+<file path=ppt/notesSlides/notesSlide15.xml><?xml version="1.0" encoding="utf-8"?>
+<p:notes xmlns:a="http://schemas.openxmlformats.org/drawingml/2006/main" xmlns:r="http://schemas.openxmlformats.org/officeDocument/2006/relationships" xmlns:p="http://schemas.openxmlformats.org/presentationml/2006/main">
+  <p:cSld>
+    <p:spTree>
+      <p:nvGrpSpPr>
+        <p:cNvPr id="1" name=""/>
+        <p:cNvGrpSpPr/>
+        <p:nvPr/>
+      </p:nvGrpSpPr>
+      <p:grpSpPr>
+        <a:xfrm>
+          <a:off x="0" y="0"/>
+          <a:ext cx="0" cy="0"/>
+          <a:chOff x="0" y="0"/>
+          <a:chExt cx="0" cy="0"/>
+        </a:xfrm>
+      </p:grpSpPr>
+      <p:sp>
+        <p:nvSpPr>
+          <p:cNvPr id="2" name="Marcador de Posição da Imagem do Diapositivo 1"/>
+          <p:cNvSpPr>
+            <a:spLocks noGrp="1" noRot="1" noChangeAspect="1"/>
+          </p:cNvSpPr>
+          <p:nvPr>
+            <p:ph type="sldImg"/>
+          </p:nvPr>
+        </p:nvSpPr>
+        <p:spPr/>
+      </p:sp>
+      <p:sp>
+        <p:nvSpPr>
+          <p:cNvPr id="3" name="Marcador de Posição de Notas 2"/>
+          <p:cNvSpPr>
+            <a:spLocks noGrp="1"/>
+          </p:cNvSpPr>
+          <p:nvPr>
+            <p:ph type="body" idx="1"/>
+          </p:nvPr>
+        </p:nvSpPr>
+        <p:spPr/>
+        <p:txBody>
+          <a:bodyPr/>
+          <a:lstStyle/>
+          <a:p>
+            <a:r>
+              <a:rPr lang="pt-PT" dirty="0" smtClean="0"/>
+              <a:t>Dizer</a:t>
+            </a:r>
+            <a:r>
+              <a:rPr lang="pt-PT" baseline="0" dirty="0" smtClean="0"/>
+              <a:t> </a:t>
+            </a:r>
+            <a:r>
+              <a:rPr lang="pt-PT" baseline="0" dirty="0" smtClean="0"/>
+              <a:t>que para cada tipo de regra da gramatica suportada pelo </a:t>
+            </a:r>
+            <a:r>
+              <a:rPr lang="pt-PT" baseline="0" dirty="0" err="1" smtClean="0"/>
+              <a:t>outline</a:t>
+            </a:r>
+            <a:r>
+              <a:rPr lang="pt-PT" baseline="0" dirty="0" smtClean="0"/>
+              <a:t>, é calculado o nome a apresentar no elemento final</a:t>
+            </a:r>
+            <a:r>
+              <a:rPr lang="pt-PT" baseline="0" dirty="0" smtClean="0"/>
+              <a:t>.</a:t>
+            </a:r>
+          </a:p>
+          <a:p>
+            <a:endParaRPr lang="pt-PT" baseline="0" dirty="0" smtClean="0"/>
+          </a:p>
+          <a:p>
+            <a:r>
+              <a:rPr lang="pt-PT" baseline="0" dirty="0" smtClean="0"/>
+              <a:t>Estes 2 últimos classes, á semelhança dos validadores, são classes geradas pela framework se se encontra neste caso registadas na </a:t>
+            </a:r>
+            <a:r>
+              <a:rPr lang="pt-PT" baseline="0" dirty="0" err="1" smtClean="0"/>
+              <a:t>DefaultiUiModule</a:t>
+            </a:r>
+            <a:endParaRPr lang="pt-PT" baseline="0" dirty="0" smtClean="0"/>
+          </a:p>
+        </p:txBody>
+      </p:sp>
+      <p:sp>
+        <p:nvSpPr>
+          <p:cNvPr id="4" name="Marcador de Posição do Número do Diapositivo 3"/>
+          <p:cNvSpPr>
+            <a:spLocks noGrp="1"/>
+          </p:cNvSpPr>
+          <p:nvPr>
+            <p:ph type="sldNum" sz="quarter" idx="10"/>
+          </p:nvPr>
+        </p:nvSpPr>
+        <p:spPr/>
+        <p:txBody>
+          <a:bodyPr/>
+          <a:lstStyle/>
+          <a:p>
+            <a:fld id="{57619820-F9B7-4861-AAE2-DFC11E5F6C7F}" type="slidenum">
+              <a:rPr lang="pt-PT" smtClean="0"/>
+              <a:t>18</a:t>
+            </a:fld>
+            <a:endParaRPr lang="pt-PT"/>
+          </a:p>
+        </p:txBody>
+      </p:sp>
+    </p:spTree>
+    <p:extLst>
+      <p:ext uri="{BB962C8B-B14F-4D97-AF65-F5344CB8AC3E}">
+        <p14:creationId xmlns:p14="http://schemas.microsoft.com/office/powerpoint/2010/main" val="562682926"/>
+      </p:ext>
+    </p:extLst>
+  </p:cSld>
+  <p:clrMapOvr>
+    <a:masterClrMapping/>
+  </p:clrMapOvr>
+</p:notes>
+</file>
+
+<file path=ppt/notesSlides/notesSlide16.xml><?xml version="1.0" encoding="utf-8"?>
+<p:notes xmlns:a="http://schemas.openxmlformats.org/drawingml/2006/main" xmlns:r="http://schemas.openxmlformats.org/officeDocument/2006/relationships" xmlns:p="http://schemas.openxmlformats.org/presentationml/2006/main">
+  <p:cSld>
+    <p:spTree>
+      <p:nvGrpSpPr>
+        <p:cNvPr id="1" name=""/>
+        <p:cNvGrpSpPr/>
+        <p:nvPr/>
+      </p:nvGrpSpPr>
+      <p:grpSpPr>
+        <a:xfrm>
+          <a:off x="0" y="0"/>
+          <a:ext cx="0" cy="0"/>
+          <a:chOff x="0" y="0"/>
+          <a:chExt cx="0" cy="0"/>
+        </a:xfrm>
+      </p:grpSpPr>
+      <p:sp>
+        <p:nvSpPr>
+          <p:cNvPr id="2" name="Marcador de Posição da Imagem do Diapositivo 1"/>
+          <p:cNvSpPr>
+            <a:spLocks noGrp="1" noRot="1" noChangeAspect="1"/>
+          </p:cNvSpPr>
+          <p:nvPr>
+            <p:ph type="sldImg"/>
+          </p:nvPr>
+        </p:nvSpPr>
+        <p:spPr/>
+      </p:sp>
+      <p:sp>
+        <p:nvSpPr>
+          <p:cNvPr id="3" name="Marcador de Posição de Notas 2"/>
+          <p:cNvSpPr>
+            <a:spLocks noGrp="1"/>
+          </p:cNvSpPr>
+          <p:nvPr>
+            <p:ph type="body" idx="1"/>
+          </p:nvPr>
+        </p:nvSpPr>
+        <p:spPr/>
+        <p:txBody>
+          <a:bodyPr/>
+          <a:lstStyle/>
+          <a:p>
+            <a:r>
+              <a:rPr lang="pt-PT" dirty="0" smtClean="0"/>
+              <a:t>Introduzir</a:t>
+            </a:r>
+            <a:r>
+              <a:rPr lang="pt-PT" baseline="0" dirty="0" smtClean="0"/>
+              <a:t> que existe a integração com o </a:t>
+            </a:r>
+            <a:r>
+              <a:rPr lang="pt-PT" baseline="0" dirty="0" err="1" smtClean="0"/>
+              <a:t>assemblador</a:t>
+            </a:r>
+            <a:r>
+              <a:rPr lang="pt-PT" baseline="0" dirty="0" smtClean="0"/>
+              <a:t> DASM, externo a aplicação.</a:t>
+            </a:r>
+          </a:p>
+          <a:p>
+            <a:r>
+              <a:rPr lang="pt-PT" dirty="0" smtClean="0"/>
+              <a:t>Dizer</a:t>
+            </a:r>
+            <a:r>
+              <a:rPr lang="pt-PT" baseline="0" dirty="0" smtClean="0"/>
+              <a:t> o que fazemos com o resultado do processo de assemblagem introduzindo assim a visualização de erros de compilação.</a:t>
+            </a:r>
+            <a:endParaRPr lang="pt-PT" dirty="0"/>
+          </a:p>
+        </p:txBody>
+      </p:sp>
+      <p:sp>
+        <p:nvSpPr>
+          <p:cNvPr id="4" name="Marcador de Posição do Número do Diapositivo 3"/>
+          <p:cNvSpPr>
+            <a:spLocks noGrp="1"/>
+          </p:cNvSpPr>
+          <p:nvPr>
+            <p:ph type="sldNum" sz="quarter" idx="10"/>
+          </p:nvPr>
+        </p:nvSpPr>
+        <p:spPr/>
+        <p:txBody>
+          <a:bodyPr/>
+          <a:lstStyle/>
+          <a:p>
+            <a:fld id="{57619820-F9B7-4861-AAE2-DFC11E5F6C7F}" type="slidenum">
+              <a:rPr lang="pt-PT" smtClean="0"/>
+              <a:t>19</a:t>
+            </a:fld>
+            <a:endParaRPr lang="pt-PT"/>
+          </a:p>
+        </p:txBody>
+      </p:sp>
+    </p:spTree>
+    <p:extLst>
+      <p:ext uri="{BB962C8B-B14F-4D97-AF65-F5344CB8AC3E}">
+        <p14:creationId xmlns:p14="http://schemas.microsoft.com/office/powerpoint/2010/main" val="3222674771"/>
+      </p:ext>
+    </p:extLst>
+  </p:cSld>
+  <p:clrMapOvr>
+    <a:masterClrMapping/>
+  </p:clrMapOvr>
+</p:notes>
+</file>
+
+<file path=ppt/notesSlides/notesSlide17.xml><?xml version="1.0" encoding="utf-8"?>
+<p:notes xmlns:a="http://schemas.openxmlformats.org/drawingml/2006/main" xmlns:r="http://schemas.openxmlformats.org/officeDocument/2006/relationships" xmlns:p="http://schemas.openxmlformats.org/presentationml/2006/main">
+  <p:cSld>
+    <p:spTree>
+      <p:nvGrpSpPr>
+        <p:cNvPr id="1" name=""/>
+        <p:cNvGrpSpPr/>
+        <p:nvPr/>
+      </p:nvGrpSpPr>
+      <p:grpSpPr>
+        <a:xfrm>
+          <a:off x="0" y="0"/>
+          <a:ext cx="0" cy="0"/>
+          <a:chOff x="0" y="0"/>
+          <a:chExt cx="0" cy="0"/>
+        </a:xfrm>
+      </p:grpSpPr>
+      <p:sp>
+        <p:nvSpPr>
+          <p:cNvPr id="2" name="Marcador de Posição da Imagem do Diapositivo 1"/>
+          <p:cNvSpPr>
+            <a:spLocks noGrp="1" noRot="1" noChangeAspect="1"/>
+          </p:cNvSpPr>
+          <p:nvPr>
+            <p:ph type="sldImg"/>
+          </p:nvPr>
+        </p:nvSpPr>
+        <p:spPr/>
+      </p:sp>
+      <p:sp>
+        <p:nvSpPr>
+          <p:cNvPr id="3" name="Marcador de Posição de Notas 2"/>
+          <p:cNvSpPr>
+            <a:spLocks noGrp="1"/>
+          </p:cNvSpPr>
+          <p:nvPr>
+            <p:ph type="body" idx="1"/>
+          </p:nvPr>
+        </p:nvSpPr>
+        <p:spPr/>
+        <p:txBody>
+          <a:bodyPr/>
+          <a:lstStyle/>
+          <a:p>
+            <a:r>
+              <a:rPr lang="pt-PT" dirty="0" smtClean="0"/>
+              <a:t>Neste</a:t>
+            </a:r>
+            <a:r>
+              <a:rPr lang="pt-PT" baseline="0" dirty="0" smtClean="0"/>
+              <a:t> slide, explicar quando o método </a:t>
+            </a:r>
+            <a:r>
+              <a:rPr lang="pt-PT" baseline="0" dirty="0" err="1" smtClean="0"/>
+              <a:t>doGenerate</a:t>
+            </a:r>
+            <a:r>
+              <a:rPr lang="pt-PT" baseline="0" dirty="0" smtClean="0"/>
+              <a:t> é </a:t>
+            </a:r>
+            <a:r>
+              <a:rPr lang="pt-PT" baseline="0" dirty="0" smtClean="0"/>
+              <a:t>chamado (ao gravar, sem erros de validação)</a:t>
+            </a:r>
+          </a:p>
+          <a:p>
+            <a:r>
+              <a:rPr lang="pt-PT" baseline="0" dirty="0" smtClean="0"/>
+              <a:t>O é que faz o método</a:t>
+            </a:r>
+          </a:p>
+          <a:p>
+            <a:r>
+              <a:rPr lang="pt-PT" baseline="0" dirty="0" smtClean="0"/>
+              <a:t>Referir que o método </a:t>
+            </a:r>
+            <a:r>
+              <a:rPr lang="pt-PT" baseline="0" dirty="0" err="1" smtClean="0"/>
+              <a:t>generateErros</a:t>
+            </a:r>
+            <a:r>
+              <a:rPr lang="pt-PT" baseline="0" dirty="0" smtClean="0"/>
+              <a:t> marca os erros.</a:t>
+            </a:r>
+          </a:p>
+          <a:p>
+            <a:r>
+              <a:rPr lang="pt-PT" baseline="0" dirty="0" smtClean="0"/>
+              <a:t>Execute DASM, feito através de um </a:t>
+            </a:r>
+            <a:r>
+              <a:rPr lang="pt-PT" baseline="0" dirty="0" err="1" smtClean="0"/>
+              <a:t>Process</a:t>
+            </a:r>
+            <a:r>
+              <a:rPr lang="pt-PT" baseline="0" dirty="0" smtClean="0"/>
+              <a:t> </a:t>
+            </a:r>
+            <a:r>
+              <a:rPr lang="pt-PT" baseline="0" dirty="0" err="1" smtClean="0"/>
+              <a:t>Builder</a:t>
+            </a:r>
+            <a:r>
+              <a:rPr lang="pt-PT" baseline="0" dirty="0" smtClean="0"/>
+              <a:t>, inserindo como argumento o nome do ficheiro selecionado na edição, e evocando a ferramenta DASM</a:t>
+            </a:r>
+          </a:p>
+          <a:p>
+            <a:r>
+              <a:rPr lang="pt-PT" baseline="0" dirty="0" smtClean="0"/>
+              <a:t>Explicar como obtemos os erros a partir do output da execução do DASM e marcamos</a:t>
+            </a:r>
+            <a:endParaRPr lang="pt-PT" dirty="0"/>
+          </a:p>
+        </p:txBody>
+      </p:sp>
+      <p:sp>
+        <p:nvSpPr>
+          <p:cNvPr id="4" name="Marcador de Posição do Número do Diapositivo 3"/>
+          <p:cNvSpPr>
+            <a:spLocks noGrp="1"/>
+          </p:cNvSpPr>
+          <p:nvPr>
+            <p:ph type="sldNum" sz="quarter" idx="10"/>
+          </p:nvPr>
+        </p:nvSpPr>
+        <p:spPr/>
+        <p:txBody>
+          <a:bodyPr/>
+          <a:lstStyle/>
+          <a:p>
+            <a:fld id="{57619820-F9B7-4861-AAE2-DFC11E5F6C7F}" type="slidenum">
+              <a:rPr lang="pt-PT" smtClean="0"/>
+              <a:t>20</a:t>
+            </a:fld>
+            <a:endParaRPr lang="pt-PT"/>
+          </a:p>
+        </p:txBody>
+      </p:sp>
+    </p:spTree>
+    <p:extLst>
+      <p:ext uri="{BB962C8B-B14F-4D97-AF65-F5344CB8AC3E}">
+        <p14:creationId xmlns:p14="http://schemas.microsoft.com/office/powerpoint/2010/main" val="4293651133"/>
+      </p:ext>
+    </p:extLst>
+  </p:cSld>
+  <p:clrMapOvr>
+    <a:masterClrMapping/>
+  </p:clrMapOvr>
+</p:notes>
+</file>
+
+<file path=ppt/notesSlides/notesSlide18.xml><?xml version="1.0" encoding="utf-8"?>
+<p:notes xmlns:a="http://schemas.openxmlformats.org/drawingml/2006/main" xmlns:r="http://schemas.openxmlformats.org/officeDocument/2006/relationships" xmlns:p="http://schemas.openxmlformats.org/presentationml/2006/main">
+  <p:cSld>
+    <p:spTree>
+      <p:nvGrpSpPr>
+        <p:cNvPr id="1" name=""/>
+        <p:cNvGrpSpPr/>
+        <p:nvPr/>
+      </p:nvGrpSpPr>
+      <p:grpSpPr>
+        <a:xfrm>
+          <a:off x="0" y="0"/>
+          <a:ext cx="0" cy="0"/>
+          <a:chOff x="0" y="0"/>
+          <a:chExt cx="0" cy="0"/>
+        </a:xfrm>
+      </p:grpSpPr>
+      <p:sp>
+        <p:nvSpPr>
+          <p:cNvPr id="2" name="Marcador de Posição da Imagem do Diapositivo 1"/>
+          <p:cNvSpPr>
+            <a:spLocks noGrp="1" noRot="1" noChangeAspect="1"/>
+          </p:cNvSpPr>
+          <p:nvPr>
+            <p:ph type="sldImg"/>
+          </p:nvPr>
+        </p:nvSpPr>
+        <p:spPr/>
+      </p:sp>
+      <p:sp>
+        <p:nvSpPr>
+          <p:cNvPr id="3" name="Marcador de Posição de Notas 2"/>
+          <p:cNvSpPr>
+            <a:spLocks noGrp="1"/>
+          </p:cNvSpPr>
+          <p:nvPr>
+            <p:ph type="body" idx="1"/>
+          </p:nvPr>
+        </p:nvSpPr>
+        <p:spPr/>
+        <p:txBody>
+          <a:bodyPr/>
+          <a:lstStyle/>
+          <a:p>
+            <a:r>
+              <a:rPr lang="pt-PT" dirty="0" smtClean="0"/>
+              <a:t>Referir o site</a:t>
+            </a:r>
+            <a:r>
+              <a:rPr lang="pt-PT" baseline="0" dirty="0" smtClean="0"/>
+              <a:t> onde se encontra o processo (NÃO EXPLICAR O PROCESSO NA INTEGRA!)</a:t>
+            </a:r>
+            <a:endParaRPr lang="pt-PT" dirty="0" smtClean="0"/>
+          </a:p>
+          <a:p>
+            <a:r>
+              <a:rPr lang="pt-PT" dirty="0" smtClean="0"/>
+              <a:t>Mesma Demo inicial, apenas com</a:t>
+            </a:r>
+            <a:r>
+              <a:rPr lang="pt-PT" baseline="0" dirty="0" smtClean="0"/>
+              <a:t> a demonstração através do </a:t>
+            </a:r>
+            <a:r>
+              <a:rPr lang="pt-PT" baseline="0" dirty="0" err="1" smtClean="0"/>
+              <a:t>plug</a:t>
+            </a:r>
+            <a:r>
+              <a:rPr lang="pt-PT" baseline="0" dirty="0" smtClean="0"/>
+              <a:t> in, evidenciando a rapidez do processo, se houver muito tempo, repetir a parte do </a:t>
+            </a:r>
+            <a:r>
+              <a:rPr lang="pt-PT" baseline="0" dirty="0" err="1" smtClean="0"/>
+              <a:t>notepad</a:t>
+            </a:r>
+            <a:r>
+              <a:rPr lang="pt-PT" baseline="0" dirty="0" smtClean="0"/>
+              <a:t>++</a:t>
+            </a:r>
+          </a:p>
+          <a:p>
+            <a:endParaRPr lang="pt-PT" dirty="0"/>
+          </a:p>
+        </p:txBody>
+      </p:sp>
+      <p:sp>
+        <p:nvSpPr>
+          <p:cNvPr id="4" name="Marcador de Posição do Número do Diapositivo 3"/>
+          <p:cNvSpPr>
+            <a:spLocks noGrp="1"/>
+          </p:cNvSpPr>
+          <p:nvPr>
+            <p:ph type="sldNum" sz="quarter" idx="10"/>
+          </p:nvPr>
+        </p:nvSpPr>
+        <p:spPr/>
+        <p:txBody>
+          <a:bodyPr/>
+          <a:lstStyle/>
+          <a:p>
+            <a:fld id="{57619820-F9B7-4861-AAE2-DFC11E5F6C7F}" type="slidenum">
+              <a:rPr lang="pt-PT" smtClean="0"/>
+              <a:t>21</a:t>
+            </a:fld>
+            <a:endParaRPr lang="pt-PT"/>
+          </a:p>
+        </p:txBody>
+      </p:sp>
+    </p:spTree>
+    <p:extLst>
+      <p:ext uri="{BB962C8B-B14F-4D97-AF65-F5344CB8AC3E}">
+        <p14:creationId xmlns:p14="http://schemas.microsoft.com/office/powerpoint/2010/main" val="836537416"/>
+      </p:ext>
+    </p:extLst>
+  </p:cSld>
+  <p:clrMapOvr>
+    <a:masterClrMapping/>
+  </p:clrMapOvr>
+</p:notes>
+</file>
+
+<file path=ppt/notesSlides/notesSlide19.xml><?xml version="1.0" encoding="utf-8"?>
+<p:notes xmlns:a="http://schemas.openxmlformats.org/drawingml/2006/main" xmlns:r="http://schemas.openxmlformats.org/officeDocument/2006/relationships" xmlns:p="http://schemas.openxmlformats.org/presentationml/2006/main">
+  <p:cSld>
+    <p:spTree>
+      <p:nvGrpSpPr>
+        <p:cNvPr id="1" name=""/>
+        <p:cNvGrpSpPr/>
+        <p:nvPr/>
+      </p:nvGrpSpPr>
+      <p:grpSpPr>
+        <a:xfrm>
+          <a:off x="0" y="0"/>
+          <a:ext cx="0" cy="0"/>
+          <a:chOff x="0" y="0"/>
+          <a:chExt cx="0" cy="0"/>
+        </a:xfrm>
+      </p:grpSpPr>
+      <p:sp>
+        <p:nvSpPr>
+          <p:cNvPr id="2" name="Marcador de Posição da Imagem do Diapositivo 1"/>
+          <p:cNvSpPr>
+            <a:spLocks noGrp="1" noRot="1" noChangeAspect="1"/>
+          </p:cNvSpPr>
+          <p:nvPr>
+            <p:ph type="sldImg"/>
+          </p:nvPr>
+        </p:nvSpPr>
+        <p:spPr/>
+      </p:sp>
+      <p:sp>
+        <p:nvSpPr>
+          <p:cNvPr id="3" name="Marcador de Posição de Notas 2"/>
+          <p:cNvSpPr>
+            <a:spLocks noGrp="1"/>
+          </p:cNvSpPr>
+          <p:nvPr>
+            <p:ph type="body" idx="1"/>
+          </p:nvPr>
+        </p:nvSpPr>
+        <p:spPr/>
+        <p:txBody>
+          <a:bodyPr/>
+          <a:lstStyle/>
+          <a:p>
+            <a:r>
+              <a:rPr lang="pt-PT" dirty="0" smtClean="0"/>
+              <a:t>Indicar que foram cumprido</a:t>
+            </a:r>
+            <a:r>
+              <a:rPr lang="pt-PT" baseline="0" dirty="0" smtClean="0"/>
+              <a:t>s os objetivos </a:t>
+            </a:r>
+            <a:r>
+              <a:rPr lang="pt-PT" baseline="0" dirty="0" err="1" smtClean="0"/>
+              <a:t>establecidos</a:t>
+            </a:r>
+            <a:r>
+              <a:rPr lang="pt-PT" baseline="0" dirty="0" smtClean="0"/>
+              <a:t>, sendo que se obteve uma ferramenta funcional que auxilia bastante o desenvolvimento de programas nesta linguagem.</a:t>
+            </a:r>
+          </a:p>
+          <a:p>
+            <a:r>
+              <a:rPr lang="pt-PT" baseline="0" dirty="0" smtClean="0"/>
+              <a:t>Esta ferramenta encontra-se numa versão estável sendo que está disponível para continuação de desenvolvimento</a:t>
+            </a:r>
+            <a:endParaRPr lang="pt-PT" dirty="0"/>
+          </a:p>
+        </p:txBody>
+      </p:sp>
+      <p:sp>
+        <p:nvSpPr>
+          <p:cNvPr id="4" name="Marcador de Posição do Número do Diapositivo 3"/>
+          <p:cNvSpPr>
+            <a:spLocks noGrp="1"/>
+          </p:cNvSpPr>
+          <p:nvPr>
+            <p:ph type="sldNum" sz="quarter" idx="10"/>
+          </p:nvPr>
+        </p:nvSpPr>
+        <p:spPr/>
+        <p:txBody>
+          <a:bodyPr/>
+          <a:lstStyle/>
+          <a:p>
+            <a:fld id="{57619820-F9B7-4861-AAE2-DFC11E5F6C7F}" type="slidenum">
+              <a:rPr lang="pt-PT" smtClean="0"/>
+              <a:t>22</a:t>
+            </a:fld>
+            <a:endParaRPr lang="pt-PT"/>
+          </a:p>
+        </p:txBody>
+      </p:sp>
+    </p:spTree>
+    <p:extLst>
+      <p:ext uri="{BB962C8B-B14F-4D97-AF65-F5344CB8AC3E}">
+        <p14:creationId xmlns:p14="http://schemas.microsoft.com/office/powerpoint/2010/main" val="1994354841"/>
+      </p:ext>
+    </p:extLst>
+  </p:cSld>
+  <p:clrMapOvr>
+    <a:masterClrMapping/>
+  </p:clrMapOvr>
+</p:notes>
+</file>
+
+<file path=ppt/notesSlides/notesSlide2.xml><?xml version="1.0" encoding="utf-8"?>
+<p:notes xmlns:a="http://schemas.openxmlformats.org/drawingml/2006/main" xmlns:r="http://schemas.openxmlformats.org/officeDocument/2006/relationships" xmlns:p="http://schemas.openxmlformats.org/presentationml/2006/main">
+  <p:cSld>
+    <p:spTree>
+      <p:nvGrpSpPr>
+        <p:cNvPr id="1" name=""/>
+        <p:cNvGrpSpPr/>
+        <p:nvPr/>
+      </p:nvGrpSpPr>
+      <p:grpSpPr>
+        <a:xfrm>
+          <a:off x="0" y="0"/>
+          <a:ext cx="0" cy="0"/>
+          <a:chOff x="0" y="0"/>
+          <a:chExt cx="0" cy="0"/>
+        </a:xfrm>
+      </p:grpSpPr>
+      <p:sp>
+        <p:nvSpPr>
+          <p:cNvPr id="2" name="Marcador de Posição da Imagem do Diapositivo 1"/>
+          <p:cNvSpPr>
+            <a:spLocks noGrp="1" noRot="1" noChangeAspect="1"/>
+          </p:cNvSpPr>
+          <p:nvPr>
+            <p:ph type="sldImg"/>
+          </p:nvPr>
+        </p:nvSpPr>
+        <p:spPr/>
+      </p:sp>
+      <p:sp>
+        <p:nvSpPr>
+          <p:cNvPr id="3" name="Marcador de Posição de Notas 2"/>
+          <p:cNvSpPr>
+            <a:spLocks noGrp="1"/>
+          </p:cNvSpPr>
+          <p:nvPr>
+            <p:ph type="body" idx="1"/>
+          </p:nvPr>
+        </p:nvSpPr>
+        <p:spPr/>
+        <p:txBody>
+          <a:bodyPr/>
+          <a:lstStyle/>
+          <a:p>
+            <a:r>
+              <a:rPr lang="pt-PT" dirty="0" smtClean="0"/>
+              <a:t>Explicar:</a:t>
+            </a:r>
+          </a:p>
+          <a:p>
+            <a:r>
+              <a:rPr lang="pt-PT" dirty="0" smtClean="0"/>
+              <a:t>-Num projeto Xtext existem packages (indicar todos:</a:t>
+            </a:r>
+            <a:r>
+              <a:rPr lang="pt-PT" baseline="0" dirty="0" smtClean="0"/>
+              <a:t> pds16asm, ui, ide, </a:t>
+            </a:r>
+            <a:r>
+              <a:rPr lang="pt-PT" baseline="0" dirty="0" err="1" smtClean="0"/>
+              <a:t>tests</a:t>
+            </a:r>
+            <a:r>
+              <a:rPr lang="pt-PT" baseline="0" dirty="0" smtClean="0"/>
+              <a:t>), mas que para as funcionalidades implementadas só utilizamos 2</a:t>
+            </a:r>
+          </a:p>
+          <a:p>
+            <a:r>
+              <a:rPr lang="pt-PT" baseline="0" dirty="0" smtClean="0"/>
+              <a:t>-nestes packages existem módulos, que indicam que componentes devem ser utilizados na geração da linguagem:</a:t>
+            </a:r>
+          </a:p>
+          <a:p>
+            <a:r>
+              <a:rPr lang="pt-PT" baseline="0" dirty="0" smtClean="0"/>
+              <a:t>    -no </a:t>
+            </a:r>
+            <a:r>
+              <a:rPr lang="pt-PT" baseline="0" dirty="0" err="1" smtClean="0"/>
+              <a:t>Runtime</a:t>
+            </a:r>
+            <a:r>
+              <a:rPr lang="pt-PT" baseline="0" dirty="0" smtClean="0"/>
+              <a:t>, onde é definida a gramatica, </a:t>
+            </a:r>
+            <a:r>
+              <a:rPr lang="pt-PT" baseline="0" dirty="0" err="1" smtClean="0"/>
+              <a:t>convertrs</a:t>
+            </a:r>
+            <a:r>
+              <a:rPr lang="pt-PT" baseline="0" dirty="0" smtClean="0"/>
+              <a:t>, </a:t>
+            </a:r>
+            <a:r>
+              <a:rPr lang="pt-PT" baseline="0" dirty="0" err="1" smtClean="0"/>
+              <a:t>validators</a:t>
+            </a:r>
+            <a:r>
+              <a:rPr lang="pt-PT" baseline="0" dirty="0" smtClean="0"/>
+              <a:t> </a:t>
+            </a:r>
+            <a:r>
+              <a:rPr lang="pt-PT" baseline="0" dirty="0" err="1" smtClean="0"/>
+              <a:t>etc</a:t>
+            </a:r>
+            <a:r>
+              <a:rPr lang="pt-PT" baseline="0" dirty="0" smtClean="0"/>
+              <a:t>, tudo o que implica analisa da linguagem</a:t>
+            </a:r>
+          </a:p>
+          <a:p>
+            <a:r>
+              <a:rPr lang="pt-PT" baseline="0" dirty="0" smtClean="0"/>
+              <a:t>    -no UI, é responsável pela parte gráfica, </a:t>
+            </a:r>
+            <a:r>
+              <a:rPr lang="pt-PT" baseline="0" dirty="0" err="1" smtClean="0"/>
+              <a:t>ex</a:t>
+            </a:r>
+            <a:r>
+              <a:rPr lang="pt-PT" baseline="0" dirty="0" smtClean="0"/>
+              <a:t> </a:t>
+            </a:r>
+            <a:r>
+              <a:rPr lang="pt-PT" baseline="0" dirty="0" err="1" smtClean="0"/>
+              <a:t>highlighting</a:t>
+            </a:r>
+            <a:r>
+              <a:rPr lang="pt-PT" baseline="0" dirty="0" smtClean="0"/>
+              <a:t>, </a:t>
+            </a:r>
+            <a:r>
+              <a:rPr lang="pt-PT" baseline="0" dirty="0" err="1" smtClean="0"/>
+              <a:t>outiline</a:t>
+            </a:r>
+            <a:endParaRPr lang="pt-PT" baseline="0" dirty="0" smtClean="0"/>
+          </a:p>
+        </p:txBody>
+      </p:sp>
+      <p:sp>
+        <p:nvSpPr>
+          <p:cNvPr id="4" name="Marcador de Posição do Número do Diapositivo 3"/>
+          <p:cNvSpPr>
+            <a:spLocks noGrp="1"/>
+          </p:cNvSpPr>
+          <p:nvPr>
+            <p:ph type="sldNum" sz="quarter" idx="10"/>
+          </p:nvPr>
+        </p:nvSpPr>
+        <p:spPr/>
+        <p:txBody>
+          <a:bodyPr/>
+          <a:lstStyle/>
+          <a:p>
+            <a:fld id="{57619820-F9B7-4861-AAE2-DFC11E5F6C7F}" type="slidenum">
+              <a:rPr lang="pt-PT" smtClean="0"/>
+              <a:t>4</a:t>
+            </a:fld>
+            <a:endParaRPr lang="pt-PT"/>
+          </a:p>
+        </p:txBody>
+      </p:sp>
+    </p:spTree>
+    <p:extLst>
+      <p:ext uri="{BB962C8B-B14F-4D97-AF65-F5344CB8AC3E}">
+        <p14:creationId xmlns:p14="http://schemas.microsoft.com/office/powerpoint/2010/main" val="155078089"/>
+      </p:ext>
+    </p:extLst>
+  </p:cSld>
+  <p:clrMapOvr>
+    <a:masterClrMapping/>
+  </p:clrMapOvr>
+</p:notes>
+</file>
+
+<file path=ppt/notesSlides/notesSlide20.xml><?xml version="1.0" encoding="utf-8"?>
+<p:notes xmlns:a="http://schemas.openxmlformats.org/drawingml/2006/main" xmlns:r="http://schemas.openxmlformats.org/officeDocument/2006/relationships" xmlns:p="http://schemas.openxmlformats.org/presentationml/2006/main">
+  <p:cSld>
+    <p:spTree>
+      <p:nvGrpSpPr>
+        <p:cNvPr id="1" name=""/>
+        <p:cNvGrpSpPr/>
+        <p:nvPr/>
+      </p:nvGrpSpPr>
+      <p:grpSpPr>
+        <a:xfrm>
+          <a:off x="0" y="0"/>
+          <a:ext cx="0" cy="0"/>
+          <a:chOff x="0" y="0"/>
+          <a:chExt cx="0" cy="0"/>
+        </a:xfrm>
+      </p:grpSpPr>
+      <p:sp>
+        <p:nvSpPr>
+          <p:cNvPr id="2" name="Marcador de Posição da Imagem do Diapositivo 1"/>
+          <p:cNvSpPr>
+            <a:spLocks noGrp="1" noRot="1" noChangeAspect="1"/>
+          </p:cNvSpPr>
+          <p:nvPr>
+            <p:ph type="sldImg"/>
+          </p:nvPr>
+        </p:nvSpPr>
+        <p:spPr/>
+      </p:sp>
+      <p:sp>
+        <p:nvSpPr>
+          <p:cNvPr id="3" name="Marcador de Posição de Notas 2"/>
+          <p:cNvSpPr>
+            <a:spLocks noGrp="1"/>
+          </p:cNvSpPr>
+          <p:nvPr>
+            <p:ph type="body" idx="1"/>
+          </p:nvPr>
+        </p:nvSpPr>
+        <p:spPr/>
+        <p:txBody>
+          <a:bodyPr/>
+          <a:lstStyle/>
+          <a:p>
+            <a:endParaRPr lang="pt-PT" dirty="0"/>
+          </a:p>
+        </p:txBody>
+      </p:sp>
+      <p:sp>
+        <p:nvSpPr>
+          <p:cNvPr id="4" name="Marcador de Posição do Número do Diapositivo 3"/>
+          <p:cNvSpPr>
+            <a:spLocks noGrp="1"/>
+          </p:cNvSpPr>
+          <p:nvPr>
+            <p:ph type="sldNum" sz="quarter" idx="10"/>
+          </p:nvPr>
+        </p:nvSpPr>
+        <p:spPr/>
+        <p:txBody>
+          <a:bodyPr/>
+          <a:lstStyle/>
+          <a:p>
+            <a:fld id="{57619820-F9B7-4861-AAE2-DFC11E5F6C7F}" type="slidenum">
+              <a:rPr lang="pt-PT" smtClean="0"/>
+              <a:t>23</a:t>
+            </a:fld>
+            <a:endParaRPr lang="pt-PT"/>
+          </a:p>
+        </p:txBody>
+      </p:sp>
+    </p:spTree>
+    <p:extLst>
+      <p:ext uri="{BB962C8B-B14F-4D97-AF65-F5344CB8AC3E}">
+        <p14:creationId xmlns:p14="http://schemas.microsoft.com/office/powerpoint/2010/main" val="3824304476"/>
+      </p:ext>
+    </p:extLst>
+  </p:cSld>
+  <p:clrMapOvr>
+    <a:masterClrMapping/>
+  </p:clrMapOvr>
+</p:notes>
+</file>
+
+<file path=ppt/notesSlides/notesSlide3.xml><?xml version="1.0" encoding="utf-8"?>
+<p:notes xmlns:a="http://schemas.openxmlformats.org/drawingml/2006/main" xmlns:r="http://schemas.openxmlformats.org/officeDocument/2006/relationships" xmlns:p="http://schemas.openxmlformats.org/presentationml/2006/main">
+  <p:cSld>
+    <p:spTree>
+      <p:nvGrpSpPr>
+        <p:cNvPr id="1" name=""/>
+        <p:cNvGrpSpPr/>
+        <p:nvPr/>
+      </p:nvGrpSpPr>
+      <p:grpSpPr>
+        <a:xfrm>
+          <a:off x="0" y="0"/>
+          <a:ext cx="0" cy="0"/>
+          <a:chOff x="0" y="0"/>
+          <a:chExt cx="0" cy="0"/>
+        </a:xfrm>
+      </p:grpSpPr>
+      <p:sp>
+        <p:nvSpPr>
+          <p:cNvPr id="2" name="Marcador de Posição da Imagem do Diapositivo 1"/>
+          <p:cNvSpPr>
+            <a:spLocks noGrp="1" noRot="1" noChangeAspect="1"/>
+          </p:cNvSpPr>
+          <p:nvPr>
+            <p:ph type="sldImg"/>
+          </p:nvPr>
+        </p:nvSpPr>
+        <p:spPr/>
+      </p:sp>
+      <p:sp>
+        <p:nvSpPr>
+          <p:cNvPr id="3" name="Marcador de Posição de Notas 2"/>
+          <p:cNvSpPr>
+            <a:spLocks noGrp="1"/>
+          </p:cNvSpPr>
+          <p:nvPr>
+            <p:ph type="body" idx="1"/>
+          </p:nvPr>
+        </p:nvSpPr>
+        <p:spPr/>
+        <p:txBody>
+          <a:bodyPr/>
+          <a:lstStyle/>
+          <a:p>
+            <a:pPr marL="0" marR="0" indent="0" algn="l" defTabSz="914400" rtl="0" eaLnBrk="1" fontAlgn="auto" latinLnBrk="0" hangingPunct="1">
+              <a:lnSpc>
+                <a:spcPct val="100000"/>
+              </a:lnSpc>
+              <a:spcBef>
+                <a:spcPts val="0"/>
+              </a:spcBef>
+              <a:spcAft>
+                <a:spcPts val="0"/>
+              </a:spcAft>
+              <a:buClrTx/>
+              <a:buSzTx/>
+              <a:buFontTx/>
+              <a:buNone/>
+              <a:tabLst/>
+              <a:defRPr/>
+            </a:pPr>
+            <a:r>
+              <a:rPr lang="pt-PT" dirty="0" smtClean="0"/>
+              <a:t>Introduzir/Explicar</a:t>
+            </a:r>
+            <a:r>
+              <a:rPr lang="pt-PT" baseline="0" dirty="0" smtClean="0"/>
+              <a:t> que o editor oferece </a:t>
+            </a:r>
+            <a:r>
+              <a:rPr lang="pt-PT" baseline="0" dirty="0" err="1" smtClean="0"/>
+              <a:t>intellisense</a:t>
+            </a:r>
+            <a:r>
+              <a:rPr lang="pt-PT" baseline="0" dirty="0" smtClean="0"/>
+              <a:t> e a verificação de sintaxe apos definir a gramatica da linguagem.</a:t>
+            </a:r>
+          </a:p>
+          <a:p>
+            <a:pPr marL="0" marR="0" indent="0" algn="l" defTabSz="914400" rtl="0" eaLnBrk="1" fontAlgn="auto" latinLnBrk="0" hangingPunct="1">
+              <a:lnSpc>
+                <a:spcPct val="100000"/>
+              </a:lnSpc>
+              <a:spcBef>
+                <a:spcPts val="0"/>
+              </a:spcBef>
+              <a:spcAft>
+                <a:spcPts val="0"/>
+              </a:spcAft>
+              <a:buClrTx/>
+              <a:buSzTx/>
+              <a:buFontTx/>
+              <a:buNone/>
+              <a:tabLst/>
+              <a:defRPr/>
+            </a:pPr>
+            <a:endParaRPr lang="pt-PT" baseline="0" dirty="0" smtClean="0"/>
+          </a:p>
+          <a:p>
+            <a:pPr marL="0" marR="0" indent="0" algn="l" defTabSz="914400" rtl="0" eaLnBrk="1" fontAlgn="auto" latinLnBrk="0" hangingPunct="1">
+              <a:lnSpc>
+                <a:spcPct val="100000"/>
+              </a:lnSpc>
+              <a:spcBef>
+                <a:spcPts val="0"/>
+              </a:spcBef>
+              <a:spcAft>
+                <a:spcPts val="0"/>
+              </a:spcAft>
+              <a:buClrTx/>
+              <a:buSzTx/>
+              <a:buFontTx/>
+              <a:buNone/>
+              <a:tabLst/>
+              <a:defRPr/>
+            </a:pPr>
+            <a:r>
+              <a:rPr lang="pt-PT" baseline="0" dirty="0" smtClean="0"/>
+              <a:t>Explicar o que significa o termo gramática neste </a:t>
+            </a:r>
+            <a:r>
+              <a:rPr lang="pt-PT" baseline="0" dirty="0" err="1" smtClean="0"/>
+              <a:t>contexo</a:t>
+            </a:r>
+            <a:endParaRPr lang="pt-PT" baseline="0" dirty="0" smtClean="0"/>
+          </a:p>
+          <a:p>
+            <a:pPr marL="0" marR="0" indent="0" algn="l" defTabSz="914400" rtl="0" eaLnBrk="1" fontAlgn="auto" latinLnBrk="0" hangingPunct="1">
+              <a:lnSpc>
+                <a:spcPct val="100000"/>
+              </a:lnSpc>
+              <a:spcBef>
+                <a:spcPts val="0"/>
+              </a:spcBef>
+              <a:spcAft>
+                <a:spcPts val="0"/>
+              </a:spcAft>
+              <a:buClrTx/>
+              <a:buSzTx/>
+              <a:buFontTx/>
+              <a:buNone/>
+              <a:tabLst/>
+              <a:defRPr/>
+            </a:pPr>
+            <a:endParaRPr lang="pt-PT" baseline="0" dirty="0" smtClean="0"/>
+          </a:p>
+          <a:p>
+            <a:pPr marL="0" marR="0" indent="0" algn="l" defTabSz="914400" rtl="0" eaLnBrk="1" fontAlgn="auto" latinLnBrk="0" hangingPunct="1">
+              <a:lnSpc>
+                <a:spcPct val="100000"/>
+              </a:lnSpc>
+              <a:spcBef>
+                <a:spcPts val="0"/>
+              </a:spcBef>
+              <a:spcAft>
+                <a:spcPts val="0"/>
+              </a:spcAft>
+              <a:buClrTx/>
+              <a:buSzTx/>
+              <a:buFontTx/>
+              <a:buNone/>
+              <a:tabLst/>
+              <a:defRPr/>
+            </a:pPr>
+            <a:r>
+              <a:rPr lang="pt-PT" baseline="0" dirty="0" smtClean="0"/>
+              <a:t>Dizer que é o “coração” de um projeto Xtext</a:t>
+            </a:r>
+            <a:endParaRPr lang="pt-PT" dirty="0" smtClean="0"/>
+          </a:p>
+          <a:p>
+            <a:endParaRPr lang="pt-PT" dirty="0"/>
+          </a:p>
+        </p:txBody>
+      </p:sp>
+      <p:sp>
+        <p:nvSpPr>
+          <p:cNvPr id="4" name="Marcador de Posição do Número do Diapositivo 3"/>
+          <p:cNvSpPr>
+            <a:spLocks noGrp="1"/>
+          </p:cNvSpPr>
+          <p:nvPr>
+            <p:ph type="sldNum" sz="quarter" idx="10"/>
+          </p:nvPr>
+        </p:nvSpPr>
+        <p:spPr/>
+        <p:txBody>
+          <a:bodyPr/>
+          <a:lstStyle/>
+          <a:p>
+            <a:fld id="{57619820-F9B7-4861-AAE2-DFC11E5F6C7F}" type="slidenum">
+              <a:rPr lang="pt-PT" smtClean="0"/>
+              <a:t>6</a:t>
+            </a:fld>
+            <a:endParaRPr lang="pt-PT"/>
+          </a:p>
+        </p:txBody>
+      </p:sp>
+    </p:spTree>
+    <p:extLst>
+      <p:ext uri="{BB962C8B-B14F-4D97-AF65-F5344CB8AC3E}">
+        <p14:creationId xmlns:p14="http://schemas.microsoft.com/office/powerpoint/2010/main" val="1541298330"/>
+      </p:ext>
+    </p:extLst>
+  </p:cSld>
+  <p:clrMapOvr>
+    <a:masterClrMapping/>
+  </p:clrMapOvr>
+</p:notes>
+</file>
+
+<file path=ppt/notesSlides/notesSlide4.xml><?xml version="1.0" encoding="utf-8"?>
+<p:notes xmlns:a="http://schemas.openxmlformats.org/drawingml/2006/main" xmlns:r="http://schemas.openxmlformats.org/officeDocument/2006/relationships" xmlns:p="http://schemas.openxmlformats.org/presentationml/2006/main">
+  <p:cSld>
+    <p:spTree>
+      <p:nvGrpSpPr>
+        <p:cNvPr id="1" name=""/>
+        <p:cNvGrpSpPr/>
+        <p:nvPr/>
+      </p:nvGrpSpPr>
+      <p:grpSpPr>
+        <a:xfrm>
+          <a:off x="0" y="0"/>
+          <a:ext cx="0" cy="0"/>
+          <a:chOff x="0" y="0"/>
+          <a:chExt cx="0" cy="0"/>
+        </a:xfrm>
+      </p:grpSpPr>
+      <p:sp>
+        <p:nvSpPr>
+          <p:cNvPr id="2" name="Marcador de Posição da Imagem do Diapositivo 1"/>
+          <p:cNvSpPr>
+            <a:spLocks noGrp="1" noRot="1" noChangeAspect="1"/>
+          </p:cNvSpPr>
+          <p:nvPr>
+            <p:ph type="sldImg"/>
+          </p:nvPr>
+        </p:nvSpPr>
+        <p:spPr/>
+      </p:sp>
+      <p:sp>
+        <p:nvSpPr>
+          <p:cNvPr id="3" name="Marcador de Posição de Notas 2"/>
+          <p:cNvSpPr>
+            <a:spLocks noGrp="1"/>
+          </p:cNvSpPr>
+          <p:nvPr>
+            <p:ph type="body" idx="1"/>
+          </p:nvPr>
+        </p:nvSpPr>
+        <p:spPr/>
+        <p:txBody>
+          <a:bodyPr/>
+          <a:lstStyle/>
+          <a:p>
+            <a:pPr marL="0" marR="0" indent="0" algn="l" defTabSz="914400" rtl="0" eaLnBrk="1" fontAlgn="auto" latinLnBrk="0" hangingPunct="1">
+              <a:lnSpc>
+                <a:spcPct val="100000"/>
+              </a:lnSpc>
+              <a:spcBef>
+                <a:spcPts val="0"/>
+              </a:spcBef>
+              <a:spcAft>
+                <a:spcPts val="0"/>
+              </a:spcAft>
+              <a:buClrTx/>
+              <a:buSzTx/>
+              <a:buFontTx/>
+              <a:buNone/>
+              <a:tabLst/>
+              <a:defRPr/>
+            </a:pPr>
+            <a:r>
+              <a:rPr lang="pt-PT" sz="1200" kern="1200" dirty="0" smtClean="0">
+                <a:solidFill>
+                  <a:schemeClr val="tx1"/>
+                </a:solidFill>
+                <a:effectLst/>
+                <a:latin typeface="+mn-lt"/>
+                <a:ea typeface="+mn-ea"/>
+                <a:cs typeface="+mn-cs"/>
+              </a:rPr>
+              <a:t>corpo </a:t>
+            </a:r>
+            <a:r>
+              <a:rPr lang="pt-PT" sz="1200" kern="1200" dirty="0" smtClean="0">
+                <a:solidFill>
+                  <a:schemeClr val="tx1"/>
+                </a:solidFill>
+                <a:effectLst/>
+                <a:latin typeface="+mn-lt"/>
+                <a:ea typeface="+mn-ea"/>
+                <a:cs typeface="+mn-cs"/>
+              </a:rPr>
+              <a:t>de um ficheiro de gramática Xtext é </a:t>
+            </a:r>
+            <a:r>
+              <a:rPr lang="pt-PT" sz="1200" kern="1200" dirty="0" smtClean="0">
+                <a:solidFill>
+                  <a:schemeClr val="tx1"/>
+                </a:solidFill>
+                <a:effectLst/>
+                <a:latin typeface="+mn-lt"/>
+                <a:ea typeface="+mn-ea"/>
+                <a:cs typeface="+mn-cs"/>
+              </a:rPr>
+              <a:t>composto por </a:t>
+            </a:r>
+            <a:r>
+              <a:rPr lang="pt-PT" sz="1200" kern="1200" dirty="0" smtClean="0">
+                <a:solidFill>
+                  <a:schemeClr val="tx1"/>
+                </a:solidFill>
+                <a:effectLst/>
+                <a:latin typeface="+mn-lt"/>
+                <a:ea typeface="+mn-ea"/>
+                <a:cs typeface="+mn-cs"/>
+              </a:rPr>
+              <a:t>uma sequência de </a:t>
+            </a:r>
+            <a:r>
+              <a:rPr lang="pt-PT" sz="1200" kern="1200" dirty="0" smtClean="0">
+                <a:solidFill>
+                  <a:schemeClr val="tx1"/>
+                </a:solidFill>
+                <a:effectLst/>
+                <a:latin typeface="+mn-lt"/>
+                <a:ea typeface="+mn-ea"/>
+                <a:cs typeface="+mn-cs"/>
+              </a:rPr>
+              <a:t>regras;</a:t>
+            </a:r>
+          </a:p>
+          <a:p>
+            <a:pPr marL="0" marR="0" indent="0" algn="l" defTabSz="914400" rtl="0" eaLnBrk="1" fontAlgn="auto" latinLnBrk="0" hangingPunct="1">
+              <a:lnSpc>
+                <a:spcPct val="100000"/>
+              </a:lnSpc>
+              <a:spcBef>
+                <a:spcPts val="0"/>
+              </a:spcBef>
+              <a:spcAft>
+                <a:spcPts val="0"/>
+              </a:spcAft>
+              <a:buClrTx/>
+              <a:buSzTx/>
+              <a:buFontTx/>
+              <a:buNone/>
+              <a:tabLst/>
+              <a:defRPr/>
+            </a:pPr>
+            <a:r>
+              <a:rPr lang="pt-PT" dirty="0" smtClean="0"/>
+              <a:t>Para </a:t>
+            </a:r>
+            <a:r>
+              <a:rPr lang="pt-PT" dirty="0" smtClean="0"/>
+              <a:t>definir</a:t>
+            </a:r>
+            <a:r>
+              <a:rPr lang="pt-PT" baseline="0" dirty="0" smtClean="0"/>
+              <a:t> regras é necessário </a:t>
+            </a:r>
+            <a:r>
+              <a:rPr lang="pt-PT" baseline="0" dirty="0" smtClean="0"/>
+              <a:t>conhecer os </a:t>
+            </a:r>
+            <a:r>
+              <a:rPr lang="pt-PT" baseline="0" dirty="0" smtClean="0"/>
+              <a:t>elementos de sintaxe </a:t>
+            </a:r>
+            <a:r>
+              <a:rPr lang="pt-PT" baseline="0" dirty="0" smtClean="0"/>
+              <a:t>disponíveis;</a:t>
+            </a:r>
+          </a:p>
+          <a:p>
+            <a:pPr marL="0" marR="0" indent="0" algn="l" defTabSz="914400" rtl="0" eaLnBrk="1" fontAlgn="auto" latinLnBrk="0" hangingPunct="1">
+              <a:lnSpc>
+                <a:spcPct val="100000"/>
+              </a:lnSpc>
+              <a:spcBef>
+                <a:spcPts val="0"/>
+              </a:spcBef>
+              <a:spcAft>
+                <a:spcPts val="0"/>
+              </a:spcAft>
+              <a:buClrTx/>
+              <a:buSzTx/>
+              <a:buFontTx/>
+              <a:buNone/>
+              <a:tabLst/>
+              <a:defRPr/>
+            </a:pPr>
+            <a:r>
+              <a:rPr lang="pt-PT" baseline="0" dirty="0" smtClean="0"/>
+              <a:t>Estes elementos </a:t>
+            </a:r>
+            <a:r>
+              <a:rPr lang="pt-PT" baseline="0" dirty="0" err="1" smtClean="0"/>
+              <a:t>aulixiam</a:t>
+            </a:r>
+            <a:r>
+              <a:rPr lang="pt-PT" baseline="0" dirty="0" smtClean="0"/>
+              <a:t> a definição de regras</a:t>
+            </a:r>
+            <a:endParaRPr lang="pt-PT" dirty="0"/>
+          </a:p>
+        </p:txBody>
+      </p:sp>
+      <p:sp>
+        <p:nvSpPr>
+          <p:cNvPr id="4" name="Marcador de Posição do Número do Diapositivo 3"/>
+          <p:cNvSpPr>
+            <a:spLocks noGrp="1"/>
+          </p:cNvSpPr>
+          <p:nvPr>
+            <p:ph type="sldNum" sz="quarter" idx="10"/>
+          </p:nvPr>
+        </p:nvSpPr>
+        <p:spPr/>
+        <p:txBody>
+          <a:bodyPr/>
+          <a:lstStyle/>
+          <a:p>
+            <a:fld id="{57619820-F9B7-4861-AAE2-DFC11E5F6C7F}" type="slidenum">
+              <a:rPr lang="pt-PT" smtClean="0"/>
+              <a:t>7</a:t>
+            </a:fld>
+            <a:endParaRPr lang="pt-PT"/>
+          </a:p>
+        </p:txBody>
+      </p:sp>
+    </p:spTree>
+    <p:extLst>
+      <p:ext uri="{BB962C8B-B14F-4D97-AF65-F5344CB8AC3E}">
+        <p14:creationId xmlns:p14="http://schemas.microsoft.com/office/powerpoint/2010/main" val="709239707"/>
+      </p:ext>
+    </p:extLst>
+  </p:cSld>
+  <p:clrMapOvr>
+    <a:masterClrMapping/>
+  </p:clrMapOvr>
+</p:notes>
+</file>
+
+<file path=ppt/notesSlides/notesSlide5.xml><?xml version="1.0" encoding="utf-8"?>
+<p:notes xmlns:a="http://schemas.openxmlformats.org/drawingml/2006/main" xmlns:r="http://schemas.openxmlformats.org/officeDocument/2006/relationships" xmlns:p="http://schemas.openxmlformats.org/presentationml/2006/main">
+  <p:cSld>
+    <p:spTree>
+      <p:nvGrpSpPr>
+        <p:cNvPr id="1" name=""/>
+        <p:cNvGrpSpPr/>
+        <p:nvPr/>
+      </p:nvGrpSpPr>
+      <p:grpSpPr>
+        <a:xfrm>
+          <a:off x="0" y="0"/>
+          <a:ext cx="0" cy="0"/>
+          <a:chOff x="0" y="0"/>
+          <a:chExt cx="0" cy="0"/>
+        </a:xfrm>
+      </p:grpSpPr>
+      <p:sp>
+        <p:nvSpPr>
+          <p:cNvPr id="2" name="Marcador de Posição da Imagem do Diapositivo 1"/>
+          <p:cNvSpPr>
+            <a:spLocks noGrp="1" noRot="1" noChangeAspect="1"/>
+          </p:cNvSpPr>
+          <p:nvPr>
+            <p:ph type="sldImg"/>
+          </p:nvPr>
+        </p:nvSpPr>
+        <p:spPr/>
+      </p:sp>
+      <p:sp>
+        <p:nvSpPr>
+          <p:cNvPr id="3" name="Marcador de Posição de Notas 2"/>
+          <p:cNvSpPr>
+            <a:spLocks noGrp="1"/>
+          </p:cNvSpPr>
+          <p:nvPr>
+            <p:ph type="body" idx="1"/>
+          </p:nvPr>
+        </p:nvSpPr>
+        <p:spPr/>
+        <p:txBody>
+          <a:bodyPr/>
+          <a:lstStyle/>
+          <a:p>
+            <a:r>
+              <a:rPr lang="pt-PT" dirty="0" smtClean="0"/>
+              <a:t>Dizer que</a:t>
+            </a:r>
+            <a:r>
+              <a:rPr lang="pt-PT" baseline="0" dirty="0" smtClean="0"/>
+              <a:t> existem dois tipos de regras: </a:t>
+            </a:r>
+            <a:endParaRPr lang="pt-PT" baseline="0" dirty="0" smtClean="0"/>
+          </a:p>
+          <a:p>
+            <a:r>
+              <a:rPr lang="pt-PT" baseline="0" dirty="0" smtClean="0"/>
+              <a:t>-</a:t>
+            </a:r>
+            <a:r>
+              <a:rPr lang="pt-PT" baseline="0" dirty="0" err="1" smtClean="0"/>
+              <a:t>Parser</a:t>
+            </a:r>
+            <a:r>
+              <a:rPr lang="pt-PT" baseline="0" dirty="0" smtClean="0"/>
+              <a:t> Rules</a:t>
+            </a:r>
+          </a:p>
+          <a:p>
+            <a:r>
+              <a:rPr lang="pt-PT" baseline="0" dirty="0" smtClean="0"/>
+              <a:t>-Terminal Rules</a:t>
+            </a:r>
+          </a:p>
+          <a:p>
+            <a:r>
+              <a:rPr lang="pt-PT" baseline="0" dirty="0" smtClean="0"/>
+              <a:t>Explicar os elementos da gramatica, palavras chave, chamada a outras regras, propriedades</a:t>
+            </a:r>
+          </a:p>
+          <a:p>
+            <a:endParaRPr lang="pt-PT" baseline="0" dirty="0" smtClean="0"/>
+          </a:p>
+          <a:p>
+            <a:r>
+              <a:rPr lang="pt-PT" baseline="0" dirty="0" smtClean="0"/>
+              <a:t>Normalmente, por cada regra descrita, é gerada uma classe representativa (explicar diagrama da classe ao lado</a:t>
+            </a:r>
+          </a:p>
+        </p:txBody>
+      </p:sp>
+      <p:sp>
+        <p:nvSpPr>
+          <p:cNvPr id="4" name="Marcador de Posição do Número do Diapositivo 3"/>
+          <p:cNvSpPr>
+            <a:spLocks noGrp="1"/>
+          </p:cNvSpPr>
+          <p:nvPr>
+            <p:ph type="sldNum" sz="quarter" idx="10"/>
+          </p:nvPr>
+        </p:nvSpPr>
+        <p:spPr/>
+        <p:txBody>
+          <a:bodyPr/>
+          <a:lstStyle/>
+          <a:p>
+            <a:fld id="{57619820-F9B7-4861-AAE2-DFC11E5F6C7F}" type="slidenum">
+              <a:rPr lang="pt-PT" smtClean="0"/>
+              <a:t>8</a:t>
+            </a:fld>
+            <a:endParaRPr lang="pt-PT"/>
+          </a:p>
+        </p:txBody>
+      </p:sp>
+    </p:spTree>
+    <p:extLst>
+      <p:ext uri="{BB962C8B-B14F-4D97-AF65-F5344CB8AC3E}">
+        <p14:creationId xmlns:p14="http://schemas.microsoft.com/office/powerpoint/2010/main" val="2831286304"/>
+      </p:ext>
+    </p:extLst>
+  </p:cSld>
+  <p:clrMapOvr>
+    <a:masterClrMapping/>
+  </p:clrMapOvr>
+</p:notes>
+</file>
+
+<file path=ppt/notesSlides/notesSlide6.xml><?xml version="1.0" encoding="utf-8"?>
+<p:notes xmlns:a="http://schemas.openxmlformats.org/drawingml/2006/main" xmlns:r="http://schemas.openxmlformats.org/officeDocument/2006/relationships" xmlns:p="http://schemas.openxmlformats.org/presentationml/2006/main">
+  <p:cSld>
+    <p:spTree>
+      <p:nvGrpSpPr>
+        <p:cNvPr id="1" name=""/>
+        <p:cNvGrpSpPr/>
+        <p:nvPr/>
+      </p:nvGrpSpPr>
+      <p:grpSpPr>
+        <a:xfrm>
+          <a:off x="0" y="0"/>
+          <a:ext cx="0" cy="0"/>
+          <a:chOff x="0" y="0"/>
+          <a:chExt cx="0" cy="0"/>
+        </a:xfrm>
+      </p:grpSpPr>
+      <p:sp>
+        <p:nvSpPr>
+          <p:cNvPr id="2" name="Marcador de Posição da Imagem do Diapositivo 1"/>
+          <p:cNvSpPr>
+            <a:spLocks noGrp="1" noRot="1" noChangeAspect="1"/>
+          </p:cNvSpPr>
+          <p:nvPr>
+            <p:ph type="sldImg"/>
+          </p:nvPr>
+        </p:nvSpPr>
+        <p:spPr/>
+      </p:sp>
+      <p:sp>
+        <p:nvSpPr>
+          <p:cNvPr id="3" name="Marcador de Posição de Notas 2"/>
+          <p:cNvSpPr>
+            <a:spLocks noGrp="1"/>
+          </p:cNvSpPr>
+          <p:nvPr>
+            <p:ph type="body" idx="1"/>
+          </p:nvPr>
+        </p:nvSpPr>
+        <p:spPr/>
+        <p:txBody>
+          <a:bodyPr/>
+          <a:lstStyle/>
+          <a:p>
+            <a:r>
+              <a:rPr lang="pt-PT" dirty="0" smtClean="0"/>
+              <a:t>Definição</a:t>
+            </a:r>
+            <a:r>
+              <a:rPr lang="pt-PT" baseline="0" dirty="0" smtClean="0"/>
+              <a:t> de Regras </a:t>
+            </a:r>
+            <a:r>
+              <a:rPr lang="pt-PT" baseline="0" dirty="0" smtClean="0"/>
+              <a:t>Terminais</a:t>
+            </a:r>
+          </a:p>
+          <a:p>
+            <a:r>
+              <a:rPr lang="pt-PT" baseline="0" dirty="0" smtClean="0"/>
+              <a:t>Explicar os elementos como o range </a:t>
+            </a:r>
+            <a:r>
+              <a:rPr lang="pt-PT" baseline="0" dirty="0" err="1" smtClean="0"/>
+              <a:t>etc</a:t>
+            </a:r>
+            <a:endParaRPr lang="pt-PT" baseline="0" dirty="0" smtClean="0"/>
+          </a:p>
+          <a:p>
+            <a:endParaRPr lang="pt-PT" baseline="0" dirty="0" smtClean="0"/>
+          </a:p>
+          <a:p>
+            <a:r>
+              <a:rPr lang="pt-PT" baseline="0" dirty="0" smtClean="0"/>
+              <a:t>No </a:t>
+            </a:r>
+            <a:r>
+              <a:rPr lang="pt-PT" baseline="0" dirty="0" smtClean="0"/>
+              <a:t>exemplo deve explicar o retorno (</a:t>
+            </a:r>
+            <a:r>
+              <a:rPr lang="pt-PT" baseline="0" dirty="0" err="1" smtClean="0"/>
+              <a:t>ecore</a:t>
+            </a:r>
+            <a:r>
+              <a:rPr lang="pt-PT" baseline="0" dirty="0" smtClean="0"/>
+              <a:t>::</a:t>
+            </a:r>
+            <a:r>
+              <a:rPr lang="pt-PT" baseline="0" dirty="0" err="1" smtClean="0"/>
+              <a:t>Eint</a:t>
+            </a:r>
+            <a:r>
+              <a:rPr lang="pt-PT" baseline="0" dirty="0" smtClean="0"/>
+              <a:t>) e porque quisemos alterar o tipo de retorno</a:t>
+            </a:r>
+            <a:r>
+              <a:rPr lang="pt-PT" baseline="0" dirty="0" smtClean="0"/>
+              <a:t>.</a:t>
+            </a:r>
+            <a:endParaRPr lang="pt-PT" baseline="0" dirty="0" smtClean="0"/>
+          </a:p>
+        </p:txBody>
+      </p:sp>
+      <p:sp>
+        <p:nvSpPr>
+          <p:cNvPr id="4" name="Marcador de Posição do Número do Diapositivo 3"/>
+          <p:cNvSpPr>
+            <a:spLocks noGrp="1"/>
+          </p:cNvSpPr>
+          <p:nvPr>
+            <p:ph type="sldNum" sz="quarter" idx="10"/>
+          </p:nvPr>
+        </p:nvSpPr>
+        <p:spPr/>
+        <p:txBody>
+          <a:bodyPr/>
+          <a:lstStyle/>
+          <a:p>
+            <a:fld id="{57619820-F9B7-4861-AAE2-DFC11E5F6C7F}" type="slidenum">
+              <a:rPr lang="pt-PT" smtClean="0"/>
+              <a:t>9</a:t>
+            </a:fld>
+            <a:endParaRPr lang="pt-PT"/>
+          </a:p>
+        </p:txBody>
+      </p:sp>
+    </p:spTree>
+    <p:extLst>
+      <p:ext uri="{BB962C8B-B14F-4D97-AF65-F5344CB8AC3E}">
+        <p14:creationId xmlns:p14="http://schemas.microsoft.com/office/powerpoint/2010/main" val="3985639726"/>
+      </p:ext>
+    </p:extLst>
+  </p:cSld>
+  <p:clrMapOvr>
+    <a:masterClrMapping/>
+  </p:clrMapOvr>
+</p:notes>
+</file>
+
+<file path=ppt/notesSlides/notesSlide7.xml><?xml version="1.0" encoding="utf-8"?>
+<p:notes xmlns:a="http://schemas.openxmlformats.org/drawingml/2006/main" xmlns:r="http://schemas.openxmlformats.org/officeDocument/2006/relationships" xmlns:p="http://schemas.openxmlformats.org/presentationml/2006/main">
+  <p:cSld>
+    <p:spTree>
+      <p:nvGrpSpPr>
+        <p:cNvPr id="1" name=""/>
+        <p:cNvGrpSpPr/>
+        <p:nvPr/>
+      </p:nvGrpSpPr>
+      <p:grpSpPr>
+        <a:xfrm>
+          <a:off x="0" y="0"/>
+          <a:ext cx="0" cy="0"/>
+          <a:chOff x="0" y="0"/>
+          <a:chExt cx="0" cy="0"/>
+        </a:xfrm>
+      </p:grpSpPr>
+      <p:sp>
+        <p:nvSpPr>
+          <p:cNvPr id="2" name="Marcador de Posição da Imagem do Diapositivo 1"/>
+          <p:cNvSpPr>
+            <a:spLocks noGrp="1" noRot="1" noChangeAspect="1"/>
+          </p:cNvSpPr>
+          <p:nvPr>
+            <p:ph type="sldImg"/>
+          </p:nvPr>
+        </p:nvSpPr>
+        <p:spPr/>
+      </p:sp>
+      <p:sp>
+        <p:nvSpPr>
+          <p:cNvPr id="3" name="Marcador de Posição de Notas 2"/>
+          <p:cNvSpPr>
+            <a:spLocks noGrp="1"/>
+          </p:cNvSpPr>
+          <p:nvPr>
+            <p:ph type="body" idx="1"/>
+          </p:nvPr>
+        </p:nvSpPr>
+        <p:spPr/>
+        <p:txBody>
+          <a:bodyPr/>
+          <a:lstStyle/>
+          <a:p>
+            <a:r>
+              <a:rPr lang="pt-PT" baseline="0" dirty="0" smtClean="0"/>
+              <a:t>é </a:t>
+            </a:r>
+            <a:r>
+              <a:rPr lang="pt-PT" baseline="0" dirty="0" smtClean="0"/>
+              <a:t>necessário criar uma classe para cada tipo de </a:t>
+            </a:r>
+            <a:r>
+              <a:rPr lang="pt-PT" baseline="0" dirty="0" smtClean="0"/>
+              <a:t>retorno a converter</a:t>
+            </a:r>
+          </a:p>
+          <a:p>
+            <a:endParaRPr lang="pt-PT" baseline="0" dirty="0" smtClean="0"/>
+          </a:p>
+          <a:p>
+            <a:r>
+              <a:rPr lang="pt-PT" baseline="0" dirty="0" smtClean="0"/>
+              <a:t>Depois de ter uma classe deste tipo, este deverá ser registada numa que agregue todos os </a:t>
+            </a:r>
+            <a:r>
+              <a:rPr lang="pt-PT" baseline="0" dirty="0" err="1" smtClean="0"/>
+              <a:t>Vlaue</a:t>
+            </a:r>
+            <a:r>
+              <a:rPr lang="pt-PT" baseline="0" dirty="0" smtClean="0"/>
+              <a:t> Convertes.</a:t>
+            </a:r>
+          </a:p>
+          <a:p>
+            <a:endParaRPr lang="pt-PT" baseline="0" dirty="0" smtClean="0"/>
+          </a:p>
+          <a:p>
+            <a:r>
+              <a:rPr lang="pt-PT" baseline="0" dirty="0" smtClean="0"/>
+              <a:t>Esta ultima deverá ser registada no </a:t>
+            </a:r>
+            <a:r>
+              <a:rPr lang="pt-PT" baseline="0" dirty="0" err="1" smtClean="0"/>
+              <a:t>Runtime</a:t>
+            </a:r>
+            <a:r>
+              <a:rPr lang="pt-PT" baseline="0" dirty="0" smtClean="0"/>
+              <a:t> module</a:t>
+            </a:r>
+          </a:p>
+          <a:p>
+            <a:r>
+              <a:rPr lang="pt-PT" baseline="0" dirty="0" smtClean="0"/>
+              <a:t> </a:t>
+            </a:r>
+            <a:endParaRPr lang="pt-PT" baseline="0" dirty="0" smtClean="0"/>
+          </a:p>
+          <a:p>
+            <a:r>
+              <a:rPr lang="pt-PT" baseline="0" dirty="0" smtClean="0"/>
+              <a:t>Referir </a:t>
+            </a:r>
+            <a:r>
+              <a:rPr lang="pt-PT" baseline="0" dirty="0" err="1" smtClean="0"/>
+              <a:t>tmb</a:t>
+            </a:r>
+            <a:r>
+              <a:rPr lang="pt-PT" baseline="0" dirty="0" smtClean="0"/>
+              <a:t> que esta </a:t>
+            </a:r>
+            <a:r>
+              <a:rPr lang="pt-PT" baseline="0" dirty="0" err="1" smtClean="0"/>
+              <a:t>class</a:t>
+            </a:r>
+            <a:r>
+              <a:rPr lang="pt-PT" baseline="0" dirty="0" smtClean="0"/>
+              <a:t> tem que estar registada na </a:t>
+            </a:r>
+            <a:r>
+              <a:rPr lang="pt-PT" baseline="0" dirty="0" err="1" smtClean="0"/>
+              <a:t>class</a:t>
+            </a:r>
+            <a:r>
+              <a:rPr lang="pt-PT" baseline="0" dirty="0" smtClean="0"/>
+              <a:t> “Pds16asmValueConverter” que implementa a interface “</a:t>
+            </a:r>
+            <a:r>
+              <a:rPr lang="pt-PT" baseline="0" dirty="0" err="1" smtClean="0"/>
+              <a:t>IValueConverterService</a:t>
+            </a:r>
+            <a:r>
+              <a:rPr lang="pt-PT" baseline="0" dirty="0" smtClean="0"/>
+              <a:t>”.</a:t>
+            </a:r>
+          </a:p>
+          <a:p>
+            <a:r>
+              <a:rPr lang="pt-PT" baseline="0" dirty="0" smtClean="0"/>
+              <a:t>(No relatório esta a imagem da </a:t>
+            </a:r>
+            <a:r>
+              <a:rPr lang="pt-PT" baseline="0" dirty="0" err="1" smtClean="0"/>
+              <a:t>class</a:t>
+            </a:r>
+            <a:r>
+              <a:rPr lang="pt-PT" baseline="0" dirty="0" smtClean="0"/>
+              <a:t> “Pds16asmValueConverter” que não usei </a:t>
+            </a:r>
+            <a:r>
+              <a:rPr lang="pt-PT" baseline="0" dirty="0" err="1" smtClean="0"/>
+              <a:t>pk</a:t>
+            </a:r>
+            <a:r>
+              <a:rPr lang="pt-PT" baseline="0" dirty="0" smtClean="0"/>
+              <a:t> n existe </a:t>
+            </a:r>
+            <a:r>
+              <a:rPr lang="pt-PT" baseline="0" dirty="0" err="1" smtClean="0"/>
+              <a:t>mt</a:t>
+            </a:r>
+            <a:r>
+              <a:rPr lang="pt-PT" baseline="0" dirty="0" smtClean="0"/>
+              <a:t> que se diga numa apresentação).</a:t>
+            </a:r>
+            <a:endParaRPr lang="pt-PT" dirty="0"/>
+          </a:p>
+        </p:txBody>
+      </p:sp>
+      <p:sp>
+        <p:nvSpPr>
+          <p:cNvPr id="4" name="Marcador de Posição do Número do Diapositivo 3"/>
+          <p:cNvSpPr>
+            <a:spLocks noGrp="1"/>
+          </p:cNvSpPr>
+          <p:nvPr>
+            <p:ph type="sldNum" sz="quarter" idx="10"/>
+          </p:nvPr>
+        </p:nvSpPr>
+        <p:spPr/>
+        <p:txBody>
+          <a:bodyPr/>
+          <a:lstStyle/>
+          <a:p>
+            <a:fld id="{57619820-F9B7-4861-AAE2-DFC11E5F6C7F}" type="slidenum">
+              <a:rPr lang="pt-PT" smtClean="0"/>
+              <a:t>10</a:t>
+            </a:fld>
+            <a:endParaRPr lang="pt-PT"/>
+          </a:p>
+        </p:txBody>
+      </p:sp>
+    </p:spTree>
+    <p:extLst>
+      <p:ext uri="{BB962C8B-B14F-4D97-AF65-F5344CB8AC3E}">
+        <p14:creationId xmlns:p14="http://schemas.microsoft.com/office/powerpoint/2010/main" val="1891961194"/>
+      </p:ext>
+    </p:extLst>
+  </p:cSld>
+  <p:clrMapOvr>
+    <a:masterClrMapping/>
+  </p:clrMapOvr>
+</p:notes>
+</file>
+
+<file path=ppt/notesSlides/notesSlide8.xml><?xml version="1.0" encoding="utf-8"?>
+<p:notes xmlns:a="http://schemas.openxmlformats.org/drawingml/2006/main" xmlns:r="http://schemas.openxmlformats.org/officeDocument/2006/relationships" xmlns:p="http://schemas.openxmlformats.org/presentationml/2006/main">
+  <p:cSld>
+    <p:spTree>
+      <p:nvGrpSpPr>
+        <p:cNvPr id="1" name=""/>
+        <p:cNvGrpSpPr/>
+        <p:nvPr/>
+      </p:nvGrpSpPr>
+      <p:grpSpPr>
+        <a:xfrm>
+          <a:off x="0" y="0"/>
+          <a:ext cx="0" cy="0"/>
+          <a:chOff x="0" y="0"/>
+          <a:chExt cx="0" cy="0"/>
+        </a:xfrm>
+      </p:grpSpPr>
+      <p:sp>
+        <p:nvSpPr>
+          <p:cNvPr id="2" name="Marcador de Posição da Imagem do Diapositivo 1"/>
+          <p:cNvSpPr>
+            <a:spLocks noGrp="1" noRot="1" noChangeAspect="1"/>
+          </p:cNvSpPr>
+          <p:nvPr>
+            <p:ph type="sldImg"/>
+          </p:nvPr>
+        </p:nvSpPr>
+        <p:spPr/>
+      </p:sp>
+      <p:sp>
+        <p:nvSpPr>
+          <p:cNvPr id="3" name="Marcador de Posição de Notas 2"/>
+          <p:cNvSpPr>
+            <a:spLocks noGrp="1"/>
+          </p:cNvSpPr>
+          <p:nvPr>
+            <p:ph type="body" idx="1"/>
+          </p:nvPr>
+        </p:nvSpPr>
+        <p:spPr/>
+        <p:txBody>
+          <a:bodyPr/>
+          <a:lstStyle/>
+          <a:p>
+            <a:r>
+              <a:rPr lang="pt-PT" dirty="0" smtClean="0"/>
+              <a:t>Explicar a necessidade de fazer verificações de semântica – apresentado no relatório.</a:t>
+            </a:r>
+            <a:endParaRPr lang="pt-PT" dirty="0"/>
+          </a:p>
+        </p:txBody>
+      </p:sp>
+      <p:sp>
+        <p:nvSpPr>
+          <p:cNvPr id="4" name="Marcador de Posição do Número do Diapositivo 3"/>
+          <p:cNvSpPr>
+            <a:spLocks noGrp="1"/>
+          </p:cNvSpPr>
+          <p:nvPr>
+            <p:ph type="sldNum" sz="quarter" idx="10"/>
+          </p:nvPr>
+        </p:nvSpPr>
+        <p:spPr/>
+        <p:txBody>
+          <a:bodyPr/>
+          <a:lstStyle/>
+          <a:p>
+            <a:fld id="{57619820-F9B7-4861-AAE2-DFC11E5F6C7F}" type="slidenum">
+              <a:rPr lang="pt-PT" smtClean="0"/>
+              <a:t>11</a:t>
+            </a:fld>
+            <a:endParaRPr lang="pt-PT"/>
+          </a:p>
+        </p:txBody>
+      </p:sp>
+    </p:spTree>
+    <p:extLst>
+      <p:ext uri="{BB962C8B-B14F-4D97-AF65-F5344CB8AC3E}">
+        <p14:creationId xmlns:p14="http://schemas.microsoft.com/office/powerpoint/2010/main" val="1947306613"/>
+      </p:ext>
+    </p:extLst>
+  </p:cSld>
+  <p:clrMapOvr>
+    <a:masterClrMapping/>
+  </p:clrMapOvr>
+</p:notes>
+</file>
+
+<file path=ppt/notesSlides/notesSlide9.xml><?xml version="1.0" encoding="utf-8"?>
+<p:notes xmlns:a="http://schemas.openxmlformats.org/drawingml/2006/main" xmlns:r="http://schemas.openxmlformats.org/officeDocument/2006/relationships" xmlns:p="http://schemas.openxmlformats.org/presentationml/2006/main">
+  <p:cSld>
+    <p:spTree>
+      <p:nvGrpSpPr>
+        <p:cNvPr id="1" name=""/>
+        <p:cNvGrpSpPr/>
+        <p:nvPr/>
+      </p:nvGrpSpPr>
+      <p:grpSpPr>
+        <a:xfrm>
+          <a:off x="0" y="0"/>
+          <a:ext cx="0" cy="0"/>
+          <a:chOff x="0" y="0"/>
+          <a:chExt cx="0" cy="0"/>
+        </a:xfrm>
+      </p:grpSpPr>
+      <p:sp>
+        <p:nvSpPr>
+          <p:cNvPr id="2" name="Marcador de Posição da Imagem do Diapositivo 1"/>
+          <p:cNvSpPr>
+            <a:spLocks noGrp="1" noRot="1" noChangeAspect="1"/>
+          </p:cNvSpPr>
+          <p:nvPr>
+            <p:ph type="sldImg"/>
+          </p:nvPr>
+        </p:nvSpPr>
+        <p:spPr/>
+      </p:sp>
+      <p:sp>
+        <p:nvSpPr>
+          <p:cNvPr id="3" name="Marcador de Posição de Notas 2"/>
+          <p:cNvSpPr>
+            <a:spLocks noGrp="1"/>
+          </p:cNvSpPr>
+          <p:nvPr>
+            <p:ph type="body" idx="1"/>
+          </p:nvPr>
+        </p:nvSpPr>
+        <p:spPr/>
+        <p:txBody>
+          <a:bodyPr/>
+          <a:lstStyle/>
+          <a:p>
+            <a:r>
+              <a:rPr lang="pt-PT" dirty="0" smtClean="0"/>
+              <a:t>Explicar que o método é diferente</a:t>
+            </a:r>
+            <a:r>
+              <a:rPr lang="pt-PT" baseline="0" dirty="0" smtClean="0"/>
+              <a:t> do anterior, neste caso:</a:t>
+            </a:r>
+          </a:p>
+          <a:p>
+            <a:r>
+              <a:rPr lang="pt-PT" baseline="0" dirty="0" smtClean="0"/>
+              <a:t>-existe uma classe gerada, onde é feita a definição de cada validador, essa classe encontra-se registada no </a:t>
+            </a:r>
+            <a:r>
+              <a:rPr lang="pt-PT" baseline="0" dirty="0" err="1" smtClean="0"/>
+              <a:t>DefaultRuntimeModule</a:t>
+            </a:r>
+            <a:endParaRPr lang="pt-PT" baseline="0" dirty="0" smtClean="0"/>
+          </a:p>
+          <a:p>
+            <a:endParaRPr lang="pt-PT" baseline="0" dirty="0" smtClean="0"/>
+          </a:p>
+          <a:p>
+            <a:r>
+              <a:rPr lang="pt-PT" baseline="0" dirty="0" smtClean="0"/>
+              <a:t>Por cada validador é feito 1 método, com a anotação, recebendo a classe que representa a regra de gramatica a analisar por </a:t>
+            </a:r>
+            <a:r>
+              <a:rPr lang="pt-PT" baseline="0" dirty="0" err="1" smtClean="0"/>
+              <a:t>parametro</a:t>
+            </a:r>
+            <a:endParaRPr lang="pt-PT" dirty="0"/>
+          </a:p>
+        </p:txBody>
+      </p:sp>
+      <p:sp>
+        <p:nvSpPr>
+          <p:cNvPr id="4" name="Marcador de Posição do Número do Diapositivo 3"/>
+          <p:cNvSpPr>
+            <a:spLocks noGrp="1"/>
+          </p:cNvSpPr>
+          <p:nvPr>
+            <p:ph type="sldNum" sz="quarter" idx="10"/>
+          </p:nvPr>
+        </p:nvSpPr>
+        <p:spPr/>
+        <p:txBody>
+          <a:bodyPr/>
+          <a:lstStyle/>
+          <a:p>
+            <a:fld id="{57619820-F9B7-4861-AAE2-DFC11E5F6C7F}" type="slidenum">
+              <a:rPr lang="pt-PT" smtClean="0"/>
+              <a:t>12</a:t>
+            </a:fld>
+            <a:endParaRPr lang="pt-PT"/>
+          </a:p>
+        </p:txBody>
+      </p:sp>
+    </p:spTree>
+    <p:extLst>
+      <p:ext uri="{BB962C8B-B14F-4D97-AF65-F5344CB8AC3E}">
+        <p14:creationId xmlns:p14="http://schemas.microsoft.com/office/powerpoint/2010/main" val="2915527413"/>
+      </p:ext>
+    </p:extLst>
+  </p:cSld>
+  <p:clrMapOvr>
+    <a:masterClrMapping/>
+  </p:clrMapOvr>
+</p:notes>
 </file>
 
 <file path=ppt/slideLayouts/slideLayout1.xml><?xml version="1.0" encoding="utf-8"?>
@@ -195,7 +3282,7 @@
             <a:fld id="{96DFF08F-DC6B-4601-B491-B0F83F6DD2DA}" type="datetimeFigureOut">
               <a:rPr lang="en-US" smtClean="0"/>
               <a:pPr/>
-              <a:t>7/26/2016</a:t>
+              <a:t>7/27/2016</a:t>
             </a:fld>
             <a:endParaRPr lang="en-US" dirty="0"/>
           </a:p>
@@ -550,7 +3637,7 @@
             <a:fld id="{96DFF08F-DC6B-4601-B491-B0F83F6DD2DA}" type="datetimeFigureOut">
               <a:rPr lang="en-US" smtClean="0"/>
               <a:pPr/>
-              <a:t>7/26/2016</a:t>
+              <a:t>7/27/2016</a:t>
             </a:fld>
             <a:endParaRPr lang="en-US" dirty="0"/>
           </a:p>
@@ -936,7 +4023,7 @@
             <a:fld id="{96DFF08F-DC6B-4601-B491-B0F83F6DD2DA}" type="datetimeFigureOut">
               <a:rPr lang="en-US" smtClean="0"/>
               <a:pPr/>
-              <a:t>7/26/2016</a:t>
+              <a:t>7/27/2016</a:t>
             </a:fld>
             <a:endParaRPr lang="en-US" dirty="0"/>
           </a:p>
@@ -1115,7 +4202,7 @@
             <a:fld id="{96DFF08F-DC6B-4601-B491-B0F83F6DD2DA}" type="datetimeFigureOut">
               <a:rPr lang="en-US" smtClean="0"/>
               <a:pPr/>
-              <a:t>7/26/2016</a:t>
+              <a:t>7/27/2016</a:t>
             </a:fld>
             <a:endParaRPr lang="en-US" dirty="0"/>
           </a:p>
@@ -1380,7 +4467,7 @@
             <a:fld id="{96DFF08F-DC6B-4601-B491-B0F83F6DD2DA}" type="datetimeFigureOut">
               <a:rPr lang="en-US" smtClean="0"/>
               <a:pPr/>
-              <a:t>7/26/2016</a:t>
+              <a:t>7/27/2016</a:t>
             </a:fld>
             <a:endParaRPr lang="en-US" dirty="0"/>
           </a:p>
@@ -1521,7 +4608,7 @@
             <a:fld id="{96DFF08F-DC6B-4601-B491-B0F83F6DD2DA}" type="datetimeFigureOut">
               <a:rPr lang="en-US" smtClean="0"/>
               <a:pPr/>
-              <a:t>7/26/2016</a:t>
+              <a:t>7/27/2016</a:t>
             </a:fld>
             <a:endParaRPr lang="en-US" dirty="0"/>
           </a:p>
@@ -1817,7 +4904,7 @@
             <a:fld id="{96DFF08F-DC6B-4601-B491-B0F83F6DD2DA}" type="datetimeFigureOut">
               <a:rPr lang="en-US" smtClean="0"/>
               <a:pPr/>
-              <a:t>7/26/2016</a:t>
+              <a:t>7/27/2016</a:t>
             </a:fld>
             <a:endParaRPr lang="en-US" dirty="0"/>
           </a:p>
@@ -2034,7 +5121,7 @@
             <a:fld id="{96DFF08F-DC6B-4601-B491-B0F83F6DD2DA}" type="datetimeFigureOut">
               <a:rPr lang="en-US" smtClean="0"/>
               <a:pPr/>
-              <a:t>7/26/2016</a:t>
+              <a:t>7/27/2016</a:t>
             </a:fld>
             <a:endParaRPr lang="en-US" dirty="0"/>
           </a:p>
@@ -2386,7 +5473,7 @@
             <a:fld id="{96DFF08F-DC6B-4601-B491-B0F83F6DD2DA}" type="datetimeFigureOut">
               <a:rPr lang="en-US" smtClean="0"/>
               <a:pPr/>
-              <a:t>7/26/2016</a:t>
+              <a:t>7/27/2016</a:t>
             </a:fld>
             <a:endParaRPr lang="en-US" dirty="0"/>
           </a:p>
@@ -2670,7 +5757,7 @@
             <a:fld id="{96DFF08F-DC6B-4601-B491-B0F83F6DD2DA}" type="datetimeFigureOut">
               <a:rPr lang="en-US" smtClean="0"/>
               <a:pPr/>
-              <a:t>7/26/2016</a:t>
+              <a:t>7/27/2016</a:t>
             </a:fld>
             <a:endParaRPr lang="en-US" dirty="0"/>
           </a:p>
@@ -3058,7 +6145,7 @@
             <a:fld id="{96DFF08F-DC6B-4601-B491-B0F83F6DD2DA}" type="datetimeFigureOut">
               <a:rPr lang="en-US" smtClean="0"/>
               <a:pPr/>
-              <a:t>7/26/2016</a:t>
+              <a:t>7/27/2016</a:t>
             </a:fld>
             <a:endParaRPr lang="en-US" dirty="0"/>
           </a:p>
@@ -3185,7 +6272,7 @@
             <a:fld id="{96DFF08F-DC6B-4601-B491-B0F83F6DD2DA}" type="datetimeFigureOut">
               <a:rPr lang="en-US" smtClean="0"/>
               <a:pPr/>
-              <a:t>7/26/2016</a:t>
+              <a:t>7/27/2016</a:t>
             </a:fld>
             <a:endParaRPr lang="en-US" dirty="0"/>
           </a:p>
@@ -3365,7 +6452,7 @@
             <a:fld id="{96DFF08F-DC6B-4601-B491-B0F83F6DD2DA}" type="datetimeFigureOut">
               <a:rPr lang="en-US" smtClean="0"/>
               <a:pPr/>
-              <a:t>7/26/2016</a:t>
+              <a:t>7/27/2016</a:t>
             </a:fld>
             <a:endParaRPr lang="en-US" dirty="0"/>
           </a:p>
@@ -3553,7 +6640,7 @@
             <a:fld id="{96DFF08F-DC6B-4601-B491-B0F83F6DD2DA}" type="datetimeFigureOut">
               <a:rPr lang="en-US" smtClean="0"/>
               <a:pPr/>
-              <a:t>7/26/2016</a:t>
+              <a:t>7/27/2016</a:t>
             </a:fld>
             <a:endParaRPr lang="en-US" dirty="0"/>
           </a:p>
@@ -3872,7 +6959,7 @@
             <a:fld id="{96DFF08F-DC6B-4601-B491-B0F83F6DD2DA}" type="datetimeFigureOut">
               <a:rPr lang="en-US" smtClean="0"/>
               <a:pPr/>
-              <a:t>7/26/2016</a:t>
+              <a:t>7/27/2016</a:t>
             </a:fld>
             <a:endParaRPr lang="en-US" dirty="0"/>
           </a:p>
@@ -4627,7 +7714,7 @@
             <a:fld id="{96DFF08F-DC6B-4601-B491-B0F83F6DD2DA}" type="datetimeFigureOut">
               <a:rPr lang="en-US" smtClean="0"/>
               <a:pPr/>
-              <a:t>7/26/2016</a:t>
+              <a:t>7/27/2016</a:t>
             </a:fld>
             <a:endParaRPr lang="en-US" dirty="0"/>
           </a:p>
@@ -5349,10 +8436,108 @@
           <a:chExt cx="0" cy="0"/>
         </a:xfrm>
       </p:grpSpPr>
+      <p:sp>
+        <p:nvSpPr>
+          <p:cNvPr id="2" name="Título 1"/>
+          <p:cNvSpPr>
+            <a:spLocks noGrp="1"/>
+          </p:cNvSpPr>
+          <p:nvPr>
+            <p:ph type="title"/>
+          </p:nvPr>
+        </p:nvSpPr>
+        <p:spPr/>
+        <p:txBody>
+          <a:bodyPr/>
+          <a:lstStyle/>
+          <a:p>
+            <a:r>
+              <a:rPr lang="pt-PT" b="1" i="1" dirty="0" err="1" smtClean="0"/>
+              <a:t>Xtext</a:t>
+            </a:r>
+            <a:r>
+              <a:rPr lang="pt-PT" b="1" i="1" dirty="0" smtClean="0"/>
+              <a:t> – </a:t>
+            </a:r>
+            <a:r>
+              <a:rPr lang="pt-PT" b="1" i="1" dirty="0" err="1" smtClean="0"/>
+              <a:t>Value</a:t>
+            </a:r>
+            <a:r>
+              <a:rPr lang="pt-PT" b="1" i="1" dirty="0" smtClean="0"/>
+              <a:t> </a:t>
+            </a:r>
+            <a:r>
+              <a:rPr lang="pt-PT" b="1" i="1" dirty="0" err="1" smtClean="0"/>
+              <a:t>Converters</a:t>
+            </a:r>
+            <a:endParaRPr lang="pt-PT" b="1" i="1" dirty="0"/>
+          </a:p>
+        </p:txBody>
+      </p:sp>
+      <p:pic>
+        <p:nvPicPr>
+          <p:cNvPr id="6" name="Marcador de Posição de Conteúdo 5"/>
+          <p:cNvPicPr>
+            <a:picLocks noGrp="1" noChangeAspect="1"/>
+          </p:cNvPicPr>
+          <p:nvPr>
+            <p:ph idx="1"/>
+          </p:nvPr>
+        </p:nvPicPr>
+        <p:blipFill>
+          <a:blip r:embed="rId3">
+            <a:extLst>
+              <a:ext uri="{28A0092B-C50C-407E-A947-70E740481C1C}">
+                <a14:useLocalDpi xmlns:a14="http://schemas.microsoft.com/office/drawing/2010/main" val="0"/>
+              </a:ext>
+            </a:extLst>
+          </a:blip>
+          <a:stretch>
+            <a:fillRect/>
+          </a:stretch>
+        </p:blipFill>
+        <p:spPr>
+          <a:xfrm>
+            <a:off x="1001027" y="1943810"/>
+            <a:ext cx="10250905" cy="4204232"/>
+          </a:xfrm>
+        </p:spPr>
+      </p:pic>
+      <p:pic>
+        <p:nvPicPr>
+          <p:cNvPr id="4" name="Imagem 3"/>
+          <p:cNvPicPr>
+            <a:picLocks noChangeAspect="1"/>
+          </p:cNvPicPr>
+          <p:nvPr/>
+        </p:nvPicPr>
+        <p:blipFill>
+          <a:blip r:embed="rId4">
+            <a:extLst>
+              <a:ext uri="{28A0092B-C50C-407E-A947-70E740481C1C}">
+                <a14:useLocalDpi xmlns:a14="http://schemas.microsoft.com/office/drawing/2010/main" val="0"/>
+              </a:ext>
+            </a:extLst>
+          </a:blip>
+          <a:stretch>
+            <a:fillRect/>
+          </a:stretch>
+        </p:blipFill>
+        <p:spPr>
+          <a:xfrm>
+            <a:off x="637073" y="1943810"/>
+            <a:ext cx="10978811" cy="3751229"/>
+          </a:xfrm>
+          <a:prstGeom prst="rect">
+            <a:avLst/>
+          </a:prstGeom>
+        </p:spPr>
+      </p:pic>
     </p:spTree>
     <p:extLst>
       <p:ext uri="{BB962C8B-B14F-4D97-AF65-F5344CB8AC3E}">
-        <p14:creationId xmlns:p14="http://schemas.microsoft.com/office/powerpoint/2010/main" val="3879499392"/>
+        <p14:creationId xmlns:p14="http://schemas.microsoft.com/office/powerpoint/2010/main" val="3623509700"/>
       </p:ext>
     </p:extLst>
   </p:cSld>
@@ -5362,7 +8547,102 @@
   <p:timing>
     <p:tnLst>
       <p:par>
-        <p:cTn id="1" dur="indefinite" restart="never" nodeType="tmRoot"/>
+        <p:cTn id="1" dur="indefinite" restart="never" nodeType="tmRoot">
+          <p:childTnLst>
+            <p:seq concurrent="1" nextAc="seek">
+              <p:cTn id="2" dur="indefinite" nodeType="mainSeq">
+                <p:childTnLst>
+                  <p:par>
+                    <p:cTn id="3" fill="hold">
+                      <p:stCondLst>
+                        <p:cond delay="indefinite"/>
+                      </p:stCondLst>
+                      <p:childTnLst>
+                        <p:par>
+                          <p:cTn id="4" fill="hold">
+                            <p:stCondLst>
+                              <p:cond delay="0"/>
+                            </p:stCondLst>
+                            <p:childTnLst>
+                              <p:par>
+                                <p:cTn id="5" presetID="1" presetClass="exit" presetSubtype="0" fill="hold" nodeType="clickEffect">
+                                  <p:stCondLst>
+                                    <p:cond delay="0"/>
+                                  </p:stCondLst>
+                                  <p:childTnLst>
+                                    <p:set>
+                                      <p:cBhvr>
+                                        <p:cTn id="6" dur="1" fill="hold">
+                                          <p:stCondLst>
+                                            <p:cond delay="0"/>
+                                          </p:stCondLst>
+                                        </p:cTn>
+                                        <p:tgtEl>
+                                          <p:spTgt spid="6"/>
+                                        </p:tgtEl>
+                                        <p:attrNameLst>
+                                          <p:attrName>style.visibility</p:attrName>
+                                        </p:attrNameLst>
+                                      </p:cBhvr>
+                                      <p:to>
+                                        <p:strVal val="hidden"/>
+                                      </p:to>
+                                    </p:set>
+                                  </p:childTnLst>
+                                </p:cTn>
+                              </p:par>
+                              <p:par>
+                                <p:cTn id="7" presetID="1" presetClass="entr" presetSubtype="0" fill="hold" nodeType="withEffect">
+                                  <p:stCondLst>
+                                    <p:cond delay="0"/>
+                                  </p:stCondLst>
+                                  <p:childTnLst>
+                                    <p:set>
+                                      <p:cBhvr>
+                                        <p:cTn id="8" dur="1" fill="hold">
+                                          <p:stCondLst>
+                                            <p:cond delay="0"/>
+                                          </p:stCondLst>
+                                        </p:cTn>
+                                        <p:tgtEl>
+                                          <p:spTgt spid="4"/>
+                                        </p:tgtEl>
+                                        <p:attrNameLst>
+                                          <p:attrName>style.visibility</p:attrName>
+                                        </p:attrNameLst>
+                                      </p:cBhvr>
+                                      <p:to>
+                                        <p:strVal val="visible"/>
+                                      </p:to>
+                                    </p:set>
+                                  </p:childTnLst>
+                                </p:cTn>
+                              </p:par>
+                            </p:childTnLst>
+                          </p:cTn>
+                        </p:par>
+                      </p:childTnLst>
+                    </p:cTn>
+                  </p:par>
+                </p:childTnLst>
+              </p:cTn>
+              <p:prevCondLst>
+                <p:cond evt="onPrev" delay="0">
+                  <p:tgtEl>
+                    <p:sldTgt/>
+                  </p:tgtEl>
+                </p:cond>
+              </p:prevCondLst>
+              <p:nextCondLst>
+                <p:cond evt="onNext" delay="0">
+                  <p:tgtEl>
+                    <p:sldTgt/>
+                  </p:tgtEl>
+                </p:cond>
+              </p:nextCondLst>
+            </p:seq>
+          </p:childTnLst>
+        </p:cTn>
       </p:par>
     </p:tnLst>
   </p:timing>
@@ -5395,7 +8675,7 @@
           <p:nvPr/>
         </p:nvPicPr>
         <p:blipFill>
-          <a:blip r:embed="rId2">
+          <a:blip r:embed="rId3">
             <a:extLst>
               <a:ext uri="{28A0092B-C50C-407E-A947-70E740481C1C}">
                 <a14:useLocalDpi xmlns:a14="http://schemas.microsoft.com/office/drawing/2010/main" val="0"/>
@@ -5419,7 +8699,7 @@
     </p:spTree>
     <p:extLst>
       <p:ext uri="{BB962C8B-B14F-4D97-AF65-F5344CB8AC3E}">
-        <p14:creationId xmlns:p14="http://schemas.microsoft.com/office/powerpoint/2010/main" val="486250253"/>
+        <p14:creationId xmlns:p14="http://schemas.microsoft.com/office/powerpoint/2010/main" val="324308164"/>
       </p:ext>
     </p:extLst>
   </p:cSld>
@@ -5453,10 +8733,100 @@
           <a:chExt cx="0" cy="0"/>
         </a:xfrm>
       </p:grpSpPr>
+      <p:sp>
+        <p:nvSpPr>
+          <p:cNvPr id="2" name="Título 1"/>
+          <p:cNvSpPr>
+            <a:spLocks noGrp="1"/>
+          </p:cNvSpPr>
+          <p:nvPr>
+            <p:ph type="title"/>
+          </p:nvPr>
+        </p:nvSpPr>
+        <p:spPr/>
+        <p:txBody>
+          <a:bodyPr/>
+          <a:lstStyle/>
+          <a:p>
+            <a:r>
+              <a:rPr lang="pt-PT" b="1" i="1" dirty="0" err="1" smtClean="0"/>
+              <a:t>Xtext</a:t>
+            </a:r>
+            <a:r>
+              <a:rPr lang="pt-PT" b="1" i="1" dirty="0" smtClean="0"/>
+              <a:t> – </a:t>
+            </a:r>
+            <a:r>
+              <a:rPr lang="pt-PT" b="1" dirty="0" smtClean="0"/>
+              <a:t>Verificação Semântica </a:t>
+            </a:r>
+            <a:endParaRPr lang="pt-PT" b="1" dirty="0"/>
+          </a:p>
+        </p:txBody>
+      </p:sp>
+      <p:pic>
+        <p:nvPicPr>
+          <p:cNvPr id="4" name="Marcador de Posição de Conteúdo 3"/>
+          <p:cNvPicPr>
+            <a:picLocks noGrp="1" noChangeAspect="1"/>
+          </p:cNvPicPr>
+          <p:nvPr>
+            <p:ph idx="1"/>
+          </p:nvPr>
+        </p:nvPicPr>
+        <p:blipFill>
+          <a:blip r:embed="rId3">
+            <a:extLst>
+              <a:ext uri="{28A0092B-C50C-407E-A947-70E740481C1C}">
+                <a14:useLocalDpi xmlns:a14="http://schemas.microsoft.com/office/drawing/2010/main" val="0"/>
+              </a:ext>
+            </a:extLst>
+          </a:blip>
+          <a:stretch>
+            <a:fillRect/>
+          </a:stretch>
+        </p:blipFill>
+        <p:spPr>
+          <a:xfrm>
+            <a:off x="927158" y="2661280"/>
+            <a:ext cx="10014816" cy="2395151"/>
+          </a:xfrm>
+        </p:spPr>
+      </p:pic>
+      <p:pic>
+        <p:nvPicPr>
+          <p:cNvPr id="3" name="Imagem 2"/>
+          <p:cNvPicPr>
+            <a:picLocks noChangeAspect="1"/>
+          </p:cNvPicPr>
+          <p:nvPr/>
+        </p:nvPicPr>
+        <p:blipFill>
+          <a:blip r:embed="rId4">
+            <a:extLst>
+              <a:ext uri="{28A0092B-C50C-407E-A947-70E740481C1C}">
+                <a14:useLocalDpi xmlns:a14="http://schemas.microsoft.com/office/drawing/2010/main" val="0"/>
+              </a:ext>
+            </a:extLst>
+          </a:blip>
+          <a:stretch>
+            <a:fillRect/>
+          </a:stretch>
+        </p:blipFill>
+        <p:spPr>
+          <a:xfrm>
+            <a:off x="8793125" y="1273959"/>
+            <a:ext cx="2447615" cy="2351459"/>
+          </a:xfrm>
+          <a:prstGeom prst="rect">
+            <a:avLst/>
+          </a:prstGeom>
+        </p:spPr>
+      </p:pic>
     </p:spTree>
     <p:extLst>
       <p:ext uri="{BB962C8B-B14F-4D97-AF65-F5344CB8AC3E}">
-        <p14:creationId xmlns:p14="http://schemas.microsoft.com/office/powerpoint/2010/main" val="1069606025"/>
+        <p14:creationId xmlns:p14="http://schemas.microsoft.com/office/powerpoint/2010/main" val="3786513302"/>
       </p:ext>
     </p:extLst>
   </p:cSld>
@@ -5499,7 +8869,680 @@
           <p:nvPr/>
         </p:nvPicPr>
         <p:blipFill>
-          <a:blip r:embed="rId2">
+          <a:blip r:embed="rId3">
+            <a:extLst>
+              <a:ext uri="{28A0092B-C50C-407E-A947-70E740481C1C}">
+                <a14:useLocalDpi xmlns:a14="http://schemas.microsoft.com/office/drawing/2010/main" val="0"/>
+              </a:ext>
+            </a:extLst>
+          </a:blip>
+          <a:stretch>
+            <a:fillRect/>
+          </a:stretch>
+        </p:blipFill>
+        <p:spPr>
+          <a:xfrm>
+            <a:off x="586596" y="273610"/>
+            <a:ext cx="10941169" cy="5878667"/>
+          </a:xfrm>
+          <a:prstGeom prst="rect">
+            <a:avLst/>
+          </a:prstGeom>
+        </p:spPr>
+      </p:pic>
+    </p:spTree>
+    <p:extLst>
+      <p:ext uri="{BB962C8B-B14F-4D97-AF65-F5344CB8AC3E}">
+        <p14:creationId xmlns:p14="http://schemas.microsoft.com/office/powerpoint/2010/main" val="913275674"/>
+      </p:ext>
+    </p:extLst>
+  </p:cSld>
+  <p:clrMapOvr>
+    <a:masterClrMapping/>
+  </p:clrMapOvr>
+  <p:timing>
+    <p:tnLst>
+      <p:par>
+        <p:cTn id="1" dur="indefinite" restart="never" nodeType="tmRoot"/>
+      </p:par>
+    </p:tnLst>
+  </p:timing>
+</p:sld>
+</file>
+
+<file path=ppt/slides/slide14.xml><?xml version="1.0" encoding="utf-8"?>
+<p:sld xmlns:a="http://schemas.openxmlformats.org/drawingml/2006/main" xmlns:r="http://schemas.openxmlformats.org/officeDocument/2006/relationships" xmlns:p="http://schemas.openxmlformats.org/presentationml/2006/main">
+  <p:cSld>
+    <p:spTree>
+      <p:nvGrpSpPr>
+        <p:cNvPr id="1" name=""/>
+        <p:cNvGrpSpPr/>
+        <p:nvPr/>
+      </p:nvGrpSpPr>
+      <p:grpSpPr>
+        <a:xfrm>
+          <a:off x="0" y="0"/>
+          <a:ext cx="0" cy="0"/>
+          <a:chOff x="0" y="0"/>
+          <a:chExt cx="0" cy="0"/>
+        </a:xfrm>
+      </p:grpSpPr>
+      <p:sp>
+        <p:nvSpPr>
+          <p:cNvPr id="6" name="Título 5"/>
+          <p:cNvSpPr>
+            <a:spLocks noGrp="1"/>
+          </p:cNvSpPr>
+          <p:nvPr>
+            <p:ph type="title"/>
+          </p:nvPr>
+        </p:nvSpPr>
+        <p:spPr/>
+        <p:txBody>
+          <a:bodyPr>
+            <a:normAutofit/>
+          </a:bodyPr>
+          <a:lstStyle/>
+          <a:p>
+            <a:r>
+              <a:rPr lang="pt-PT" b="1" i="1" dirty="0" err="1" smtClean="0"/>
+              <a:t>Xtext</a:t>
+            </a:r>
+            <a:r>
+              <a:rPr lang="pt-PT" b="1" i="1" dirty="0" smtClean="0"/>
+              <a:t> – </a:t>
+            </a:r>
+            <a:r>
+              <a:rPr lang="pt-PT" b="1" i="1" dirty="0" err="1" smtClean="0"/>
+              <a:t>Syntaxe</a:t>
+            </a:r>
+            <a:r>
+              <a:rPr lang="pt-PT" b="1" i="1" dirty="0" smtClean="0"/>
+              <a:t> </a:t>
+            </a:r>
+            <a:r>
+              <a:rPr lang="pt-PT" b="1" i="1" dirty="0" err="1" smtClean="0"/>
+              <a:t>Highlighting</a:t>
+            </a:r>
+            <a:r>
+              <a:rPr lang="pt-PT" b="1" i="1" dirty="0" smtClean="0"/>
+              <a:t> </a:t>
+            </a:r>
+            <a:endParaRPr lang="pt-PT" b="1" i="1" dirty="0"/>
+          </a:p>
+        </p:txBody>
+      </p:sp>
+      <p:pic>
+        <p:nvPicPr>
+          <p:cNvPr id="8" name="Marcador de Posição de Conteúdo 7"/>
+          <p:cNvPicPr>
+            <a:picLocks noGrp="1" noChangeAspect="1"/>
+          </p:cNvPicPr>
+          <p:nvPr>
+            <p:ph idx="1"/>
+          </p:nvPr>
+        </p:nvPicPr>
+        <p:blipFill>
+          <a:blip r:embed="rId3">
+            <a:extLst>
+              <a:ext uri="{28A0092B-C50C-407E-A947-70E740481C1C}">
+                <a14:useLocalDpi xmlns:a14="http://schemas.microsoft.com/office/drawing/2010/main" val="0"/>
+              </a:ext>
+            </a:extLst>
+          </a:blip>
+          <a:stretch>
+            <a:fillRect/>
+          </a:stretch>
+        </p:blipFill>
+        <p:spPr>
+          <a:xfrm>
+            <a:off x="980451" y="2009447"/>
+            <a:ext cx="10231099" cy="3685500"/>
+          </a:xfrm>
+        </p:spPr>
+      </p:pic>
+    </p:spTree>
+    <p:extLst>
+      <p:ext uri="{BB962C8B-B14F-4D97-AF65-F5344CB8AC3E}">
+        <p14:creationId xmlns:p14="http://schemas.microsoft.com/office/powerpoint/2010/main" val="3879499392"/>
+      </p:ext>
+    </p:extLst>
+  </p:cSld>
+  <p:clrMapOvr>
+    <a:masterClrMapping/>
+  </p:clrMapOvr>
+  <p:timing>
+    <p:tnLst>
+      <p:par>
+        <p:cTn id="1" dur="indefinite" restart="never" nodeType="tmRoot"/>
+      </p:par>
+    </p:tnLst>
+  </p:timing>
+</p:sld>
+</file>
+
+<file path=ppt/slides/slide15.xml><?xml version="1.0" encoding="utf-8"?>
+<p:sld xmlns:a="http://schemas.openxmlformats.org/drawingml/2006/main" xmlns:r="http://schemas.openxmlformats.org/officeDocument/2006/relationships" xmlns:p="http://schemas.openxmlformats.org/presentationml/2006/main">
+  <p:cSld>
+    <p:spTree>
+      <p:nvGrpSpPr>
+        <p:cNvPr id="1" name=""/>
+        <p:cNvGrpSpPr/>
+        <p:nvPr/>
+      </p:nvGrpSpPr>
+      <p:grpSpPr>
+        <a:xfrm>
+          <a:off x="0" y="0"/>
+          <a:ext cx="0" cy="0"/>
+          <a:chOff x="0" y="0"/>
+          <a:chExt cx="0" cy="0"/>
+        </a:xfrm>
+      </p:grpSpPr>
+      <p:sp>
+        <p:nvSpPr>
+          <p:cNvPr id="5" name="Título 4"/>
+          <p:cNvSpPr>
+            <a:spLocks noGrp="1"/>
+          </p:cNvSpPr>
+          <p:nvPr>
+            <p:ph type="title"/>
+          </p:nvPr>
+        </p:nvSpPr>
+        <p:spPr/>
+        <p:txBody>
+          <a:bodyPr/>
+          <a:lstStyle/>
+          <a:p>
+            <a:r>
+              <a:rPr lang="pt-PT" b="1" i="1" dirty="0" err="1"/>
+              <a:t>Xtext</a:t>
+            </a:r>
+            <a:r>
+              <a:rPr lang="pt-PT" b="1" i="1" dirty="0"/>
+              <a:t> </a:t>
+            </a:r>
+            <a:r>
+              <a:rPr lang="pt-PT" b="1" i="1" dirty="0" smtClean="0"/>
+              <a:t>– </a:t>
+            </a:r>
+            <a:r>
+              <a:rPr lang="pt-PT" b="1" i="1" dirty="0" err="1" smtClean="0"/>
+              <a:t>Syntaxe</a:t>
+            </a:r>
+            <a:r>
+              <a:rPr lang="pt-PT" b="1" i="1" dirty="0" smtClean="0"/>
+              <a:t> </a:t>
+            </a:r>
+            <a:r>
+              <a:rPr lang="pt-PT" b="1" i="1" dirty="0" err="1"/>
+              <a:t>Highlighting</a:t>
+            </a:r>
+            <a:r>
+              <a:rPr lang="pt-PT" b="1" i="1" dirty="0"/>
+              <a:t> </a:t>
+            </a:r>
+          </a:p>
+        </p:txBody>
+      </p:sp>
+      <p:pic>
+        <p:nvPicPr>
+          <p:cNvPr id="7" name="Marcador de Posição de Conteúdo 6"/>
+          <p:cNvPicPr>
+            <a:picLocks noGrp="1" noChangeAspect="1"/>
+          </p:cNvPicPr>
+          <p:nvPr>
+            <p:ph idx="1"/>
+          </p:nvPr>
+        </p:nvPicPr>
+        <p:blipFill>
+          <a:blip r:embed="rId3">
+            <a:extLst>
+              <a:ext uri="{28A0092B-C50C-407E-A947-70E740481C1C}">
+                <a14:useLocalDpi xmlns:a14="http://schemas.microsoft.com/office/drawing/2010/main" val="0"/>
+              </a:ext>
+            </a:extLst>
+          </a:blip>
+          <a:stretch>
+            <a:fillRect/>
+          </a:stretch>
+        </p:blipFill>
+        <p:spPr>
+          <a:xfrm>
+            <a:off x="2690284" y="1932654"/>
+            <a:ext cx="6811433" cy="4017423"/>
+          </a:xfrm>
+        </p:spPr>
+      </p:pic>
+      <p:pic>
+        <p:nvPicPr>
+          <p:cNvPr id="3" name="Imagem 2"/>
+          <p:cNvPicPr>
+            <a:picLocks noChangeAspect="1"/>
+          </p:cNvPicPr>
+          <p:nvPr/>
+        </p:nvPicPr>
+        <p:blipFill>
+          <a:blip r:embed="rId4">
+            <a:extLst>
+              <a:ext uri="{28A0092B-C50C-407E-A947-70E740481C1C}">
+                <a14:useLocalDpi xmlns:a14="http://schemas.microsoft.com/office/drawing/2010/main" val="0"/>
+              </a:ext>
+            </a:extLst>
+          </a:blip>
+          <a:stretch>
+            <a:fillRect/>
+          </a:stretch>
+        </p:blipFill>
+        <p:spPr>
+          <a:xfrm>
+            <a:off x="3082695" y="1838704"/>
+            <a:ext cx="6026610" cy="4424369"/>
+          </a:xfrm>
+          <a:prstGeom prst="rect">
+            <a:avLst/>
+          </a:prstGeom>
+        </p:spPr>
+      </p:pic>
+    </p:spTree>
+    <p:extLst>
+      <p:ext uri="{BB962C8B-B14F-4D97-AF65-F5344CB8AC3E}">
+        <p14:creationId xmlns:p14="http://schemas.microsoft.com/office/powerpoint/2010/main" val="1887294229"/>
+      </p:ext>
+    </p:extLst>
+  </p:cSld>
+  <p:clrMapOvr>
+    <a:masterClrMapping/>
+  </p:clrMapOvr>
+  <p:timing>
+    <p:tnLst>
+      <p:par>
+        <p:cTn id="1" dur="indefinite" restart="never" nodeType="tmRoot">
+          <p:childTnLst>
+            <p:seq concurrent="1" nextAc="seek">
+              <p:cTn id="2" dur="indefinite" nodeType="mainSeq">
+                <p:childTnLst>
+                  <p:par>
+                    <p:cTn id="3" fill="hold">
+                      <p:stCondLst>
+                        <p:cond delay="indefinite"/>
+                      </p:stCondLst>
+                      <p:childTnLst>
+                        <p:par>
+                          <p:cTn id="4" fill="hold">
+                            <p:stCondLst>
+                              <p:cond delay="0"/>
+                            </p:stCondLst>
+                            <p:childTnLst>
+                              <p:par>
+                                <p:cTn id="5" presetID="1" presetClass="exit" presetSubtype="0" fill="hold" nodeType="clickEffect">
+                                  <p:stCondLst>
+                                    <p:cond delay="0"/>
+                                  </p:stCondLst>
+                                  <p:childTnLst>
+                                    <p:set>
+                                      <p:cBhvr>
+                                        <p:cTn id="6" dur="1" fill="hold">
+                                          <p:stCondLst>
+                                            <p:cond delay="0"/>
+                                          </p:stCondLst>
+                                        </p:cTn>
+                                        <p:tgtEl>
+                                          <p:spTgt spid="7"/>
+                                        </p:tgtEl>
+                                        <p:attrNameLst>
+                                          <p:attrName>style.visibility</p:attrName>
+                                        </p:attrNameLst>
+                                      </p:cBhvr>
+                                      <p:to>
+                                        <p:strVal val="hidden"/>
+                                      </p:to>
+                                    </p:set>
+                                  </p:childTnLst>
+                                </p:cTn>
+                              </p:par>
+                              <p:par>
+                                <p:cTn id="7" presetID="1" presetClass="entr" presetSubtype="0" fill="hold" nodeType="withEffect">
+                                  <p:stCondLst>
+                                    <p:cond delay="0"/>
+                                  </p:stCondLst>
+                                  <p:childTnLst>
+                                    <p:set>
+                                      <p:cBhvr>
+                                        <p:cTn id="8" dur="1" fill="hold">
+                                          <p:stCondLst>
+                                            <p:cond delay="0"/>
+                                          </p:stCondLst>
+                                        </p:cTn>
+                                        <p:tgtEl>
+                                          <p:spTgt spid="3"/>
+                                        </p:tgtEl>
+                                        <p:attrNameLst>
+                                          <p:attrName>style.visibility</p:attrName>
+                                        </p:attrNameLst>
+                                      </p:cBhvr>
+                                      <p:to>
+                                        <p:strVal val="visible"/>
+                                      </p:to>
+                                    </p:set>
+                                  </p:childTnLst>
+                                </p:cTn>
+                              </p:par>
+                            </p:childTnLst>
+                          </p:cTn>
+                        </p:par>
+                      </p:childTnLst>
+                    </p:cTn>
+                  </p:par>
+                </p:childTnLst>
+              </p:cTn>
+              <p:prevCondLst>
+                <p:cond evt="onPrev" delay="0">
+                  <p:tgtEl>
+                    <p:sldTgt/>
+                  </p:tgtEl>
+                </p:cond>
+              </p:prevCondLst>
+              <p:nextCondLst>
+                <p:cond evt="onNext" delay="0">
+                  <p:tgtEl>
+                    <p:sldTgt/>
+                  </p:tgtEl>
+                </p:cond>
+              </p:nextCondLst>
+            </p:seq>
+          </p:childTnLst>
+        </p:cTn>
+      </p:par>
+    </p:tnLst>
+  </p:timing>
+</p:sld>
+</file>
+
+<file path=ppt/slides/slide16.xml><?xml version="1.0" encoding="utf-8"?>
+<p:sld xmlns:a="http://schemas.openxmlformats.org/drawingml/2006/main" xmlns:r="http://schemas.openxmlformats.org/officeDocument/2006/relationships" xmlns:p="http://schemas.openxmlformats.org/presentationml/2006/main">
+  <p:cSld>
+    <p:spTree>
+      <p:nvGrpSpPr>
+        <p:cNvPr id="1" name=""/>
+        <p:cNvGrpSpPr/>
+        <p:nvPr/>
+      </p:nvGrpSpPr>
+      <p:grpSpPr>
+        <a:xfrm>
+          <a:off x="0" y="0"/>
+          <a:ext cx="0" cy="0"/>
+          <a:chOff x="0" y="0"/>
+          <a:chExt cx="0" cy="0"/>
+        </a:xfrm>
+      </p:grpSpPr>
+      <p:pic>
+        <p:nvPicPr>
+          <p:cNvPr id="2" name="Imagem 1"/>
+          <p:cNvPicPr>
+            <a:picLocks noChangeAspect="1"/>
+          </p:cNvPicPr>
+          <p:nvPr/>
+        </p:nvPicPr>
+        <p:blipFill>
+          <a:blip r:embed="rId3">
+            <a:extLst>
+              <a:ext uri="{28A0092B-C50C-407E-A947-70E740481C1C}">
+                <a14:useLocalDpi xmlns:a14="http://schemas.microsoft.com/office/drawing/2010/main" val="0"/>
+              </a:ext>
+            </a:extLst>
+          </a:blip>
+          <a:stretch>
+            <a:fillRect/>
+          </a:stretch>
+        </p:blipFill>
+        <p:spPr>
+          <a:xfrm>
+            <a:off x="586596" y="273610"/>
+            <a:ext cx="10941169" cy="5878667"/>
+          </a:xfrm>
+          <a:prstGeom prst="rect">
+            <a:avLst/>
+          </a:prstGeom>
+        </p:spPr>
+      </p:pic>
+    </p:spTree>
+    <p:extLst>
+      <p:ext uri="{BB962C8B-B14F-4D97-AF65-F5344CB8AC3E}">
+        <p14:creationId xmlns:p14="http://schemas.microsoft.com/office/powerpoint/2010/main" val="486250253"/>
+      </p:ext>
+    </p:extLst>
+  </p:cSld>
+  <p:clrMapOvr>
+    <a:masterClrMapping/>
+  </p:clrMapOvr>
+  <p:timing>
+    <p:tnLst>
+      <p:par>
+        <p:cTn id="1" dur="indefinite" restart="never" nodeType="tmRoot"/>
+      </p:par>
+    </p:tnLst>
+  </p:timing>
+</p:sld>
+</file>
+
+<file path=ppt/slides/slide17.xml><?xml version="1.0" encoding="utf-8"?>
+<p:sld xmlns:a="http://schemas.openxmlformats.org/drawingml/2006/main" xmlns:r="http://schemas.openxmlformats.org/officeDocument/2006/relationships" xmlns:p="http://schemas.openxmlformats.org/presentationml/2006/main">
+  <p:cSld>
+    <p:spTree>
+      <p:nvGrpSpPr>
+        <p:cNvPr id="1" name=""/>
+        <p:cNvGrpSpPr/>
+        <p:nvPr/>
+      </p:nvGrpSpPr>
+      <p:grpSpPr>
+        <a:xfrm>
+          <a:off x="0" y="0"/>
+          <a:ext cx="0" cy="0"/>
+          <a:chOff x="0" y="0"/>
+          <a:chExt cx="0" cy="0"/>
+        </a:xfrm>
+      </p:grpSpPr>
+      <p:sp>
+        <p:nvSpPr>
+          <p:cNvPr id="2" name="Título 1"/>
+          <p:cNvSpPr>
+            <a:spLocks noGrp="1"/>
+          </p:cNvSpPr>
+          <p:nvPr>
+            <p:ph type="title"/>
+          </p:nvPr>
+        </p:nvSpPr>
+        <p:spPr>
+          <a:xfrm>
+            <a:off x="1097280" y="236330"/>
+            <a:ext cx="10058400" cy="1450757"/>
+          </a:xfrm>
+        </p:spPr>
+        <p:txBody>
+          <a:bodyPr/>
+          <a:lstStyle/>
+          <a:p>
+            <a:r>
+              <a:rPr lang="pt-PT" b="1" i="1" dirty="0" smtClean="0"/>
+              <a:t>Xtext – </a:t>
+            </a:r>
+            <a:r>
+              <a:rPr lang="pt-PT" b="1" i="1" dirty="0" err="1" smtClean="0"/>
+              <a:t>Outline</a:t>
+            </a:r>
+            <a:endParaRPr lang="pt-PT" b="1" i="1" dirty="0"/>
+          </a:p>
+        </p:txBody>
+      </p:sp>
+      <p:pic>
+        <p:nvPicPr>
+          <p:cNvPr id="4" name="Marcador de Posição de Conteúdo 3"/>
+          <p:cNvPicPr>
+            <a:picLocks noGrp="1" noChangeAspect="1"/>
+          </p:cNvPicPr>
+          <p:nvPr>
+            <p:ph idx="1"/>
+          </p:nvPr>
+        </p:nvPicPr>
+        <p:blipFill>
+          <a:blip r:embed="rId3">
+            <a:extLst>
+              <a:ext uri="{28A0092B-C50C-407E-A947-70E740481C1C}">
+                <a14:useLocalDpi xmlns:a14="http://schemas.microsoft.com/office/drawing/2010/main" val="0"/>
+              </a:ext>
+            </a:extLst>
+          </a:blip>
+          <a:stretch>
+            <a:fillRect/>
+          </a:stretch>
+        </p:blipFill>
+        <p:spPr>
+          <a:xfrm>
+            <a:off x="3216201" y="1824998"/>
+            <a:ext cx="5759598" cy="4486218"/>
+          </a:xfrm>
+        </p:spPr>
+      </p:pic>
+    </p:spTree>
+    <p:extLst>
+      <p:ext uri="{BB962C8B-B14F-4D97-AF65-F5344CB8AC3E}">
+        <p14:creationId xmlns:p14="http://schemas.microsoft.com/office/powerpoint/2010/main" val="1069606025"/>
+      </p:ext>
+    </p:extLst>
+  </p:cSld>
+  <p:clrMapOvr>
+    <a:masterClrMapping/>
+  </p:clrMapOvr>
+  <p:timing>
+    <p:tnLst>
+      <p:par>
+        <p:cTn id="1" dur="indefinite" restart="never" nodeType="tmRoot"/>
+      </p:par>
+    </p:tnLst>
+  </p:timing>
+</p:sld>
+</file>
+
+<file path=ppt/slides/slide18.xml><?xml version="1.0" encoding="utf-8"?>
+<p:sld xmlns:a="http://schemas.openxmlformats.org/drawingml/2006/main" xmlns:r="http://schemas.openxmlformats.org/officeDocument/2006/relationships" xmlns:p="http://schemas.openxmlformats.org/presentationml/2006/main">
+  <p:cSld>
+    <p:spTree>
+      <p:nvGrpSpPr>
+        <p:cNvPr id="1" name=""/>
+        <p:cNvGrpSpPr/>
+        <p:nvPr/>
+      </p:nvGrpSpPr>
+      <p:grpSpPr>
+        <a:xfrm>
+          <a:off x="0" y="0"/>
+          <a:ext cx="0" cy="0"/>
+          <a:chOff x="0" y="0"/>
+          <a:chExt cx="0" cy="0"/>
+        </a:xfrm>
+      </p:grpSpPr>
+      <p:sp>
+        <p:nvSpPr>
+          <p:cNvPr id="2" name="Título 1"/>
+          <p:cNvSpPr>
+            <a:spLocks noGrp="1"/>
+          </p:cNvSpPr>
+          <p:nvPr>
+            <p:ph type="title"/>
+          </p:nvPr>
+        </p:nvSpPr>
+        <p:spPr/>
+        <p:txBody>
+          <a:bodyPr/>
+          <a:lstStyle/>
+          <a:p>
+            <a:r>
+              <a:rPr lang="pt-PT" b="1" i="1" dirty="0" smtClean="0"/>
+              <a:t>Xtext – </a:t>
+            </a:r>
+            <a:r>
+              <a:rPr lang="pt-PT" b="1" i="1" dirty="0" err="1" smtClean="0"/>
+              <a:t>Outline</a:t>
+            </a:r>
+            <a:endParaRPr lang="pt-PT" b="1" i="1" dirty="0"/>
+          </a:p>
+        </p:txBody>
+      </p:sp>
+      <p:pic>
+        <p:nvPicPr>
+          <p:cNvPr id="4" name="Marcador de Posição de Conteúdo 3"/>
+          <p:cNvPicPr>
+            <a:picLocks noGrp="1" noChangeAspect="1"/>
+          </p:cNvPicPr>
+          <p:nvPr>
+            <p:ph idx="1"/>
+          </p:nvPr>
+        </p:nvPicPr>
+        <p:blipFill>
+          <a:blip r:embed="rId3">
+            <a:extLst>
+              <a:ext uri="{28A0092B-C50C-407E-A947-70E740481C1C}">
+                <a14:useLocalDpi xmlns:a14="http://schemas.microsoft.com/office/drawing/2010/main" val="0"/>
+              </a:ext>
+            </a:extLst>
+          </a:blip>
+          <a:stretch>
+            <a:fillRect/>
+          </a:stretch>
+        </p:blipFill>
+        <p:spPr>
+          <a:xfrm>
+            <a:off x="3271092" y="1822757"/>
+            <a:ext cx="5649816" cy="4443246"/>
+          </a:xfrm>
+        </p:spPr>
+      </p:pic>
+    </p:spTree>
+    <p:extLst>
+      <p:ext uri="{BB962C8B-B14F-4D97-AF65-F5344CB8AC3E}">
+        <p14:creationId xmlns:p14="http://schemas.microsoft.com/office/powerpoint/2010/main" val="3767449111"/>
+      </p:ext>
+    </p:extLst>
+  </p:cSld>
+  <p:clrMapOvr>
+    <a:masterClrMapping/>
+  </p:clrMapOvr>
+  <p:timing>
+    <p:tnLst>
+      <p:par>
+        <p:cTn id="1" dur="indefinite" restart="never" nodeType="tmRoot"/>
+      </p:par>
+    </p:tnLst>
+  </p:timing>
+</p:sld>
+</file>
+
+<file path=ppt/slides/slide19.xml><?xml version="1.0" encoding="utf-8"?>
+<p:sld xmlns:a="http://schemas.openxmlformats.org/drawingml/2006/main" xmlns:r="http://schemas.openxmlformats.org/officeDocument/2006/relationships" xmlns:p="http://schemas.openxmlformats.org/presentationml/2006/main">
+  <p:cSld>
+    <p:spTree>
+      <p:nvGrpSpPr>
+        <p:cNvPr id="1" name=""/>
+        <p:cNvGrpSpPr/>
+        <p:nvPr/>
+      </p:nvGrpSpPr>
+      <p:grpSpPr>
+        <a:xfrm>
+          <a:off x="0" y="0"/>
+          <a:ext cx="0" cy="0"/>
+          <a:chOff x="0" y="0"/>
+          <a:chExt cx="0" cy="0"/>
+        </a:xfrm>
+      </p:grpSpPr>
+      <p:pic>
+        <p:nvPicPr>
+          <p:cNvPr id="2" name="Imagem 1"/>
+          <p:cNvPicPr>
+            <a:picLocks noChangeAspect="1"/>
+          </p:cNvPicPr>
+          <p:nvPr/>
+        </p:nvPicPr>
+        <p:blipFill>
+          <a:blip r:embed="rId3">
             <a:extLst>
               <a:ext uri="{28A0092B-C50C-407E-A947-70E740481C1C}">
                 <a14:useLocalDpi xmlns:a14="http://schemas.microsoft.com/office/drawing/2010/main" val="0"/>
@@ -5540,7 +9583,7 @@
 </p:sld>
 </file>
 
-<file path=ppt/slides/slide14.xml><?xml version="1.0" encoding="utf-8"?>
+<file path=ppt/slides/slide2.xml><?xml version="1.0" encoding="utf-8"?>
 <p:sld xmlns:a="http://schemas.openxmlformats.org/drawingml/2006/main" xmlns:r="http://schemas.openxmlformats.org/officeDocument/2006/relationships" xmlns:p="http://schemas.openxmlformats.org/presentationml/2006/main">
   <p:cSld>
     <p:spTree>
@@ -5557,6 +9600,527 @@
           <a:chExt cx="0" cy="0"/>
         </a:xfrm>
       </p:grpSpPr>
+      <p:pic>
+        <p:nvPicPr>
+          <p:cNvPr id="5" name="Imagem 4"/>
+          <p:cNvPicPr>
+            <a:picLocks noChangeAspect="1"/>
+          </p:cNvPicPr>
+          <p:nvPr/>
+        </p:nvPicPr>
+        <p:blipFill>
+          <a:blip r:embed="rId2">
+            <a:extLst>
+              <a:ext uri="{28A0092B-C50C-407E-A947-70E740481C1C}">
+                <a14:useLocalDpi xmlns:a14="http://schemas.microsoft.com/office/drawing/2010/main" val="0"/>
+              </a:ext>
+            </a:extLst>
+          </a:blip>
+          <a:stretch>
+            <a:fillRect/>
+          </a:stretch>
+        </p:blipFill>
+        <p:spPr>
+          <a:xfrm>
+            <a:off x="1073637" y="923354"/>
+            <a:ext cx="10147564" cy="5454316"/>
+          </a:xfrm>
+          <a:prstGeom prst="rect">
+            <a:avLst/>
+          </a:prstGeom>
+        </p:spPr>
+      </p:pic>
+      <p:pic>
+        <p:nvPicPr>
+          <p:cNvPr id="6" name="Imagem 5"/>
+          <p:cNvPicPr>
+            <a:picLocks noChangeAspect="1"/>
+          </p:cNvPicPr>
+          <p:nvPr/>
+        </p:nvPicPr>
+        <p:blipFill>
+          <a:blip r:embed="rId3">
+            <a:extLst>
+              <a:ext uri="{28A0092B-C50C-407E-A947-70E740481C1C}">
+                <a14:useLocalDpi xmlns:a14="http://schemas.microsoft.com/office/drawing/2010/main" val="0"/>
+              </a:ext>
+            </a:extLst>
+          </a:blip>
+          <a:stretch>
+            <a:fillRect/>
+          </a:stretch>
+        </p:blipFill>
+        <p:spPr>
+          <a:xfrm>
+            <a:off x="5986865" y="1972682"/>
+            <a:ext cx="5234336" cy="2438400"/>
+          </a:xfrm>
+          <a:prstGeom prst="rect">
+            <a:avLst/>
+          </a:prstGeom>
+        </p:spPr>
+      </p:pic>
+      <p:pic>
+        <p:nvPicPr>
+          <p:cNvPr id="7" name="Imagem 6"/>
+          <p:cNvPicPr>
+            <a:picLocks noChangeAspect="1"/>
+          </p:cNvPicPr>
+          <p:nvPr/>
+        </p:nvPicPr>
+        <p:blipFill>
+          <a:blip r:embed="rId4">
+            <a:extLst>
+              <a:ext uri="{28A0092B-C50C-407E-A947-70E740481C1C}">
+                <a14:useLocalDpi xmlns:a14="http://schemas.microsoft.com/office/drawing/2010/main" val="0"/>
+              </a:ext>
+            </a:extLst>
+          </a:blip>
+          <a:stretch>
+            <a:fillRect/>
+          </a:stretch>
+        </p:blipFill>
+        <p:spPr>
+          <a:xfrm>
+            <a:off x="1073637" y="923354"/>
+            <a:ext cx="10147564" cy="5433175"/>
+          </a:xfrm>
+          <a:prstGeom prst="rect">
+            <a:avLst/>
+          </a:prstGeom>
+        </p:spPr>
+      </p:pic>
+      <p:pic>
+        <p:nvPicPr>
+          <p:cNvPr id="8" name="Imagem 7"/>
+          <p:cNvPicPr>
+            <a:picLocks noChangeAspect="1"/>
+          </p:cNvPicPr>
+          <p:nvPr/>
+        </p:nvPicPr>
+        <p:blipFill>
+          <a:blip r:embed="rId5">
+            <a:extLst>
+              <a:ext uri="{28A0092B-C50C-407E-A947-70E740481C1C}">
+                <a14:useLocalDpi xmlns:a14="http://schemas.microsoft.com/office/drawing/2010/main" val="0"/>
+              </a:ext>
+            </a:extLst>
+          </a:blip>
+          <a:stretch>
+            <a:fillRect/>
+          </a:stretch>
+        </p:blipFill>
+        <p:spPr>
+          <a:xfrm>
+            <a:off x="5986865" y="2040022"/>
+            <a:ext cx="5211902" cy="2438400"/>
+          </a:xfrm>
+          <a:prstGeom prst="rect">
+            <a:avLst/>
+          </a:prstGeom>
+        </p:spPr>
+      </p:pic>
+      <p:sp>
+        <p:nvSpPr>
+          <p:cNvPr id="9" name="Título 1"/>
+          <p:cNvSpPr txBox="1">
+            <a:spLocks/>
+          </p:cNvSpPr>
+          <p:nvPr/>
+        </p:nvSpPr>
+        <p:spPr>
+          <a:xfrm>
+            <a:off x="3881416" y="161915"/>
+            <a:ext cx="4429169" cy="826925"/>
+          </a:xfrm>
+          <a:prstGeom prst="rect">
+            <a:avLst/>
+          </a:prstGeom>
+        </p:spPr>
+        <p:txBody>
+          <a:bodyPr/>
+          <a:lstStyle>
+            <a:lvl1pPr algn="l" defTabSz="914400" rtl="0" eaLnBrk="1" latinLnBrk="0" hangingPunct="1">
+              <a:lnSpc>
+                <a:spcPct val="85000"/>
+              </a:lnSpc>
+              <a:spcBef>
+                <a:spcPct val="0"/>
+              </a:spcBef>
+              <a:buNone/>
+              <a:defRPr sz="4800" kern="1200" spc="-50" baseline="0">
+                <a:solidFill>
+                  <a:schemeClr val="tx1">
+                    <a:lumMod val="75000"/>
+                    <a:lumOff val="25000"/>
+                  </a:schemeClr>
+                </a:solidFill>
+                <a:latin typeface="+mj-lt"/>
+                <a:ea typeface="+mj-ea"/>
+                <a:cs typeface="+mj-cs"/>
+              </a:defRPr>
+            </a:lvl1pPr>
+          </a:lstStyle>
+          <a:p>
+            <a:pPr algn="ctr"/>
+            <a:r>
+              <a:rPr lang="pt-PT" sz="6600" b="1" dirty="0" smtClean="0"/>
+              <a:t>Motivação</a:t>
+            </a:r>
+            <a:endParaRPr lang="pt-PT" sz="6600" b="1" dirty="0"/>
+          </a:p>
+        </p:txBody>
+      </p:sp>
+    </p:spTree>
+    <p:extLst>
+      <p:ext uri="{BB962C8B-B14F-4D97-AF65-F5344CB8AC3E}">
+        <p14:creationId xmlns:p14="http://schemas.microsoft.com/office/powerpoint/2010/main" val="1417467161"/>
+      </p:ext>
+    </p:extLst>
+  </p:cSld>
+  <p:clrMapOvr>
+    <a:masterClrMapping/>
+  </p:clrMapOvr>
+  <p:timing>
+    <p:tnLst>
+      <p:par>
+        <p:cTn id="1" dur="indefinite" restart="never" nodeType="tmRoot">
+          <p:childTnLst>
+            <p:seq concurrent="1" nextAc="seek">
+              <p:cTn id="2" dur="indefinite" nodeType="mainSeq">
+                <p:childTnLst>
+                  <p:par>
+                    <p:cTn id="3" fill="hold">
+                      <p:stCondLst>
+                        <p:cond delay="indefinite"/>
+                      </p:stCondLst>
+                      <p:childTnLst>
+                        <p:par>
+                          <p:cTn id="4" fill="hold">
+                            <p:stCondLst>
+                              <p:cond delay="0"/>
+                            </p:stCondLst>
+                            <p:childTnLst>
+                              <p:par>
+                                <p:cTn id="5" presetID="1" presetClass="entr" presetSubtype="0" fill="hold" nodeType="clickEffect">
+                                  <p:stCondLst>
+                                    <p:cond delay="0"/>
+                                  </p:stCondLst>
+                                  <p:childTnLst>
+                                    <p:set>
+                                      <p:cBhvr>
+                                        <p:cTn id="6" dur="1" fill="hold">
+                                          <p:stCondLst>
+                                            <p:cond delay="0"/>
+                                          </p:stCondLst>
+                                        </p:cTn>
+                                        <p:tgtEl>
+                                          <p:spTgt spid="5"/>
+                                        </p:tgtEl>
+                                        <p:attrNameLst>
+                                          <p:attrName>style.visibility</p:attrName>
+                                        </p:attrNameLst>
+                                      </p:cBhvr>
+                                      <p:to>
+                                        <p:strVal val="visible"/>
+                                      </p:to>
+                                    </p:set>
+                                  </p:childTnLst>
+                                </p:cTn>
+                              </p:par>
+                            </p:childTnLst>
+                          </p:cTn>
+                        </p:par>
+                      </p:childTnLst>
+                    </p:cTn>
+                  </p:par>
+                  <p:par>
+                    <p:cTn id="7" fill="hold">
+                      <p:stCondLst>
+                        <p:cond delay="indefinite"/>
+                      </p:stCondLst>
+                      <p:childTnLst>
+                        <p:par>
+                          <p:cTn id="8" fill="hold">
+                            <p:stCondLst>
+                              <p:cond delay="0"/>
+                            </p:stCondLst>
+                            <p:childTnLst>
+                              <p:par>
+                                <p:cTn id="9" presetID="1" presetClass="entr" presetSubtype="0" fill="hold" nodeType="clickEffect">
+                                  <p:stCondLst>
+                                    <p:cond delay="0"/>
+                                  </p:stCondLst>
+                                  <p:childTnLst>
+                                    <p:set>
+                                      <p:cBhvr>
+                                        <p:cTn id="10" dur="1" fill="hold">
+                                          <p:stCondLst>
+                                            <p:cond delay="0"/>
+                                          </p:stCondLst>
+                                        </p:cTn>
+                                        <p:tgtEl>
+                                          <p:spTgt spid="6"/>
+                                        </p:tgtEl>
+                                        <p:attrNameLst>
+                                          <p:attrName>style.visibility</p:attrName>
+                                        </p:attrNameLst>
+                                      </p:cBhvr>
+                                      <p:to>
+                                        <p:strVal val="visible"/>
+                                      </p:to>
+                                    </p:set>
+                                  </p:childTnLst>
+                                </p:cTn>
+                              </p:par>
+                            </p:childTnLst>
+                          </p:cTn>
+                        </p:par>
+                      </p:childTnLst>
+                    </p:cTn>
+                  </p:par>
+                  <p:par>
+                    <p:cTn id="11" fill="hold">
+                      <p:stCondLst>
+                        <p:cond delay="indefinite"/>
+                      </p:stCondLst>
+                      <p:childTnLst>
+                        <p:par>
+                          <p:cTn id="12" fill="hold">
+                            <p:stCondLst>
+                              <p:cond delay="0"/>
+                            </p:stCondLst>
+                            <p:childTnLst>
+                              <p:par>
+                                <p:cTn id="13" presetID="1" presetClass="exit" presetSubtype="0" fill="hold" nodeType="clickEffect">
+                                  <p:stCondLst>
+                                    <p:cond delay="0"/>
+                                  </p:stCondLst>
+                                  <p:childTnLst>
+                                    <p:set>
+                                      <p:cBhvr>
+                                        <p:cTn id="14" dur="1" fill="hold">
+                                          <p:stCondLst>
+                                            <p:cond delay="0"/>
+                                          </p:stCondLst>
+                                        </p:cTn>
+                                        <p:tgtEl>
+                                          <p:spTgt spid="6"/>
+                                        </p:tgtEl>
+                                        <p:attrNameLst>
+                                          <p:attrName>style.visibility</p:attrName>
+                                        </p:attrNameLst>
+                                      </p:cBhvr>
+                                      <p:to>
+                                        <p:strVal val="hidden"/>
+                                      </p:to>
+                                    </p:set>
+                                  </p:childTnLst>
+                                </p:cTn>
+                              </p:par>
+                              <p:par>
+                                <p:cTn id="15" presetID="1" presetClass="entr" presetSubtype="0" fill="hold" nodeType="withEffect">
+                                  <p:stCondLst>
+                                    <p:cond delay="0"/>
+                                  </p:stCondLst>
+                                  <p:childTnLst>
+                                    <p:set>
+                                      <p:cBhvr>
+                                        <p:cTn id="16" dur="1" fill="hold">
+                                          <p:stCondLst>
+                                            <p:cond delay="0"/>
+                                          </p:stCondLst>
+                                        </p:cTn>
+                                        <p:tgtEl>
+                                          <p:spTgt spid="5"/>
+                                        </p:tgtEl>
+                                        <p:attrNameLst>
+                                          <p:attrName>style.visibility</p:attrName>
+                                        </p:attrNameLst>
+                                      </p:cBhvr>
+                                      <p:to>
+                                        <p:strVal val="visible"/>
+                                      </p:to>
+                                    </p:set>
+                                  </p:childTnLst>
+                                </p:cTn>
+                              </p:par>
+                              <p:par>
+                                <p:cTn id="17" presetID="1" presetClass="entr" presetSubtype="0" fill="hold" nodeType="withEffect">
+                                  <p:stCondLst>
+                                    <p:cond delay="0"/>
+                                  </p:stCondLst>
+                                  <p:childTnLst>
+                                    <p:set>
+                                      <p:cBhvr>
+                                        <p:cTn id="18" dur="1" fill="hold">
+                                          <p:stCondLst>
+                                            <p:cond delay="0"/>
+                                          </p:stCondLst>
+                                        </p:cTn>
+                                        <p:tgtEl>
+                                          <p:spTgt spid="7"/>
+                                        </p:tgtEl>
+                                        <p:attrNameLst>
+                                          <p:attrName>style.visibility</p:attrName>
+                                        </p:attrNameLst>
+                                      </p:cBhvr>
+                                      <p:to>
+                                        <p:strVal val="visible"/>
+                                      </p:to>
+                                    </p:set>
+                                  </p:childTnLst>
+                                </p:cTn>
+                              </p:par>
+                            </p:childTnLst>
+                          </p:cTn>
+                        </p:par>
+                      </p:childTnLst>
+                    </p:cTn>
+                  </p:par>
+                  <p:par>
+                    <p:cTn id="19" fill="hold">
+                      <p:stCondLst>
+                        <p:cond delay="indefinite"/>
+                      </p:stCondLst>
+                      <p:childTnLst>
+                        <p:par>
+                          <p:cTn id="20" fill="hold">
+                            <p:stCondLst>
+                              <p:cond delay="0"/>
+                            </p:stCondLst>
+                            <p:childTnLst>
+                              <p:par>
+                                <p:cTn id="21" presetID="1" presetClass="entr" presetSubtype="0" fill="hold" nodeType="clickEffect">
+                                  <p:stCondLst>
+                                    <p:cond delay="0"/>
+                                  </p:stCondLst>
+                                  <p:childTnLst>
+                                    <p:set>
+                                      <p:cBhvr>
+                                        <p:cTn id="22" dur="1" fill="hold">
+                                          <p:stCondLst>
+                                            <p:cond delay="0"/>
+                                          </p:stCondLst>
+                                        </p:cTn>
+                                        <p:tgtEl>
+                                          <p:spTgt spid="8"/>
+                                        </p:tgtEl>
+                                        <p:attrNameLst>
+                                          <p:attrName>style.visibility</p:attrName>
+                                        </p:attrNameLst>
+                                      </p:cBhvr>
+                                      <p:to>
+                                        <p:strVal val="visible"/>
+                                      </p:to>
+                                    </p:set>
+                                  </p:childTnLst>
+                                </p:cTn>
+                              </p:par>
+                            </p:childTnLst>
+                          </p:cTn>
+                        </p:par>
+                      </p:childTnLst>
+                    </p:cTn>
+                  </p:par>
+                </p:childTnLst>
+              </p:cTn>
+              <p:prevCondLst>
+                <p:cond evt="onPrev" delay="0">
+                  <p:tgtEl>
+                    <p:sldTgt/>
+                  </p:tgtEl>
+                </p:cond>
+              </p:prevCondLst>
+              <p:nextCondLst>
+                <p:cond evt="onNext" delay="0">
+                  <p:tgtEl>
+                    <p:sldTgt/>
+                  </p:tgtEl>
+                </p:cond>
+              </p:nextCondLst>
+            </p:seq>
+          </p:childTnLst>
+        </p:cTn>
+      </p:par>
+    </p:tnLst>
+  </p:timing>
+</p:sld>
+</file>
+
+<file path=ppt/slides/slide20.xml><?xml version="1.0" encoding="utf-8"?>
+<p:sld xmlns:a="http://schemas.openxmlformats.org/drawingml/2006/main" xmlns:r="http://schemas.openxmlformats.org/officeDocument/2006/relationships" xmlns:p="http://schemas.openxmlformats.org/presentationml/2006/main">
+  <p:cSld>
+    <p:spTree>
+      <p:nvGrpSpPr>
+        <p:cNvPr id="1" name=""/>
+        <p:cNvGrpSpPr/>
+        <p:nvPr/>
+      </p:nvGrpSpPr>
+      <p:grpSpPr>
+        <a:xfrm>
+          <a:off x="0" y="0"/>
+          <a:ext cx="0" cy="0"/>
+          <a:chOff x="0" y="0"/>
+          <a:chExt cx="0" cy="0"/>
+        </a:xfrm>
+      </p:grpSpPr>
+      <p:sp>
+        <p:nvSpPr>
+          <p:cNvPr id="2" name="Título 1"/>
+          <p:cNvSpPr>
+            <a:spLocks noGrp="1"/>
+          </p:cNvSpPr>
+          <p:nvPr>
+            <p:ph type="title"/>
+          </p:nvPr>
+        </p:nvSpPr>
+        <p:spPr/>
+        <p:txBody>
+          <a:bodyPr/>
+          <a:lstStyle/>
+          <a:p>
+            <a:r>
+              <a:rPr lang="pt-PT" b="1" i="1" dirty="0" smtClean="0"/>
+              <a:t>Xtext - </a:t>
+            </a:r>
+            <a:r>
+              <a:rPr lang="pt-PT" b="1" i="1" dirty="0" err="1" smtClean="0"/>
+              <a:t>Generator</a:t>
+            </a:r>
+            <a:endParaRPr lang="pt-PT" b="1" i="1" dirty="0"/>
+          </a:p>
+        </p:txBody>
+      </p:sp>
+      <p:pic>
+        <p:nvPicPr>
+          <p:cNvPr id="4" name="Marcador de Posição de Conteúdo 3"/>
+          <p:cNvPicPr>
+            <a:picLocks noGrp="1" noChangeAspect="1"/>
+          </p:cNvPicPr>
+          <p:nvPr>
+            <p:ph idx="1"/>
+          </p:nvPr>
+        </p:nvPicPr>
+        <p:blipFill>
+          <a:blip r:embed="rId3">
+            <a:extLst>
+              <a:ext uri="{28A0092B-C50C-407E-A947-70E740481C1C}">
+                <a14:useLocalDpi xmlns:a14="http://schemas.microsoft.com/office/drawing/2010/main" val="0"/>
+              </a:ext>
+            </a:extLst>
+          </a:blip>
+          <a:stretch>
+            <a:fillRect/>
+          </a:stretch>
+        </p:blipFill>
+        <p:spPr>
+          <a:xfrm>
+            <a:off x="3187928" y="1814365"/>
+            <a:ext cx="5816144" cy="4487430"/>
+          </a:xfrm>
+        </p:spPr>
+      </p:pic>
     </p:spTree>
     <p:extLst>
       <p:ext uri="{BB962C8B-B14F-4D97-AF65-F5344CB8AC3E}">
@@ -5577,7 +10141,7 @@
 </p:sld>
 </file>
 
-<file path=ppt/slides/slide15.xml><?xml version="1.0" encoding="utf-8"?>
+<file path=ppt/slides/slide21.xml><?xml version="1.0" encoding="utf-8"?>
 <p:sld xmlns:a="http://schemas.openxmlformats.org/drawingml/2006/main" xmlns:r="http://schemas.openxmlformats.org/officeDocument/2006/relationships" xmlns:p="http://schemas.openxmlformats.org/presentationml/2006/main">
   <p:cSld>
     <p:spTree>
@@ -5610,10 +10174,10 @@
           <a:lstStyle/>
           <a:p>
             <a:r>
-              <a:rPr lang="pt-PT" sz="8000" dirty="0" smtClean="0"/>
+              <a:rPr lang="pt-PT" sz="8000" b="1" dirty="0" smtClean="0"/>
               <a:t>DEMO</a:t>
             </a:r>
-            <a:endParaRPr lang="pt-PT" dirty="0"/>
+            <a:endParaRPr lang="pt-PT" b="1" dirty="0"/>
           </a:p>
         </p:txBody>
       </p:sp>
@@ -5637,7 +10201,7 @@
 </p:sld>
 </file>
 
-<file path=ppt/slides/slide16.xml><?xml version="1.0" encoding="utf-8"?>
+<file path=ppt/slides/slide22.xml><?xml version="1.0" encoding="utf-8"?>
 <p:sld xmlns:a="http://schemas.openxmlformats.org/drawingml/2006/main" xmlns:r="http://schemas.openxmlformats.org/officeDocument/2006/relationships" xmlns:p="http://schemas.openxmlformats.org/presentationml/2006/main">
   <p:cSld>
     <p:spTree>
@@ -5656,6 +10220,200 @@
       </p:grpSpPr>
       <p:sp>
         <p:nvSpPr>
+          <p:cNvPr id="2" name="Título 1"/>
+          <p:cNvSpPr>
+            <a:spLocks noGrp="1"/>
+          </p:cNvSpPr>
+          <p:nvPr>
+            <p:ph type="title"/>
+          </p:nvPr>
+        </p:nvSpPr>
+        <p:spPr>
+          <a:xfrm>
+            <a:off x="1214238" y="268228"/>
+            <a:ext cx="10058400" cy="1450757"/>
+          </a:xfrm>
+        </p:spPr>
+        <p:txBody>
+          <a:bodyPr/>
+          <a:lstStyle/>
+          <a:p>
+            <a:r>
+              <a:rPr lang="pt-PT" b="1" dirty="0" smtClean="0"/>
+              <a:t>Conclusões</a:t>
+            </a:r>
+            <a:endParaRPr lang="pt-PT" b="1" dirty="0"/>
+          </a:p>
+        </p:txBody>
+      </p:sp>
+      <p:sp>
+        <p:nvSpPr>
+          <p:cNvPr id="3" name="Marcador de Posição de Conteúdo 2"/>
+          <p:cNvSpPr>
+            <a:spLocks noGrp="1"/>
+          </p:cNvSpPr>
+          <p:nvPr>
+            <p:ph idx="1"/>
+          </p:nvPr>
+        </p:nvSpPr>
+        <p:spPr>
+          <a:xfrm>
+            <a:off x="1065382" y="1973325"/>
+            <a:ext cx="10058400" cy="4023360"/>
+          </a:xfrm>
+        </p:spPr>
+        <p:txBody>
+          <a:bodyPr>
+            <a:noAutofit/>
+          </a:bodyPr>
+          <a:lstStyle/>
+          <a:p>
+            <a:pPr lvl="2">
+              <a:buFont typeface="Arial" panose="020B0604020202020204" pitchFamily="34" charset="0"/>
+              <a:buChar char="•"/>
+            </a:pPr>
+            <a:r>
+              <a:rPr lang="pt-PT" sz="2600" dirty="0" smtClean="0"/>
+              <a:t>Criar uma ferramenta que implemente as seguintes funcionalidades:</a:t>
+            </a:r>
+            <a:endParaRPr lang="pt-PT" sz="2600" i="1" dirty="0"/>
+          </a:p>
+          <a:p>
+            <a:pPr lvl="3">
+              <a:buFont typeface="Wingdings" panose="05000000000000000000" pitchFamily="2" charset="2"/>
+              <a:buChar char="ü"/>
+            </a:pPr>
+            <a:r>
+              <a:rPr lang="pt-PT" sz="2600" dirty="0" smtClean="0"/>
+              <a:t> Verificação de sintaxe e semântica; </a:t>
+            </a:r>
+            <a:endParaRPr lang="pt-PT" sz="2600" dirty="0" smtClean="0"/>
+          </a:p>
+          <a:p>
+            <a:pPr lvl="3">
+              <a:buFont typeface="Wingdings" panose="05000000000000000000" pitchFamily="2" charset="2"/>
+              <a:buChar char="ü"/>
+            </a:pPr>
+            <a:r>
+              <a:rPr lang="pt-PT" sz="2600" i="1" dirty="0" smtClean="0"/>
+              <a:t> </a:t>
+            </a:r>
+            <a:r>
+              <a:rPr lang="pt-PT" sz="2600" i="1" dirty="0" err="1" smtClean="0"/>
+              <a:t>Intellisense</a:t>
+            </a:r>
+            <a:r>
+              <a:rPr lang="pt-PT" sz="2600" dirty="0"/>
+              <a:t>;</a:t>
+            </a:r>
+            <a:endParaRPr lang="pt-PT" sz="2600" i="1" dirty="0" smtClean="0"/>
+          </a:p>
+          <a:p>
+            <a:pPr lvl="3">
+              <a:buFont typeface="Wingdings" panose="05000000000000000000" pitchFamily="2" charset="2"/>
+              <a:buChar char="ü"/>
+            </a:pPr>
+            <a:r>
+              <a:rPr lang="pt-PT" sz="2600" i="1" dirty="0" smtClean="0"/>
+              <a:t> </a:t>
+            </a:r>
+            <a:r>
+              <a:rPr lang="pt-PT" sz="2600" i="1" dirty="0" err="1" smtClean="0"/>
+              <a:t>Syntaxe</a:t>
+            </a:r>
+            <a:r>
+              <a:rPr lang="pt-PT" sz="2600" i="1" dirty="0" smtClean="0"/>
+              <a:t> </a:t>
+            </a:r>
+            <a:r>
+              <a:rPr lang="pt-PT" sz="2600" i="1" dirty="0" err="1" smtClean="0"/>
+              <a:t>Highlighting</a:t>
+            </a:r>
+            <a:r>
+              <a:rPr lang="pt-PT" sz="2600" i="1" dirty="0" smtClean="0"/>
+              <a:t>; </a:t>
+            </a:r>
+            <a:endParaRPr lang="pt-PT" sz="2600" i="1" dirty="0" smtClean="0"/>
+          </a:p>
+          <a:p>
+            <a:pPr lvl="3">
+              <a:buFont typeface="Wingdings" panose="05000000000000000000" pitchFamily="2" charset="2"/>
+              <a:buChar char="ü"/>
+            </a:pPr>
+            <a:r>
+              <a:rPr lang="pt-PT" sz="2600" i="1" dirty="0" smtClean="0"/>
+              <a:t> </a:t>
+            </a:r>
+            <a:r>
+              <a:rPr lang="pt-PT" sz="2600" i="1" dirty="0" err="1" smtClean="0"/>
+              <a:t>Outline</a:t>
+            </a:r>
+            <a:r>
+              <a:rPr lang="pt-PT" sz="2600" i="1" dirty="0" smtClean="0"/>
+              <a:t>;</a:t>
+            </a:r>
+            <a:endParaRPr lang="pt-PT" sz="2600" i="1" dirty="0" smtClean="0"/>
+          </a:p>
+          <a:p>
+            <a:pPr lvl="3">
+              <a:buFont typeface="Wingdings" panose="05000000000000000000" pitchFamily="2" charset="2"/>
+              <a:buChar char="ü"/>
+            </a:pPr>
+            <a:r>
+              <a:rPr lang="pt-PT" sz="2600" dirty="0" smtClean="0"/>
+              <a:t> Integração com o assemblador </a:t>
+            </a:r>
+            <a:r>
+              <a:rPr lang="pt-PT" sz="2600" i="1" dirty="0" smtClean="0"/>
+              <a:t>DASM</a:t>
+            </a:r>
+            <a:r>
+              <a:rPr lang="pt-PT" sz="2600" dirty="0" smtClean="0"/>
+              <a:t>.</a:t>
+            </a:r>
+            <a:endParaRPr lang="pt-PT" sz="2600" dirty="0"/>
+          </a:p>
+        </p:txBody>
+      </p:sp>
+    </p:spTree>
+    <p:extLst>
+      <p:ext uri="{BB962C8B-B14F-4D97-AF65-F5344CB8AC3E}">
+        <p14:creationId xmlns:p14="http://schemas.microsoft.com/office/powerpoint/2010/main" val="2690257034"/>
+      </p:ext>
+    </p:extLst>
+  </p:cSld>
+  <p:clrMapOvr>
+    <a:masterClrMapping/>
+  </p:clrMapOvr>
+  <p:timing>
+    <p:tnLst>
+      <p:par>
+        <p:cTn id="1" dur="indefinite" restart="never" nodeType="tmRoot"/>
+      </p:par>
+    </p:tnLst>
+  </p:timing>
+</p:sld>
+</file>
+
+<file path=ppt/slides/slide23.xml><?xml version="1.0" encoding="utf-8"?>
+<p:sld xmlns:a="http://schemas.openxmlformats.org/drawingml/2006/main" xmlns:r="http://schemas.openxmlformats.org/officeDocument/2006/relationships" xmlns:p="http://schemas.openxmlformats.org/presentationml/2006/main">
+  <p:cSld>
+    <p:spTree>
+      <p:nvGrpSpPr>
+        <p:cNvPr id="1" name=""/>
+        <p:cNvGrpSpPr/>
+        <p:nvPr/>
+      </p:nvGrpSpPr>
+      <p:grpSpPr>
+        <a:xfrm>
+          <a:off x="0" y="0"/>
+          <a:ext cx="0" cy="0"/>
+          <a:chOff x="0" y="0"/>
+          <a:chExt cx="0" cy="0"/>
+        </a:xfrm>
+      </p:grpSpPr>
+      <p:sp>
+        <p:nvSpPr>
           <p:cNvPr id="3" name="Título 2"/>
           <p:cNvSpPr>
             <a:spLocks noGrp="1"/>
@@ -5687,7 +10445,7 @@
           <p:nvPr/>
         </p:nvPicPr>
         <p:blipFill>
-          <a:blip r:embed="rId2">
+          <a:blip r:embed="rId3">
             <a:extLst>
               <a:ext uri="{28A0092B-C50C-407E-A947-70E740481C1C}">
                 <a14:useLocalDpi xmlns:a14="http://schemas.microsoft.com/office/drawing/2010/main" val="0"/>
@@ -5728,263 +10486,6 @@
 </p:sld>
 </file>
 
-<file path=ppt/slides/slide2.xml><?xml version="1.0" encoding="utf-8"?>
-<p:sld xmlns:a="http://schemas.openxmlformats.org/drawingml/2006/main" xmlns:r="http://schemas.openxmlformats.org/officeDocument/2006/relationships" xmlns:p="http://schemas.openxmlformats.org/presentationml/2006/main">
-  <p:cSld>
-    <p:spTree>
-      <p:nvGrpSpPr>
-        <p:cNvPr id="1" name=""/>
-        <p:cNvGrpSpPr/>
-        <p:nvPr/>
-      </p:nvGrpSpPr>
-      <p:grpSpPr>
-        <a:xfrm>
-          <a:off x="0" y="0"/>
-          <a:ext cx="0" cy="0"/>
-          <a:chOff x="0" y="0"/>
-          <a:chExt cx="0" cy="0"/>
-        </a:xfrm>
-      </p:grpSpPr>
-      <p:sp>
-        <p:nvSpPr>
-          <p:cNvPr id="3" name="Título 2"/>
-          <p:cNvSpPr>
-            <a:spLocks noGrp="1"/>
-          </p:cNvSpPr>
-          <p:nvPr>
-            <p:ph type="title"/>
-          </p:nvPr>
-        </p:nvSpPr>
-        <p:spPr/>
-        <p:txBody>
-          <a:bodyPr/>
-          <a:lstStyle/>
-          <a:p>
-            <a:r>
-              <a:rPr lang="pt-PT" dirty="0" smtClean="0"/>
-              <a:t>PDS16 – Características da Arquitetura</a:t>
-            </a:r>
-            <a:endParaRPr lang="pt-PT" dirty="0"/>
-          </a:p>
-        </p:txBody>
-      </p:sp>
-      <p:sp>
-        <p:nvSpPr>
-          <p:cNvPr id="4" name="Marcador de Posição de Conteúdo 3"/>
-          <p:cNvSpPr>
-            <a:spLocks noGrp="1"/>
-          </p:cNvSpPr>
-          <p:nvPr>
-            <p:ph idx="1"/>
-          </p:nvPr>
-        </p:nvSpPr>
-        <p:spPr/>
-        <p:txBody>
-          <a:bodyPr>
-            <a:normAutofit/>
-          </a:bodyPr>
-          <a:lstStyle/>
-          <a:p>
-            <a:pPr lvl="2">
-              <a:buFont typeface="Arial" panose="020B0604020202020204" pitchFamily="34" charset="0"/>
-              <a:buChar char="•"/>
-            </a:pPr>
-            <a:r>
-              <a:rPr lang="pt-PT" sz="2000" dirty="0" smtClean="0"/>
-              <a:t>Arquitetura a 16 </a:t>
-            </a:r>
-            <a:r>
-              <a:rPr lang="pt-PT" sz="2000" i="1" dirty="0" smtClean="0"/>
-              <a:t>bits</a:t>
-            </a:r>
-            <a:r>
-              <a:rPr lang="pt-PT" sz="2000" dirty="0" smtClean="0"/>
-              <a:t> baseada no modelo de </a:t>
-            </a:r>
-            <a:r>
-              <a:rPr lang="pt-PT" sz="2000" i="1" dirty="0" err="1" smtClean="0"/>
-              <a:t>Von-Neumann</a:t>
-            </a:r>
-            <a:r>
-              <a:rPr lang="pt-PT" sz="2000" dirty="0" smtClean="0"/>
-              <a:t>;</a:t>
-            </a:r>
-          </a:p>
-          <a:p>
-            <a:pPr lvl="2">
-              <a:buFont typeface="Arial" panose="020B0604020202020204" pitchFamily="34" charset="0"/>
-              <a:buChar char="•"/>
-            </a:pPr>
-            <a:r>
-              <a:rPr lang="pt-PT" sz="2000" dirty="0" smtClean="0"/>
-              <a:t>Adota a Filosofia das maquinas do tipo </a:t>
-            </a:r>
-            <a:r>
-              <a:rPr lang="pt-PT" sz="2000" i="1" dirty="0" err="1" smtClean="0"/>
-              <a:t>Reduced</a:t>
-            </a:r>
-            <a:r>
-              <a:rPr lang="pt-PT" sz="2000" i="1" dirty="0" smtClean="0"/>
-              <a:t> </a:t>
-            </a:r>
-            <a:r>
-              <a:rPr lang="pt-PT" sz="2000" i="1" dirty="0" err="1" smtClean="0"/>
-              <a:t>Instruction</a:t>
-            </a:r>
-            <a:r>
-              <a:rPr lang="pt-PT" sz="2000" i="1" dirty="0" smtClean="0"/>
-              <a:t> Set </a:t>
-            </a:r>
-            <a:r>
-              <a:rPr lang="pt-PT" sz="2000" i="1" dirty="0" err="1" smtClean="0"/>
-              <a:t>Cumputer</a:t>
-            </a:r>
-            <a:r>
-              <a:rPr lang="pt-PT" sz="2000" i="1" dirty="0" smtClean="0"/>
-              <a:t> (</a:t>
-            </a:r>
-            <a:r>
-              <a:rPr lang="pt-PT" sz="2000" dirty="0"/>
-              <a:t>RISC</a:t>
-            </a:r>
-            <a:r>
-              <a:rPr lang="pt-PT" sz="2000" dirty="0" smtClean="0"/>
-              <a:t>);</a:t>
-            </a:r>
-          </a:p>
-          <a:p>
-            <a:pPr lvl="2">
-              <a:buFont typeface="Arial" panose="020B0604020202020204" pitchFamily="34" charset="0"/>
-              <a:buChar char="•"/>
-            </a:pPr>
-            <a:r>
-              <a:rPr lang="pt-PT" sz="2000" dirty="0" smtClean="0"/>
-              <a:t>Dois bancos de 8 registos a 16 </a:t>
-            </a:r>
-            <a:r>
-              <a:rPr lang="pt-PT" sz="2000" i="1" dirty="0" smtClean="0"/>
-              <a:t>bits</a:t>
-            </a:r>
-            <a:r>
-              <a:rPr lang="pt-PT" sz="2000" dirty="0" smtClean="0"/>
-              <a:t>;</a:t>
-            </a:r>
-          </a:p>
-          <a:p>
-            <a:pPr lvl="2">
-              <a:buFont typeface="Arial" panose="020B0604020202020204" pitchFamily="34" charset="0"/>
-              <a:buChar char="•"/>
-            </a:pPr>
-            <a:r>
-              <a:rPr lang="pt-PT" sz="2000" dirty="0" smtClean="0"/>
-              <a:t>Disponibiliza cerca de 40 instruções distintas divididas em 3 categorias: </a:t>
-            </a:r>
-          </a:p>
-          <a:p>
-            <a:pPr lvl="3">
-              <a:buFont typeface="Courier New" panose="02070309020205020404" pitchFamily="49" charset="0"/>
-              <a:buChar char="o"/>
-            </a:pPr>
-            <a:r>
-              <a:rPr lang="pt-PT" sz="2000" dirty="0" smtClean="0"/>
-              <a:t>Processamento de dados;</a:t>
-            </a:r>
-          </a:p>
-          <a:p>
-            <a:pPr lvl="3">
-              <a:buFont typeface="Courier New" panose="02070309020205020404" pitchFamily="49" charset="0"/>
-              <a:buChar char="o"/>
-            </a:pPr>
-            <a:r>
-              <a:rPr lang="pt-PT" sz="2000" dirty="0" smtClean="0"/>
-              <a:t>Transferência de dados;</a:t>
-            </a:r>
-          </a:p>
-          <a:p>
-            <a:pPr lvl="3">
-              <a:buFont typeface="Courier New" panose="02070309020205020404" pitchFamily="49" charset="0"/>
-              <a:buChar char="o"/>
-            </a:pPr>
-            <a:r>
-              <a:rPr lang="pt-PT" sz="2000" dirty="0" smtClean="0"/>
-              <a:t> Controlo de fluxo de execução.</a:t>
-            </a:r>
-          </a:p>
-          <a:p>
-            <a:pPr lvl="2">
-              <a:buFont typeface="Arial" panose="020B0604020202020204" pitchFamily="34" charset="0"/>
-              <a:buChar char="•"/>
-            </a:pPr>
-            <a:r>
-              <a:rPr lang="pt-PT" sz="2000" dirty="0" smtClean="0"/>
-              <a:t>Espaço de memória útil partilhado entre código e dados dos programas mas também com periféricos;</a:t>
-            </a:r>
-          </a:p>
-          <a:p>
-            <a:pPr lvl="2">
-              <a:buFont typeface="Arial" panose="020B0604020202020204" pitchFamily="34" charset="0"/>
-              <a:buChar char="•"/>
-            </a:pPr>
-            <a:r>
-              <a:rPr lang="pt-PT" sz="2000" dirty="0" smtClean="0"/>
-              <a:t>Memória endereçável ao </a:t>
-            </a:r>
-            <a:r>
-              <a:rPr lang="pt-PT" sz="2000" i="1" dirty="0" smtClean="0"/>
-              <a:t>byte</a:t>
-            </a:r>
-            <a:r>
-              <a:rPr lang="pt-PT" sz="2000" dirty="0" smtClean="0"/>
-              <a:t> com dimensão total de 64 </a:t>
-            </a:r>
-            <a:r>
-              <a:rPr lang="pt-PT" sz="2000" dirty="0" err="1" smtClean="0"/>
-              <a:t>kB</a:t>
-            </a:r>
-            <a:r>
-              <a:rPr lang="pt-PT" sz="2000" dirty="0" smtClean="0"/>
-              <a:t>;</a:t>
-            </a:r>
-          </a:p>
-          <a:p>
-            <a:pPr lvl="2">
-              <a:buFont typeface="Arial" panose="020B0604020202020204" pitchFamily="34" charset="0"/>
-              <a:buChar char="•"/>
-            </a:pPr>
-            <a:r>
-              <a:rPr lang="pt-PT" sz="2000" dirty="0" smtClean="0"/>
-              <a:t>Suporte ao atendimento e processamento de pedidos de interrupção externos.</a:t>
-            </a:r>
-          </a:p>
-          <a:p>
-            <a:pPr lvl="2">
-              <a:buFont typeface="Arial" panose="020B0604020202020204" pitchFamily="34" charset="0"/>
-              <a:buChar char="•"/>
-            </a:pPr>
-            <a:endParaRPr lang="pt-PT" sz="2000" dirty="0" smtClean="0"/>
-          </a:p>
-        </p:txBody>
-      </p:sp>
-    </p:spTree>
-    <p:extLst>
-      <p:ext uri="{BB962C8B-B14F-4D97-AF65-F5344CB8AC3E}">
-        <p14:creationId xmlns:p14="http://schemas.microsoft.com/office/powerpoint/2010/main" val="2664391776"/>
-      </p:ext>
-    </p:extLst>
-  </p:cSld>
-  <p:clrMapOvr>
-    <a:masterClrMapping/>
-  </p:clrMapOvr>
-  <p:timing>
-    <p:tnLst>
-      <p:par>
-        <p:cTn id="1" dur="indefinite" restart="never" nodeType="tmRoot"/>
-      </p:par>
-    </p:tnLst>
-  </p:timing>
-</p:sld>
-</file>
-
 <file path=ppt/slides/slide3.xml><?xml version="1.0" encoding="utf-8"?>
 <p:sld xmlns:a="http://schemas.openxmlformats.org/drawingml/2006/main" xmlns:r="http://schemas.openxmlformats.org/officeDocument/2006/relationships" xmlns:p="http://schemas.openxmlformats.org/presentationml/2006/main">
   <p:cSld>
@@ -6012,16 +10513,21 @@
             <p:ph type="title"/>
           </p:nvPr>
         </p:nvSpPr>
-        <p:spPr/>
+        <p:spPr>
+          <a:xfrm>
+            <a:off x="1214238" y="268228"/>
+            <a:ext cx="10058400" cy="1450757"/>
+          </a:xfrm>
+        </p:spPr>
         <p:txBody>
           <a:bodyPr/>
           <a:lstStyle/>
           <a:p>
             <a:r>
-              <a:rPr lang="pt-PT" i="1" dirty="0" smtClean="0"/>
-              <a:t>Xtext Framework</a:t>
-            </a:r>
-            <a:endParaRPr lang="pt-PT" i="1" dirty="0"/>
+              <a:rPr lang="pt-PT" b="1" dirty="0" smtClean="0"/>
+              <a:t>Objetivos do Projeto</a:t>
+            </a:r>
+            <a:endParaRPr lang="pt-PT" b="1" dirty="0"/>
           </a:p>
         </p:txBody>
       </p:sp>
@@ -6038,7 +10544,7 @@
         <p:spPr/>
         <p:txBody>
           <a:bodyPr>
-            <a:normAutofit/>
+            <a:noAutofit/>
           </a:bodyPr>
           <a:lstStyle/>
           <a:p>
@@ -6047,9 +10553,93 @@
               <a:buChar char="•"/>
             </a:pPr>
             <a:r>
-              <a:rPr lang="pt-PT" sz="2000" dirty="0" smtClean="0"/>
-              <a:t>Utilizada para o definição/desenvolvimento de linguagens de programação;</a:t>
-            </a:r>
+              <a:rPr lang="pt-PT" sz="2600" dirty="0" smtClean="0"/>
+              <a:t>Criar uma ferramenta que implemente as seguintes funcionalidades:</a:t>
+            </a:r>
+            <a:endParaRPr lang="pt-PT" sz="2600" i="1" dirty="0"/>
+          </a:p>
+          <a:p>
+            <a:pPr lvl="3">
+              <a:buFont typeface="Courier New" panose="02070309020205020404" pitchFamily="49" charset="0"/>
+              <a:buChar char="o"/>
+            </a:pPr>
+            <a:r>
+              <a:rPr lang="pt-PT" sz="2600" dirty="0" smtClean="0"/>
+              <a:t>Verificação de sintaxe e semântica;</a:t>
+            </a:r>
+            <a:endParaRPr lang="pt-PT" sz="2600" dirty="0" smtClean="0"/>
+          </a:p>
+          <a:p>
+            <a:pPr lvl="3">
+              <a:buFont typeface="Courier New" panose="02070309020205020404" pitchFamily="49" charset="0"/>
+              <a:buChar char="o"/>
+            </a:pPr>
+            <a:r>
+              <a:rPr lang="pt-PT" sz="2600" i="1" dirty="0" err="1" smtClean="0"/>
+              <a:t>Intellisense</a:t>
+            </a:r>
+            <a:r>
+              <a:rPr lang="pt-PT" sz="2600" dirty="0"/>
+              <a:t>;</a:t>
+            </a:r>
+            <a:endParaRPr lang="pt-PT" sz="2600" i="1" dirty="0" smtClean="0"/>
+          </a:p>
+          <a:p>
+            <a:pPr lvl="3">
+              <a:buFont typeface="Courier New" panose="02070309020205020404" pitchFamily="49" charset="0"/>
+              <a:buChar char="o"/>
+            </a:pPr>
+            <a:r>
+              <a:rPr lang="pt-PT" sz="2600" i="1" dirty="0" err="1" smtClean="0"/>
+              <a:t>Syntaxe</a:t>
+            </a:r>
+            <a:r>
+              <a:rPr lang="pt-PT" sz="2600" i="1" dirty="0" smtClean="0"/>
+              <a:t> </a:t>
+            </a:r>
+            <a:r>
+              <a:rPr lang="pt-PT" sz="2600" i="1" dirty="0" err="1" smtClean="0"/>
+              <a:t>Highlighting</a:t>
+            </a:r>
+            <a:r>
+              <a:rPr lang="pt-PT" sz="2600" i="1" dirty="0" smtClean="0"/>
+              <a:t>;</a:t>
+            </a:r>
+            <a:endParaRPr lang="pt-PT" sz="2600" i="1" dirty="0" smtClean="0"/>
+          </a:p>
+          <a:p>
+            <a:pPr lvl="3">
+              <a:buFont typeface="Courier New" panose="02070309020205020404" pitchFamily="49" charset="0"/>
+              <a:buChar char="o"/>
+            </a:pPr>
+            <a:r>
+              <a:rPr lang="pt-PT" sz="2600" i="1" dirty="0" err="1" smtClean="0"/>
+              <a:t>Outline</a:t>
+            </a:r>
+            <a:r>
+              <a:rPr lang="pt-PT" sz="2600" i="1" dirty="0" smtClean="0"/>
+              <a:t>;</a:t>
+            </a:r>
+            <a:endParaRPr lang="pt-PT" sz="2600" i="1" dirty="0" smtClean="0"/>
+          </a:p>
+          <a:p>
+            <a:pPr lvl="3">
+              <a:buFont typeface="Courier New" panose="02070309020205020404" pitchFamily="49" charset="0"/>
+              <a:buChar char="o"/>
+            </a:pPr>
+            <a:r>
+              <a:rPr lang="pt-PT" sz="2600" dirty="0" smtClean="0"/>
+              <a:t>Integração com o assemblador </a:t>
+            </a:r>
+            <a:r>
+              <a:rPr lang="pt-PT" sz="2600" i="1" dirty="0" smtClean="0"/>
+              <a:t>DASM</a:t>
+            </a:r>
+            <a:r>
+              <a:rPr lang="pt-PT" sz="2600" dirty="0"/>
+              <a:t>.</a:t>
+            </a:r>
+            <a:endParaRPr lang="pt-PT" sz="2600" dirty="0" smtClean="0"/>
           </a:p>
           <a:p>
             <a:pPr lvl="2">
@@ -6057,38 +10647,17 @@
               <a:buChar char="•"/>
             </a:pPr>
             <a:r>
-              <a:rPr lang="pt-PT" sz="2000" dirty="0" smtClean="0"/>
-              <a:t>Tem como base na linguagem de programação Java;</a:t>
-            </a:r>
-          </a:p>
-          <a:p>
-            <a:pPr lvl="2">
-              <a:buFont typeface="Arial" panose="020B0604020202020204" pitchFamily="34" charset="0"/>
-              <a:buChar char="•"/>
-            </a:pPr>
-            <a:r>
-              <a:rPr lang="pt-PT" sz="2000" dirty="0" smtClean="0"/>
-              <a:t>Integração com a Eclipse </a:t>
-            </a:r>
-            <a:r>
-              <a:rPr lang="pt-PT" sz="2000" dirty="0" err="1" smtClean="0"/>
-              <a:t>Modeling</a:t>
-            </a:r>
-            <a:r>
-              <a:rPr lang="pt-PT" sz="2000" dirty="0" smtClean="0"/>
-              <a:t> Framework (EMF);</a:t>
-            </a:r>
-          </a:p>
-          <a:p>
-            <a:pPr lvl="2">
-              <a:buFont typeface="Arial" panose="020B0604020202020204" pitchFamily="34" charset="0"/>
-              <a:buChar char="•"/>
-            </a:pPr>
-            <a:r>
-              <a:rPr lang="pt-PT" sz="2000" dirty="0" smtClean="0"/>
-              <a:t>Oferece a possibilidade de implementar várias funcionalidades como:</a:t>
-            </a:r>
-            <a:endParaRPr lang="pt-PT" sz="2000" i="1" dirty="0"/>
+              <a:rPr lang="pt-PT" sz="2600" dirty="0" smtClean="0"/>
+              <a:t>Geração de um </a:t>
+            </a:r>
+            <a:r>
+              <a:rPr lang="pt-PT" sz="2600" i="1" dirty="0" smtClean="0"/>
+              <a:t>plug-in</a:t>
+            </a:r>
+            <a:r>
+              <a:rPr lang="pt-PT" sz="2600" dirty="0" smtClean="0"/>
+              <a:t> para a plataforma Eclipse;</a:t>
+            </a:r>
           </a:p>
           <a:p>
             <a:pPr lvl="3">
@@ -6096,117 +10665,25 @@
               <a:buChar char="o"/>
             </a:pPr>
             <a:r>
-              <a:rPr lang="pt-PT" sz="2000" dirty="0"/>
-              <a:t>Suporte á edição de texto</a:t>
-            </a:r>
-            <a:r>
-              <a:rPr lang="pt-PT" sz="2000" dirty="0" smtClean="0"/>
-              <a:t>;</a:t>
-            </a:r>
-          </a:p>
-          <a:p>
-            <a:pPr lvl="3">
-              <a:buFont typeface="Courier New" panose="02070309020205020404" pitchFamily="49" charset="0"/>
-              <a:buChar char="o"/>
-            </a:pPr>
-            <a:r>
-              <a:rPr lang="pt-PT" sz="2000" i="1" dirty="0" err="1" smtClean="0"/>
-              <a:t>Parser</a:t>
-            </a:r>
-            <a:r>
-              <a:rPr lang="pt-PT" sz="2000" i="1" dirty="0" smtClean="0"/>
-              <a:t>;</a:t>
-            </a:r>
-          </a:p>
-          <a:p>
-            <a:pPr lvl="3">
-              <a:buFont typeface="Courier New" panose="02070309020205020404" pitchFamily="49" charset="0"/>
-              <a:buChar char="o"/>
-            </a:pPr>
-            <a:r>
-              <a:rPr lang="pt-PT" sz="2000" i="1" dirty="0" smtClean="0"/>
-              <a:t>Linker;</a:t>
-            </a:r>
-          </a:p>
-          <a:p>
-            <a:pPr lvl="3">
-              <a:buFont typeface="Courier New" panose="02070309020205020404" pitchFamily="49" charset="0"/>
-              <a:buChar char="o"/>
-            </a:pPr>
-            <a:r>
-              <a:rPr lang="pt-PT" sz="2000" i="1" dirty="0" err="1" smtClean="0"/>
-              <a:t>Type</a:t>
-            </a:r>
-            <a:r>
-              <a:rPr lang="pt-PT" sz="2000" i="1" dirty="0" smtClean="0"/>
-              <a:t> </a:t>
-            </a:r>
-            <a:r>
-              <a:rPr lang="pt-PT" sz="2000" i="1" dirty="0" err="1" smtClean="0"/>
-              <a:t>checker</a:t>
-            </a:r>
-            <a:r>
-              <a:rPr lang="pt-PT" sz="2000" i="1" dirty="0" smtClean="0"/>
-              <a:t>;</a:t>
-            </a:r>
-          </a:p>
-          <a:p>
-            <a:pPr lvl="3">
-              <a:buFont typeface="Courier New" panose="02070309020205020404" pitchFamily="49" charset="0"/>
-              <a:buChar char="o"/>
-            </a:pPr>
-            <a:r>
-              <a:rPr lang="pt-PT" sz="2000" dirty="0" smtClean="0"/>
-              <a:t>Compilador;</a:t>
-            </a:r>
-          </a:p>
-          <a:p>
-            <a:pPr lvl="2">
-              <a:buFont typeface="Arial" panose="020B0604020202020204" pitchFamily="34" charset="0"/>
-              <a:buChar char="•"/>
-            </a:pPr>
-            <a:r>
-              <a:rPr lang="pt-PT" sz="2000" dirty="0" smtClean="0"/>
-              <a:t>Multiplataforma (Eclipse, IntelliJ IDEA, browsers).</a:t>
-            </a:r>
-            <a:endParaRPr lang="pt-PT" sz="2000" dirty="0"/>
-          </a:p>
-        </p:txBody>
-      </p:sp>
-      <p:pic>
-        <p:nvPicPr>
-          <p:cNvPr id="4" name="Imagem 3"/>
-          <p:cNvPicPr>
-            <a:picLocks noChangeAspect="1"/>
-          </p:cNvPicPr>
-          <p:nvPr/>
-        </p:nvPicPr>
-        <p:blipFill>
-          <a:blip r:embed="rId2">
-            <a:extLst>
-              <a:ext uri="{28A0092B-C50C-407E-A947-70E740481C1C}">
-                <a14:useLocalDpi xmlns:a14="http://schemas.microsoft.com/office/drawing/2010/main" val="0"/>
-              </a:ext>
-            </a:extLst>
-          </a:blip>
-          <a:stretch>
-            <a:fillRect/>
-          </a:stretch>
-        </p:blipFill>
-        <p:spPr>
-          <a:xfrm>
-            <a:off x="8874231" y="1031522"/>
-            <a:ext cx="2281449" cy="676830"/>
-          </a:xfrm>
-          <a:prstGeom prst="rect">
-            <a:avLst/>
-          </a:prstGeom>
-        </p:spPr>
-      </p:pic>
+              <a:rPr lang="pt-PT" sz="2600" dirty="0" smtClean="0"/>
+              <a:t>Conseguido recorrendo á </a:t>
+            </a:r>
+            <a:r>
+              <a:rPr lang="pt-PT" sz="2600" i="1" dirty="0" smtClean="0"/>
+              <a:t>framework </a:t>
+            </a:r>
+            <a:r>
+              <a:rPr lang="pt-PT" sz="2600" dirty="0" smtClean="0"/>
+              <a:t>Xtext.</a:t>
+            </a:r>
+            <a:endParaRPr lang="pt-PT" sz="2600" dirty="0"/>
+          </a:p>
+        </p:txBody>
+      </p:sp>
     </p:spTree>
     <p:extLst>
       <p:ext uri="{BB962C8B-B14F-4D97-AF65-F5344CB8AC3E}">
-        <p14:creationId xmlns:p14="http://schemas.microsoft.com/office/powerpoint/2010/main" val="2872104536"/>
+        <p14:creationId xmlns:p14="http://schemas.microsoft.com/office/powerpoint/2010/main" val="2410404575"/>
       </p:ext>
     </p:extLst>
   </p:cSld>
@@ -6252,24 +10729,81 @@
         </p:nvSpPr>
         <p:spPr/>
         <p:txBody>
-          <a:bodyPr>
-            <a:normAutofit/>
-          </a:bodyPr>
+          <a:bodyPr/>
           <a:lstStyle/>
           <a:p>
-            <a:pPr algn="ctr"/>
-            <a:r>
-              <a:rPr lang="pt-PT" sz="6000" dirty="0" smtClean="0"/>
-              <a:t>Funcionalidades Implementadas</a:t>
-            </a:r>
-            <a:endParaRPr lang="pt-PT" sz="6000" dirty="0"/>
-          </a:p>
-        </p:txBody>
-      </p:sp>
+            <a:r>
+              <a:rPr lang="pt-PT" b="1" i="1" dirty="0" smtClean="0"/>
+              <a:t>Xtext Framework</a:t>
+            </a:r>
+            <a:endParaRPr lang="pt-PT" b="1" i="1" dirty="0"/>
+          </a:p>
+        </p:txBody>
+      </p:sp>
+      <p:pic>
+        <p:nvPicPr>
+          <p:cNvPr id="4" name="Imagem 3"/>
+          <p:cNvPicPr>
+            <a:picLocks noChangeAspect="1"/>
+          </p:cNvPicPr>
+          <p:nvPr/>
+        </p:nvPicPr>
+        <p:blipFill>
+          <a:blip r:embed="rId3">
+            <a:extLst>
+              <a:ext uri="{28A0092B-C50C-407E-A947-70E740481C1C}">
+                <a14:useLocalDpi xmlns:a14="http://schemas.microsoft.com/office/drawing/2010/main" val="0"/>
+              </a:ext>
+            </a:extLst>
+          </a:blip>
+          <a:stretch>
+            <a:fillRect/>
+          </a:stretch>
+        </p:blipFill>
+        <p:spPr>
+          <a:xfrm>
+            <a:off x="8874231" y="1031522"/>
+            <a:ext cx="2281449" cy="676830"/>
+          </a:xfrm>
+          <a:prstGeom prst="rect">
+            <a:avLst/>
+          </a:prstGeom>
+        </p:spPr>
+      </p:pic>
+      <p:pic>
+        <p:nvPicPr>
+          <p:cNvPr id="6" name="Imagem 5"/>
+          <p:cNvPicPr>
+            <a:picLocks noChangeAspect="1"/>
+          </p:cNvPicPr>
+          <p:nvPr/>
+        </p:nvPicPr>
+        <p:blipFill>
+          <a:blip r:embed="rId4">
+            <a:extLst>
+              <a:ext uri="{28A0092B-C50C-407E-A947-70E740481C1C}">
+                <a14:useLocalDpi xmlns:a14="http://schemas.microsoft.com/office/drawing/2010/main" val="0"/>
+              </a:ext>
+            </a:extLst>
+          </a:blip>
+          <a:stretch>
+            <a:fillRect/>
+          </a:stretch>
+        </p:blipFill>
+        <p:spPr>
+          <a:xfrm>
+            <a:off x="1680183" y="2278339"/>
+            <a:ext cx="8831635" cy="3282487"/>
+          </a:xfrm>
+          <a:prstGeom prst="rect">
+            <a:avLst/>
+          </a:prstGeom>
+        </p:spPr>
+      </p:pic>
     </p:spTree>
     <p:extLst>
       <p:ext uri="{BB962C8B-B14F-4D97-AF65-F5344CB8AC3E}">
-        <p14:creationId xmlns:p14="http://schemas.microsoft.com/office/powerpoint/2010/main" val="2805747850"/>
+        <p14:creationId xmlns:p14="http://schemas.microsoft.com/office/powerpoint/2010/main" val="2872104536"/>
       </p:ext>
     </p:extLst>
   </p:cSld>
@@ -6303,6 +10837,69 @@
           <a:chExt cx="0" cy="0"/>
         </a:xfrm>
       </p:grpSpPr>
+      <p:sp>
+        <p:nvSpPr>
+          <p:cNvPr id="2" name="Título 1"/>
+          <p:cNvSpPr>
+            <a:spLocks noGrp="1"/>
+          </p:cNvSpPr>
+          <p:nvPr>
+            <p:ph type="title"/>
+          </p:nvPr>
+        </p:nvSpPr>
+        <p:spPr/>
+        <p:txBody>
+          <a:bodyPr>
+            <a:normAutofit/>
+          </a:bodyPr>
+          <a:lstStyle/>
+          <a:p>
+            <a:pPr algn="ctr"/>
+            <a:r>
+              <a:rPr lang="pt-PT" sz="6000" dirty="0" smtClean="0"/>
+              <a:t>Funcionalidades Implementadas</a:t>
+            </a:r>
+            <a:endParaRPr lang="pt-PT" sz="6000" dirty="0"/>
+          </a:p>
+        </p:txBody>
+      </p:sp>
+    </p:spTree>
+    <p:extLst>
+      <p:ext uri="{BB962C8B-B14F-4D97-AF65-F5344CB8AC3E}">
+        <p14:creationId xmlns:p14="http://schemas.microsoft.com/office/powerpoint/2010/main" val="2805747850"/>
+      </p:ext>
+    </p:extLst>
+  </p:cSld>
+  <p:clrMapOvr>
+    <a:masterClrMapping/>
+  </p:clrMapOvr>
+  <p:timing>
+    <p:tnLst>
+      <p:par>
+        <p:cTn id="1" dur="indefinite" restart="never" nodeType="tmRoot"/>
+      </p:par>
+    </p:tnLst>
+  </p:timing>
+</p:sld>
+</file>
+
+<file path=ppt/slides/slide6.xml><?xml version="1.0" encoding="utf-8"?>
+<p:sld xmlns:a="http://schemas.openxmlformats.org/drawingml/2006/main" xmlns:r="http://schemas.openxmlformats.org/officeDocument/2006/relationships" xmlns:p="http://schemas.openxmlformats.org/presentationml/2006/main">
+  <p:cSld>
+    <p:spTree>
+      <p:nvGrpSpPr>
+        <p:cNvPr id="1" name=""/>
+        <p:cNvGrpSpPr/>
+        <p:nvPr/>
+      </p:nvGrpSpPr>
+      <p:grpSpPr>
+        <a:xfrm>
+          <a:off x="0" y="0"/>
+          <a:ext cx="0" cy="0"/>
+          <a:chOff x="0" y="0"/>
+          <a:chExt cx="0" cy="0"/>
+        </a:xfrm>
+      </p:grpSpPr>
       <p:pic>
         <p:nvPicPr>
           <p:cNvPr id="2" name="Imagem 1"/>
@@ -6312,7 +10909,7 @@
           <p:nvPr/>
         </p:nvPicPr>
         <p:blipFill>
-          <a:blip r:embed="rId2">
+          <a:blip r:embed="rId3">
             <a:extLst>
               <a:ext uri="{28A0092B-C50C-407E-A947-70E740481C1C}">
                 <a14:useLocalDpi xmlns:a14="http://schemas.microsoft.com/office/drawing/2010/main" val="0"/>
@@ -6353,43 +10950,6 @@
 </p:sld>
 </file>
 
-<file path=ppt/slides/slide6.xml><?xml version="1.0" encoding="utf-8"?>
-<p:sld xmlns:a="http://schemas.openxmlformats.org/drawingml/2006/main" xmlns:r="http://schemas.openxmlformats.org/officeDocument/2006/relationships" xmlns:p="http://schemas.openxmlformats.org/presentationml/2006/main">
-  <p:cSld>
-    <p:spTree>
-      <p:nvGrpSpPr>
-        <p:cNvPr id="1" name=""/>
-        <p:cNvGrpSpPr/>
-        <p:nvPr/>
-      </p:nvGrpSpPr>
-      <p:grpSpPr>
-        <a:xfrm>
-          <a:off x="0" y="0"/>
-          <a:ext cx="0" cy="0"/>
-          <a:chOff x="0" y="0"/>
-          <a:chExt cx="0" cy="0"/>
-        </a:xfrm>
-      </p:grpSpPr>
-    </p:spTree>
-    <p:extLst>
-      <p:ext uri="{BB962C8B-B14F-4D97-AF65-F5344CB8AC3E}">
-        <p14:creationId xmlns:p14="http://schemas.microsoft.com/office/powerpoint/2010/main" val="1989842322"/>
-      </p:ext>
-    </p:extLst>
-  </p:cSld>
-  <p:clrMapOvr>
-    <a:masterClrMapping/>
-  </p:clrMapOvr>
-  <p:timing>
-    <p:tnLst>
-      <p:par>
-        <p:cTn id="1" dur="indefinite" restart="never" nodeType="tmRoot"/>
-      </p:par>
-    </p:tnLst>
-  </p:timing>
-</p:sld>
-</file>
-
 <file path=ppt/slides/slide7.xml><?xml version="1.0" encoding="utf-8"?>
 <p:sld xmlns:a="http://schemas.openxmlformats.org/drawingml/2006/main" xmlns:r="http://schemas.openxmlformats.org/officeDocument/2006/relationships" xmlns:p="http://schemas.openxmlformats.org/presentationml/2006/main">
   <p:cSld>
@@ -6407,40 +10967,617 @@
           <a:chExt cx="0" cy="0"/>
         </a:xfrm>
       </p:grpSpPr>
-      <p:pic>
-        <p:nvPicPr>
-          <p:cNvPr id="2" name="Imagem 1"/>
-          <p:cNvPicPr>
-            <a:picLocks noChangeAspect="1"/>
-          </p:cNvPicPr>
-          <p:nvPr/>
-        </p:nvPicPr>
-        <p:blipFill>
-          <a:blip r:embed="rId2">
-            <a:extLst>
-              <a:ext uri="{28A0092B-C50C-407E-A947-70E740481C1C}">
-                <a14:useLocalDpi xmlns:a14="http://schemas.microsoft.com/office/drawing/2010/main" val="0"/>
-              </a:ext>
-            </a:extLst>
-          </a:blip>
-          <a:stretch>
-            <a:fillRect/>
-          </a:stretch>
-        </p:blipFill>
-        <p:spPr>
-          <a:xfrm>
-            <a:off x="586596" y="273610"/>
-            <a:ext cx="10941169" cy="5878667"/>
-          </a:xfrm>
-          <a:prstGeom prst="rect">
-            <a:avLst/>
-          </a:prstGeom>
-        </p:spPr>
-      </p:pic>
+      <p:graphicFrame>
+        <p:nvGraphicFramePr>
+          <p:cNvPr id="2" name="Tabela 1"/>
+          <p:cNvGraphicFramePr>
+            <a:graphicFrameLocks noGrp="1"/>
+          </p:cNvGraphicFramePr>
+          <p:nvPr>
+            <p:extLst>
+              <p:ext uri="{D42A27DB-BD31-4B8C-83A1-F6EECF244321}">
+                <p14:modId xmlns:p14="http://schemas.microsoft.com/office/powerpoint/2010/main" val="2900493386"/>
+              </p:ext>
+            </p:extLst>
+          </p:nvPr>
+        </p:nvGraphicFramePr>
+        <p:xfrm>
+          <a:off x="2432343" y="1910794"/>
+          <a:ext cx="7388274" cy="4114800"/>
+        </p:xfrm>
+        <a:graphic>
+          <a:graphicData uri="http://schemas.openxmlformats.org/drawingml/2006/table">
+            <a:tbl>
+              <a:tblPr firstRow="1" firstCol="1" bandRow="1">
+                <a:tableStyleId>{5C22544A-7EE6-4342-B048-85BDC9FD1C3A}</a:tableStyleId>
+              </a:tblPr>
+              <a:tblGrid>
+                <a:gridCol w="3694137"/>
+                <a:gridCol w="3694137"/>
+              </a:tblGrid>
+              <a:tr h="302405">
+                <a:tc>
+                  <a:txBody>
+                    <a:bodyPr/>
+                    <a:lstStyle/>
+                    <a:p>
+                      <a:pPr algn="ctr">
+                        <a:lnSpc>
+                          <a:spcPct val="150000"/>
+                        </a:lnSpc>
+                        <a:spcAft>
+                          <a:spcPts val="0"/>
+                        </a:spcAft>
+                      </a:pPr>
+                      <a:r>
+                        <a:rPr lang="pt-PT" sz="2000" dirty="0">
+                          <a:effectLst/>
+                        </a:rPr>
+                        <a:t>Elemento da Sintaxe</a:t>
+                      </a:r>
+                      <a:endParaRPr lang="pt-PT" sz="2000" dirty="0">
+                        <a:effectLst/>
+                        <a:latin typeface="Times New Roman" panose="02020603050405020304" pitchFamily="18" charset="0"/>
+                        <a:ea typeface="Calibri" panose="020F0502020204030204" pitchFamily="34" charset="0"/>
+                        <a:cs typeface="Times New Roman" panose="02020603050405020304" pitchFamily="18" charset="0"/>
+                      </a:endParaRPr>
+                    </a:p>
+                  </a:txBody>
+                  <a:tcPr marL="68580" marR="68580" marT="0" marB="0"/>
+                </a:tc>
+                <a:tc>
+                  <a:txBody>
+                    <a:bodyPr/>
+                    <a:lstStyle/>
+                    <a:p>
+                      <a:pPr algn="ctr">
+                        <a:lnSpc>
+                          <a:spcPct val="150000"/>
+                        </a:lnSpc>
+                        <a:spcAft>
+                          <a:spcPts val="0"/>
+                        </a:spcAft>
+                      </a:pPr>
+                      <a:r>
+                        <a:rPr lang="pt-PT" sz="2000">
+                          <a:effectLst/>
+                        </a:rPr>
+                        <a:t>Significado</a:t>
+                      </a:r>
+                      <a:endParaRPr lang="pt-PT" sz="2000">
+                        <a:effectLst/>
+                        <a:latin typeface="Times New Roman" panose="02020603050405020304" pitchFamily="18" charset="0"/>
+                        <a:ea typeface="Calibri" panose="020F0502020204030204" pitchFamily="34" charset="0"/>
+                        <a:cs typeface="Times New Roman" panose="02020603050405020304" pitchFamily="18" charset="0"/>
+                      </a:endParaRPr>
+                    </a:p>
+                  </a:txBody>
+                  <a:tcPr marL="68580" marR="68580" marT="0" marB="0"/>
+                </a:tc>
+              </a:tr>
+              <a:tr h="302405">
+                <a:tc>
+                  <a:txBody>
+                    <a:bodyPr/>
+                    <a:lstStyle/>
+                    <a:p>
+                      <a:pPr algn="ctr">
+                        <a:lnSpc>
+                          <a:spcPct val="150000"/>
+                        </a:lnSpc>
+                        <a:spcAft>
+                          <a:spcPts val="0"/>
+                        </a:spcAft>
+                      </a:pPr>
+                      <a:r>
+                        <a:rPr lang="pt-PT" sz="2000">
+                          <a:effectLst/>
+                        </a:rPr>
+                        <a:t>default (sem operador)</a:t>
+                      </a:r>
+                      <a:endParaRPr lang="pt-PT" sz="2000">
+                        <a:effectLst/>
+                        <a:latin typeface="Times New Roman" panose="02020603050405020304" pitchFamily="18" charset="0"/>
+                        <a:ea typeface="Calibri" panose="020F0502020204030204" pitchFamily="34" charset="0"/>
+                        <a:cs typeface="Times New Roman" panose="02020603050405020304" pitchFamily="18" charset="0"/>
+                      </a:endParaRPr>
+                    </a:p>
+                  </a:txBody>
+                  <a:tcPr marL="68580" marR="68580" marT="0" marB="0"/>
+                </a:tc>
+                <a:tc>
+                  <a:txBody>
+                    <a:bodyPr/>
+                    <a:lstStyle/>
+                    <a:p>
+                      <a:pPr algn="ctr">
+                        <a:lnSpc>
+                          <a:spcPct val="150000"/>
+                        </a:lnSpc>
+                        <a:spcAft>
+                          <a:spcPts val="0"/>
+                        </a:spcAft>
+                      </a:pPr>
+                      <a:r>
+                        <a:rPr lang="pt-PT" sz="2000" dirty="0">
+                          <a:effectLst/>
+                        </a:rPr>
+                        <a:t>Exatamente um</a:t>
+                      </a:r>
+                      <a:endParaRPr lang="pt-PT" sz="2000" dirty="0">
+                        <a:effectLst/>
+                        <a:latin typeface="Times New Roman" panose="02020603050405020304" pitchFamily="18" charset="0"/>
+                        <a:ea typeface="Calibri" panose="020F0502020204030204" pitchFamily="34" charset="0"/>
+                        <a:cs typeface="Times New Roman" panose="02020603050405020304" pitchFamily="18" charset="0"/>
+                      </a:endParaRPr>
+                    </a:p>
+                  </a:txBody>
+                  <a:tcPr marL="68580" marR="68580" marT="0" marB="0"/>
+                </a:tc>
+              </a:tr>
+              <a:tr h="302405">
+                <a:tc>
+                  <a:txBody>
+                    <a:bodyPr/>
+                    <a:lstStyle/>
+                    <a:p>
+                      <a:pPr algn="ctr">
+                        <a:lnSpc>
+                          <a:spcPct val="150000"/>
+                        </a:lnSpc>
+                        <a:spcAft>
+                          <a:spcPts val="0"/>
+                        </a:spcAft>
+                      </a:pPr>
+                      <a:r>
+                        <a:rPr lang="pt-PT" sz="2000">
+                          <a:effectLst/>
+                        </a:rPr>
+                        <a:t>? sufixo</a:t>
+                      </a:r>
+                      <a:endParaRPr lang="pt-PT" sz="2000">
+                        <a:effectLst/>
+                        <a:latin typeface="Times New Roman" panose="02020603050405020304" pitchFamily="18" charset="0"/>
+                        <a:ea typeface="Calibri" panose="020F0502020204030204" pitchFamily="34" charset="0"/>
+                        <a:cs typeface="Times New Roman" panose="02020603050405020304" pitchFamily="18" charset="0"/>
+                      </a:endParaRPr>
+                    </a:p>
+                  </a:txBody>
+                  <a:tcPr marL="68580" marR="68580" marT="0" marB="0"/>
+                </a:tc>
+                <a:tc>
+                  <a:txBody>
+                    <a:bodyPr/>
+                    <a:lstStyle/>
+                    <a:p>
+                      <a:pPr algn="ctr">
+                        <a:lnSpc>
+                          <a:spcPct val="150000"/>
+                        </a:lnSpc>
+                        <a:spcAft>
+                          <a:spcPts val="0"/>
+                        </a:spcAft>
+                      </a:pPr>
+                      <a:r>
+                        <a:rPr lang="pt-PT" sz="2000">
+                          <a:effectLst/>
+                        </a:rPr>
+                        <a:t>Um ou nenhum</a:t>
+                      </a:r>
+                      <a:endParaRPr lang="pt-PT" sz="2000">
+                        <a:effectLst/>
+                        <a:latin typeface="Times New Roman" panose="02020603050405020304" pitchFamily="18" charset="0"/>
+                        <a:ea typeface="Calibri" panose="020F0502020204030204" pitchFamily="34" charset="0"/>
+                        <a:cs typeface="Times New Roman" panose="02020603050405020304" pitchFamily="18" charset="0"/>
+                      </a:endParaRPr>
+                    </a:p>
+                  </a:txBody>
+                  <a:tcPr marL="68580" marR="68580" marT="0" marB="0"/>
+                </a:tc>
+              </a:tr>
+              <a:tr h="302405">
+                <a:tc>
+                  <a:txBody>
+                    <a:bodyPr/>
+                    <a:lstStyle/>
+                    <a:p>
+                      <a:pPr algn="ctr">
+                        <a:lnSpc>
+                          <a:spcPct val="150000"/>
+                        </a:lnSpc>
+                        <a:spcAft>
+                          <a:spcPts val="0"/>
+                        </a:spcAft>
+                      </a:pPr>
+                      <a:r>
+                        <a:rPr lang="pt-PT" sz="2000">
+                          <a:effectLst/>
+                        </a:rPr>
+                        <a:t>* sufixo</a:t>
+                      </a:r>
+                      <a:endParaRPr lang="pt-PT" sz="2000">
+                        <a:effectLst/>
+                        <a:latin typeface="Times New Roman" panose="02020603050405020304" pitchFamily="18" charset="0"/>
+                        <a:ea typeface="Calibri" panose="020F0502020204030204" pitchFamily="34" charset="0"/>
+                        <a:cs typeface="Times New Roman" panose="02020603050405020304" pitchFamily="18" charset="0"/>
+                      </a:endParaRPr>
+                    </a:p>
+                  </a:txBody>
+                  <a:tcPr marL="68580" marR="68580" marT="0" marB="0"/>
+                </a:tc>
+                <a:tc>
+                  <a:txBody>
+                    <a:bodyPr/>
+                    <a:lstStyle/>
+                    <a:p>
+                      <a:pPr algn="ctr">
+                        <a:lnSpc>
+                          <a:spcPct val="150000"/>
+                        </a:lnSpc>
+                        <a:spcAft>
+                          <a:spcPts val="0"/>
+                        </a:spcAft>
+                      </a:pPr>
+                      <a:r>
+                        <a:rPr lang="pt-PT" sz="2000">
+                          <a:effectLst/>
+                        </a:rPr>
+                        <a:t>Zero ou mais</a:t>
+                      </a:r>
+                      <a:endParaRPr lang="pt-PT" sz="2000">
+                        <a:effectLst/>
+                        <a:latin typeface="Times New Roman" panose="02020603050405020304" pitchFamily="18" charset="0"/>
+                        <a:ea typeface="Calibri" panose="020F0502020204030204" pitchFamily="34" charset="0"/>
+                        <a:cs typeface="Times New Roman" panose="02020603050405020304" pitchFamily="18" charset="0"/>
+                      </a:endParaRPr>
+                    </a:p>
+                  </a:txBody>
+                  <a:tcPr marL="68580" marR="68580" marT="0" marB="0"/>
+                </a:tc>
+              </a:tr>
+              <a:tr h="302405">
+                <a:tc>
+                  <a:txBody>
+                    <a:bodyPr/>
+                    <a:lstStyle/>
+                    <a:p>
+                      <a:pPr algn="ctr">
+                        <a:lnSpc>
+                          <a:spcPct val="150000"/>
+                        </a:lnSpc>
+                        <a:spcAft>
+                          <a:spcPts val="0"/>
+                        </a:spcAft>
+                      </a:pPr>
+                      <a:r>
+                        <a:rPr lang="pt-PT" sz="2000">
+                          <a:effectLst/>
+                        </a:rPr>
+                        <a:t>+ sufixo</a:t>
+                      </a:r>
+                      <a:endParaRPr lang="pt-PT" sz="2000">
+                        <a:effectLst/>
+                        <a:latin typeface="Times New Roman" panose="02020603050405020304" pitchFamily="18" charset="0"/>
+                        <a:ea typeface="Calibri" panose="020F0502020204030204" pitchFamily="34" charset="0"/>
+                        <a:cs typeface="Times New Roman" panose="02020603050405020304" pitchFamily="18" charset="0"/>
+                      </a:endParaRPr>
+                    </a:p>
+                  </a:txBody>
+                  <a:tcPr marL="68580" marR="68580" marT="0" marB="0"/>
+                </a:tc>
+                <a:tc>
+                  <a:txBody>
+                    <a:bodyPr/>
+                    <a:lstStyle/>
+                    <a:p>
+                      <a:pPr algn="ctr">
+                        <a:lnSpc>
+                          <a:spcPct val="150000"/>
+                        </a:lnSpc>
+                        <a:spcAft>
+                          <a:spcPts val="0"/>
+                        </a:spcAft>
+                      </a:pPr>
+                      <a:r>
+                        <a:rPr lang="pt-PT" sz="2000">
+                          <a:effectLst/>
+                        </a:rPr>
+                        <a:t>Um ou mais</a:t>
+                      </a:r>
+                      <a:endParaRPr lang="pt-PT" sz="2000">
+                        <a:effectLst/>
+                        <a:latin typeface="Times New Roman" panose="02020603050405020304" pitchFamily="18" charset="0"/>
+                        <a:ea typeface="Calibri" panose="020F0502020204030204" pitchFamily="34" charset="0"/>
+                        <a:cs typeface="Times New Roman" panose="02020603050405020304" pitchFamily="18" charset="0"/>
+                      </a:endParaRPr>
+                    </a:p>
+                  </a:txBody>
+                  <a:tcPr marL="68580" marR="68580" marT="0" marB="0"/>
+                </a:tc>
+              </a:tr>
+              <a:tr h="302405">
+                <a:tc>
+                  <a:txBody>
+                    <a:bodyPr/>
+                    <a:lstStyle/>
+                    <a:p>
+                      <a:pPr algn="ctr">
+                        <a:lnSpc>
+                          <a:spcPct val="150000"/>
+                        </a:lnSpc>
+                        <a:spcAft>
+                          <a:spcPts val="0"/>
+                        </a:spcAft>
+                      </a:pPr>
+                      <a:r>
+                        <a:rPr lang="pt-PT" sz="2000">
+                          <a:effectLst/>
+                        </a:rPr>
+                        <a:t>| infixo</a:t>
+                      </a:r>
+                      <a:endParaRPr lang="pt-PT" sz="2000">
+                        <a:effectLst/>
+                        <a:latin typeface="Times New Roman" panose="02020603050405020304" pitchFamily="18" charset="0"/>
+                        <a:ea typeface="Calibri" panose="020F0502020204030204" pitchFamily="34" charset="0"/>
+                        <a:cs typeface="Times New Roman" panose="02020603050405020304" pitchFamily="18" charset="0"/>
+                      </a:endParaRPr>
+                    </a:p>
+                  </a:txBody>
+                  <a:tcPr marL="68580" marR="68580" marT="0" marB="0"/>
+                </a:tc>
+                <a:tc>
+                  <a:txBody>
+                    <a:bodyPr/>
+                    <a:lstStyle/>
+                    <a:p>
+                      <a:pPr algn="ctr">
+                        <a:lnSpc>
+                          <a:spcPct val="150000"/>
+                        </a:lnSpc>
+                        <a:spcAft>
+                          <a:spcPts val="0"/>
+                        </a:spcAft>
+                      </a:pPr>
+                      <a:r>
+                        <a:rPr lang="pt-PT" sz="2000">
+                          <a:effectLst/>
+                        </a:rPr>
+                        <a:t>Or</a:t>
+                      </a:r>
+                      <a:endParaRPr lang="pt-PT" sz="2000">
+                        <a:effectLst/>
+                        <a:latin typeface="Times New Roman" panose="02020603050405020304" pitchFamily="18" charset="0"/>
+                        <a:ea typeface="Calibri" panose="020F0502020204030204" pitchFamily="34" charset="0"/>
+                        <a:cs typeface="Times New Roman" panose="02020603050405020304" pitchFamily="18" charset="0"/>
+                      </a:endParaRPr>
+                    </a:p>
+                  </a:txBody>
+                  <a:tcPr marL="68580" marR="68580" marT="0" marB="0"/>
+                </a:tc>
+              </a:tr>
+              <a:tr h="302405">
+                <a:tc>
+                  <a:txBody>
+                    <a:bodyPr/>
+                    <a:lstStyle/>
+                    <a:p>
+                      <a:pPr algn="ctr">
+                        <a:lnSpc>
+                          <a:spcPct val="150000"/>
+                        </a:lnSpc>
+                        <a:spcAft>
+                          <a:spcPts val="0"/>
+                        </a:spcAft>
+                      </a:pPr>
+                      <a:r>
+                        <a:rPr lang="pt-PT" sz="2000">
+                          <a:effectLst/>
+                        </a:rPr>
+                        <a:t>&amp; infixo</a:t>
+                      </a:r>
+                      <a:endParaRPr lang="pt-PT" sz="2000">
+                        <a:effectLst/>
+                        <a:latin typeface="Times New Roman" panose="02020603050405020304" pitchFamily="18" charset="0"/>
+                        <a:ea typeface="Calibri" panose="020F0502020204030204" pitchFamily="34" charset="0"/>
+                        <a:cs typeface="Times New Roman" panose="02020603050405020304" pitchFamily="18" charset="0"/>
+                      </a:endParaRPr>
+                    </a:p>
+                  </a:txBody>
+                  <a:tcPr marL="68580" marR="68580" marT="0" marB="0"/>
+                </a:tc>
+                <a:tc>
+                  <a:txBody>
+                    <a:bodyPr/>
+                    <a:lstStyle/>
+                    <a:p>
+                      <a:pPr algn="ctr">
+                        <a:lnSpc>
+                          <a:spcPct val="150000"/>
+                        </a:lnSpc>
+                        <a:spcAft>
+                          <a:spcPts val="0"/>
+                        </a:spcAft>
+                      </a:pPr>
+                      <a:r>
+                        <a:rPr lang="pt-PT" sz="2000">
+                          <a:effectLst/>
+                        </a:rPr>
+                        <a:t>And</a:t>
+                      </a:r>
+                      <a:endParaRPr lang="pt-PT" sz="2000">
+                        <a:effectLst/>
+                        <a:latin typeface="Times New Roman" panose="02020603050405020304" pitchFamily="18" charset="0"/>
+                        <a:ea typeface="Calibri" panose="020F0502020204030204" pitchFamily="34" charset="0"/>
+                        <a:cs typeface="Times New Roman" panose="02020603050405020304" pitchFamily="18" charset="0"/>
+                      </a:endParaRPr>
+                    </a:p>
+                  </a:txBody>
+                  <a:tcPr marL="68580" marR="68580" marT="0" marB="0"/>
+                </a:tc>
+              </a:tr>
+              <a:tr h="302405">
+                <a:tc>
+                  <a:txBody>
+                    <a:bodyPr/>
+                    <a:lstStyle/>
+                    <a:p>
+                      <a:pPr algn="ctr">
+                        <a:lnSpc>
+                          <a:spcPct val="150000"/>
+                        </a:lnSpc>
+                        <a:spcAft>
+                          <a:spcPts val="0"/>
+                        </a:spcAft>
+                      </a:pPr>
+                      <a:r>
+                        <a:rPr lang="pt-PT" sz="2000">
+                          <a:effectLst/>
+                        </a:rPr>
+                        <a:t>.</a:t>
+                      </a:r>
+                      <a:endParaRPr lang="pt-PT" sz="2000">
+                        <a:effectLst/>
+                        <a:latin typeface="Times New Roman" panose="02020603050405020304" pitchFamily="18" charset="0"/>
+                        <a:ea typeface="Calibri" panose="020F0502020204030204" pitchFamily="34" charset="0"/>
+                        <a:cs typeface="Times New Roman" panose="02020603050405020304" pitchFamily="18" charset="0"/>
+                      </a:endParaRPr>
+                    </a:p>
+                  </a:txBody>
+                  <a:tcPr marL="68580" marR="68580" marT="0" marB="0"/>
+                </a:tc>
+                <a:tc>
+                  <a:txBody>
+                    <a:bodyPr/>
+                    <a:lstStyle/>
+                    <a:p>
+                      <a:pPr algn="ctr">
+                        <a:lnSpc>
+                          <a:spcPct val="150000"/>
+                        </a:lnSpc>
+                        <a:spcAft>
+                          <a:spcPts val="0"/>
+                        </a:spcAft>
+                      </a:pPr>
+                      <a:r>
+                        <a:rPr lang="pt-PT" sz="2000">
+                          <a:effectLst/>
+                        </a:rPr>
+                        <a:t>Caracter universal</a:t>
+                      </a:r>
+                      <a:endParaRPr lang="pt-PT" sz="2000">
+                        <a:effectLst/>
+                        <a:latin typeface="Times New Roman" panose="02020603050405020304" pitchFamily="18" charset="0"/>
+                        <a:ea typeface="Calibri" panose="020F0502020204030204" pitchFamily="34" charset="0"/>
+                        <a:cs typeface="Times New Roman" panose="02020603050405020304" pitchFamily="18" charset="0"/>
+                      </a:endParaRPr>
+                    </a:p>
+                  </a:txBody>
+                  <a:tcPr marL="68580" marR="68580" marT="0" marB="0"/>
+                </a:tc>
+              </a:tr>
+              <a:tr h="302405">
+                <a:tc>
+                  <a:txBody>
+                    <a:bodyPr/>
+                    <a:lstStyle/>
+                    <a:p>
+                      <a:pPr algn="ctr">
+                        <a:lnSpc>
+                          <a:spcPct val="150000"/>
+                        </a:lnSpc>
+                        <a:spcAft>
+                          <a:spcPts val="0"/>
+                        </a:spcAft>
+                      </a:pPr>
+                      <a:r>
+                        <a:rPr lang="pt-PT" sz="2000" dirty="0">
+                          <a:effectLst/>
+                        </a:rPr>
+                        <a:t>('0'..'9')</a:t>
+                      </a:r>
+                      <a:endParaRPr lang="pt-PT" sz="2000" dirty="0">
+                        <a:effectLst/>
+                        <a:latin typeface="Times New Roman" panose="02020603050405020304" pitchFamily="18" charset="0"/>
+                        <a:ea typeface="Calibri" panose="020F0502020204030204" pitchFamily="34" charset="0"/>
+                        <a:cs typeface="Times New Roman" panose="02020603050405020304" pitchFamily="18" charset="0"/>
+                      </a:endParaRPr>
+                    </a:p>
+                  </a:txBody>
+                  <a:tcPr marL="68580" marR="68580" marT="0" marB="0"/>
+                </a:tc>
+                <a:tc>
+                  <a:txBody>
+                    <a:bodyPr/>
+                    <a:lstStyle/>
+                    <a:p>
+                      <a:pPr algn="ctr">
+                        <a:lnSpc>
+                          <a:spcPct val="150000"/>
+                        </a:lnSpc>
+                        <a:spcAft>
+                          <a:spcPts val="0"/>
+                        </a:spcAft>
+                      </a:pPr>
+                      <a:r>
+                        <a:rPr lang="pt-PT" sz="2000" dirty="0">
+                          <a:effectLst/>
+                        </a:rPr>
+                        <a:t>Range</a:t>
+                      </a:r>
+                      <a:endParaRPr lang="pt-PT" sz="2000" dirty="0">
+                        <a:effectLst/>
+                        <a:latin typeface="Times New Roman" panose="02020603050405020304" pitchFamily="18" charset="0"/>
+                        <a:ea typeface="Calibri" panose="020F0502020204030204" pitchFamily="34" charset="0"/>
+                        <a:cs typeface="Times New Roman" panose="02020603050405020304" pitchFamily="18" charset="0"/>
+                      </a:endParaRPr>
+                    </a:p>
+                  </a:txBody>
+                  <a:tcPr marL="68580" marR="68580" marT="0" marB="0"/>
+                </a:tc>
+              </a:tr>
+            </a:tbl>
+          </a:graphicData>
+        </a:graphic>
+      </p:graphicFrame>
+      <p:sp>
+        <p:nvSpPr>
+          <p:cNvPr id="3" name="Título 2"/>
+          <p:cNvSpPr>
+            <a:spLocks noGrp="1"/>
+          </p:cNvSpPr>
+          <p:nvPr>
+            <p:ph type="title"/>
+          </p:nvPr>
+        </p:nvSpPr>
+        <p:spPr/>
+        <p:txBody>
+          <a:bodyPr/>
+          <a:lstStyle/>
+          <a:p>
+            <a:r>
+              <a:rPr lang="pt-PT" b="1" i="1" dirty="0" smtClean="0"/>
+              <a:t>Xtext</a:t>
+            </a:r>
+            <a:r>
+              <a:rPr lang="pt-PT" b="1" dirty="0" smtClean="0"/>
+              <a:t> - Elementos da </a:t>
+            </a:r>
+            <a:r>
+              <a:rPr lang="pt-PT" b="1" dirty="0" smtClean="0"/>
+              <a:t>Sintaxe </a:t>
+            </a:r>
+            <a:r>
+              <a:rPr lang="pt-PT" b="1" dirty="0" err="1" smtClean="0"/>
+              <a:t>Gramátical</a:t>
+            </a:r>
+            <a:endParaRPr lang="pt-PT" b="1" dirty="0"/>
+          </a:p>
+        </p:txBody>
+      </p:sp>
     </p:spTree>
     <p:extLst>
       <p:ext uri="{BB962C8B-B14F-4D97-AF65-F5344CB8AC3E}">
-        <p14:creationId xmlns:p14="http://schemas.microsoft.com/office/powerpoint/2010/main" val="324308164"/>
+        <p14:creationId xmlns:p14="http://schemas.microsoft.com/office/powerpoint/2010/main" val="1989842322"/>
       </p:ext>
     </p:extLst>
   </p:cSld>
@@ -6474,10 +11611,96 @@
           <a:chExt cx="0" cy="0"/>
         </a:xfrm>
       </p:grpSpPr>
+      <p:sp>
+        <p:nvSpPr>
+          <p:cNvPr id="2" name="Título 1"/>
+          <p:cNvSpPr>
+            <a:spLocks noGrp="1"/>
+          </p:cNvSpPr>
+          <p:nvPr>
+            <p:ph type="title"/>
+          </p:nvPr>
+        </p:nvSpPr>
+        <p:spPr/>
+        <p:txBody>
+          <a:bodyPr/>
+          <a:lstStyle/>
+          <a:p>
+            <a:r>
+              <a:rPr lang="pt-PT" b="1" i="1" dirty="0" err="1" smtClean="0"/>
+              <a:t>Xtext</a:t>
+            </a:r>
+            <a:r>
+              <a:rPr lang="pt-PT" b="1" dirty="0" smtClean="0"/>
+              <a:t> -  Definição das Regras</a:t>
+            </a:r>
+            <a:endParaRPr lang="pt-PT" b="1" dirty="0"/>
+          </a:p>
+        </p:txBody>
+      </p:sp>
+      <p:pic>
+        <p:nvPicPr>
+          <p:cNvPr id="4" name="Marcador de Posição de Conteúdo 3"/>
+          <p:cNvPicPr>
+            <a:picLocks noGrp="1" noChangeAspect="1"/>
+          </p:cNvPicPr>
+          <p:nvPr>
+            <p:ph idx="1"/>
+          </p:nvPr>
+        </p:nvPicPr>
+        <p:blipFill>
+          <a:blip r:embed="rId3">
+            <a:extLst>
+              <a:ext uri="{28A0092B-C50C-407E-A947-70E740481C1C}">
+                <a14:useLocalDpi xmlns:a14="http://schemas.microsoft.com/office/drawing/2010/main" val="0"/>
+              </a:ext>
+            </a:extLst>
+          </a:blip>
+          <a:stretch>
+            <a:fillRect/>
+          </a:stretch>
+        </p:blipFill>
+        <p:spPr>
+          <a:xfrm>
+            <a:off x="1602606" y="2166377"/>
+            <a:ext cx="9047747" cy="3793796"/>
+          </a:xfrm>
+        </p:spPr>
+      </p:pic>
+      <p:pic>
+        <p:nvPicPr>
+          <p:cNvPr id="3" name="Imagem 2"/>
+          <p:cNvPicPr>
+            <a:picLocks noChangeAspect="1"/>
+          </p:cNvPicPr>
+          <p:nvPr/>
+        </p:nvPicPr>
+        <p:blipFill>
+          <a:blip r:embed="rId4">
+            <a:extLst>
+              <a:ext uri="{28A0092B-C50C-407E-A947-70E740481C1C}">
+                <a14:useLocalDpi xmlns:a14="http://schemas.microsoft.com/office/drawing/2010/main" val="0"/>
+              </a:ext>
+            </a:extLst>
+          </a:blip>
+          <a:stretch>
+            <a:fillRect/>
+          </a:stretch>
+        </p:blipFill>
+        <p:spPr>
+          <a:xfrm>
+            <a:off x="9269730" y="2166377"/>
+            <a:ext cx="1885950" cy="1409700"/>
+          </a:xfrm>
+          <a:prstGeom prst="rect">
+            <a:avLst/>
+          </a:prstGeom>
+        </p:spPr>
+      </p:pic>
     </p:spTree>
     <p:extLst>
       <p:ext uri="{BB962C8B-B14F-4D97-AF65-F5344CB8AC3E}">
-        <p14:creationId xmlns:p14="http://schemas.microsoft.com/office/powerpoint/2010/main" val="3786513302"/>
+        <p14:creationId xmlns:p14="http://schemas.microsoft.com/office/powerpoint/2010/main" val="2991949729"/>
       </p:ext>
     </p:extLst>
   </p:cSld>
@@ -6487,7 +11710,75 @@
   <p:timing>
     <p:tnLst>
       <p:par>
-        <p:cTn id="1" dur="indefinite" restart="never" nodeType="tmRoot"/>
+        <p:cTn id="1" dur="indefinite" restart="never" nodeType="tmRoot">
+          <p:childTnLst>
+            <p:seq concurrent="1" nextAc="seek">
+              <p:cTn id="2" dur="indefinite" nodeType="mainSeq">
+                <p:childTnLst>
+                  <p:par>
+                    <p:cTn id="3" fill="hold">
+                      <p:stCondLst>
+                        <p:cond delay="indefinite"/>
+                      </p:stCondLst>
+                      <p:childTnLst>
+                        <p:par>
+                          <p:cTn id="4" fill="hold">
+                            <p:stCondLst>
+                              <p:cond delay="0"/>
+                            </p:stCondLst>
+                            <p:childTnLst>
+                              <p:par>
+                                <p:cTn id="5" presetID="1" presetClass="entr" presetSubtype="0" fill="hold" nodeType="clickEffect">
+                                  <p:stCondLst>
+                                    <p:cond delay="0"/>
+                                  </p:stCondLst>
+                                  <p:childTnLst>
+                                    <p:set>
+                                      <p:cBhvr>
+                                        <p:cTn id="6" dur="1" fill="hold">
+                                          <p:stCondLst>
+                                            <p:cond delay="0"/>
+                                          </p:stCondLst>
+                                        </p:cTn>
+                                        <p:tgtEl>
+                                          <p:spTgt spid="3"/>
+                                        </p:tgtEl>
+                                        <p:attrNameLst>
+                                          <p:attrName>style.visibility</p:attrName>
+                                        </p:attrNameLst>
+                                      </p:cBhvr>
+                                      <p:to>
+                                        <p:strVal val="visible"/>
+                                      </p:to>
+                                    </p:set>
+                                  </p:childTnLst>
+                                </p:cTn>
+                              </p:par>
+                            </p:childTnLst>
+                          </p:cTn>
+                        </p:par>
+                      </p:childTnLst>
+                    </p:cTn>
+                  </p:par>
+                </p:childTnLst>
+              </p:cTn>
+              <p:prevCondLst>
+                <p:cond evt="onPrev" delay="0">
+                  <p:tgtEl>
+                    <p:sldTgt/>
+                  </p:tgtEl>
+                </p:cond>
+              </p:prevCondLst>
+              <p:nextCondLst>
+                <p:cond evt="onNext" delay="0">
+                  <p:tgtEl>
+                    <p:sldTgt/>
+                  </p:tgtEl>
+                </p:cond>
+              </p:nextCondLst>
+            </p:seq>
+          </p:childTnLst>
+        </p:cTn>
       </p:par>
     </p:tnLst>
   </p:timing>
@@ -6511,40 +11802,76 @@
           <a:chExt cx="0" cy="0"/>
         </a:xfrm>
       </p:grpSpPr>
+      <p:sp>
+        <p:nvSpPr>
+          <p:cNvPr id="2" name="Título 1"/>
+          <p:cNvSpPr>
+            <a:spLocks noGrp="1"/>
+          </p:cNvSpPr>
+          <p:nvPr>
+            <p:ph type="title"/>
+          </p:nvPr>
+        </p:nvSpPr>
+        <p:spPr/>
+        <p:txBody>
+          <a:bodyPr/>
+          <a:lstStyle/>
+          <a:p>
+            <a:r>
+              <a:rPr lang="pt-PT" b="1" i="1" dirty="0" err="1" smtClean="0"/>
+              <a:t>Xtext</a:t>
+            </a:r>
+            <a:r>
+              <a:rPr lang="pt-PT" b="1" i="1" dirty="0" smtClean="0"/>
+              <a:t> </a:t>
+            </a:r>
+            <a:r>
+              <a:rPr lang="pt-PT" b="1" dirty="0" smtClean="0"/>
+              <a:t>– Regras Terminais</a:t>
+            </a:r>
+            <a:endParaRPr lang="pt-PT" b="1" dirty="0"/>
+          </a:p>
+        </p:txBody>
+      </p:sp>
       <p:pic>
         <p:nvPicPr>
-          <p:cNvPr id="2" name="Imagem 1"/>
-          <p:cNvPicPr>
-            <a:picLocks noChangeAspect="1"/>
-          </p:cNvPicPr>
+          <p:cNvPr id="8" name="Imagem 7"/>
+          <p:cNvPicPr/>
           <p:nvPr/>
         </p:nvPicPr>
-        <p:blipFill>
-          <a:blip r:embed="rId2">
+        <p:blipFill rotWithShape="1">
+          <a:blip r:embed="rId3">
             <a:extLst>
               <a:ext uri="{28A0092B-C50C-407E-A947-70E740481C1C}">
                 <a14:useLocalDpi xmlns:a14="http://schemas.microsoft.com/office/drawing/2010/main" val="0"/>
               </a:ext>
             </a:extLst>
           </a:blip>
-          <a:stretch>
-            <a:fillRect/>
-          </a:stretch>
+          <a:srcRect l="28070" t="43758" r="20184" b="46577"/>
+          <a:stretch/>
         </p:blipFill>
-        <p:spPr>
+        <p:spPr bwMode="auto">
           <a:xfrm>
-            <a:off x="586596" y="273610"/>
-            <a:ext cx="10941169" cy="5878667"/>
+            <a:off x="1923448" y="3285601"/>
+            <a:ext cx="8406063" cy="1101542"/>
           </a:xfrm>
           <a:prstGeom prst="rect">
             <a:avLst/>
           </a:prstGeom>
+          <a:ln>
+            <a:noFill/>
+          </a:ln>
+          <a:extLst>
+            <a:ext uri="{53640926-AAD7-44D8-BBD7-CCE9431645EC}">
+              <a14:shadowObscured xmlns:a14="http://schemas.microsoft.com/office/drawing/2010/main"/>
+            </a:ext>
+          </a:extLst>
         </p:spPr>
       </p:pic>
     </p:spTree>
     <p:extLst>
       <p:ext uri="{BB962C8B-B14F-4D97-AF65-F5344CB8AC3E}">
-        <p14:creationId xmlns:p14="http://schemas.microsoft.com/office/powerpoint/2010/main" val="913275674"/>
+        <p14:creationId xmlns:p14="http://schemas.microsoft.com/office/powerpoint/2010/main" val="2865011979"/>
       </p:ext>
     </p:extLst>
   </p:cSld>
@@ -7125,4 +12452,265 @@
     </a:ext>
   </a:extLst>
 </a:theme>
+</file>
+
+<file path=ppt/theme/theme3.xml><?xml version="1.0" encoding="utf-8"?>
+<a:theme xmlns:a="http://schemas.openxmlformats.org/drawingml/2006/main" name="Tema do Office">
+  <a:themeElements>
+    <a:clrScheme name="Office">
+      <a:dk1>
+        <a:sysClr val="windowText" lastClr="000000"/>
+      </a:dk1>
+      <a:lt1>
+        <a:sysClr val="window" lastClr="FFFFFF"/>
+      </a:lt1>
+      <a:dk2>
+        <a:srgbClr val="44546A"/>
+      </a:dk2>
+      <a:lt2>
+        <a:srgbClr val="E7E6E6"/>
+      </a:lt2>
+      <a:accent1>
+        <a:srgbClr val="5B9BD5"/>
+      </a:accent1>
+      <a:accent2>
+        <a:srgbClr val="ED7D31"/>
+      </a:accent2>
+      <a:accent3>
+        <a:srgbClr val="A5A5A5"/>
+      </a:accent3>
+      <a:accent4>
+        <a:srgbClr val="FFC000"/>
+      </a:accent4>
+      <a:accent5>
+        <a:srgbClr val="4472C4"/>
+      </a:accent5>
+      <a:accent6>
+        <a:srgbClr val="70AD47"/>
+      </a:accent6>
+      <a:hlink>
+        <a:srgbClr val="0563C1"/>
+      </a:hlink>
+      <a:folHlink>
+        <a:srgbClr val="954F72"/>
+      </a:folHlink>
+    </a:clrScheme>
+    <a:fontScheme name="Office">
+      <a:majorFont>
+        <a:latin typeface="Calibri Light" panose="020F0302020204030204"/>
+        <a:ea typeface=""/>
+        <a:cs typeface=""/>
+        <a:font script="Jpan" typeface="ＭＳ Ｐゴシック"/>
+        <a:font script="Hang" typeface="맑은 고딕"/>
+        <a:font script="Hans" typeface="宋体"/>
+        <a:font script="Hant" typeface="新細明體"/>
+        <a:font script="Arab" typeface="Times New Roman"/>
+        <a:font script="Hebr" typeface="Times New Roman"/>
+        <a:font script="Thai" typeface="Angsana New"/>
+        <a:font script="Ethi" typeface="Nyala"/>
+        <a:font script="Beng" typeface="Vrinda"/>
+        <a:font script="Gujr" typeface="Shruti"/>
+        <a:font script="Khmr" typeface="MoolBoran"/>
+        <a:font script="Knda" typeface="Tunga"/>
+        <a:font script="Guru" typeface="Raavi"/>
+        <a:font script="Cans" typeface="Euphemia"/>
+        <a:font script="Cher" typeface="Plantagenet Cherokee"/>
+        <a:font script="Yiii" typeface="Microsoft Yi Baiti"/>
+        <a:font script="Tibt" typeface="Microsoft Himalaya"/>
+        <a:font script="Thaa" typeface="MV Boli"/>
+        <a:font script="Deva" typeface="Mangal"/>
+        <a:font script="Telu" typeface="Gautami"/>
+        <a:font script="Taml" typeface="Latha"/>
+        <a:font script="Syrc" typeface="Estrangelo Edessa"/>
+        <a:font script="Orya" typeface="Kalinga"/>
+        <a:font script="Mlym" typeface="Kartika"/>
+        <a:font script="Laoo" typeface="DokChampa"/>
+        <a:font script="Sinh" typeface="Iskoola Pota"/>
+        <a:font script="Mong" typeface="Mongolian Baiti"/>
+        <a:font script="Viet" typeface="Times New Roman"/>
+        <a:font script="Uigh" typeface="Microsoft Uighur"/>
+        <a:font script="Geor" typeface="Sylfaen"/>
+      </a:majorFont>
+      <a:minorFont>
+        <a:latin typeface="Calibri" panose="020F0502020204030204"/>
+        <a:ea typeface=""/>
+        <a:cs typeface=""/>
+        <a:font script="Jpan" typeface="ＭＳ Ｐゴシック"/>
+        <a:font script="Hang" typeface="맑은 고딕"/>
+        <a:font script="Hans" typeface="宋体"/>
+        <a:font script="Hant" typeface="新細明體"/>
+        <a:font script="Arab" typeface="Arial"/>
+        <a:font script="Hebr" typeface="Arial"/>
+        <a:font script="Thai" typeface="Cordia New"/>
+        <a:font script="Ethi" typeface="Nyala"/>
+        <a:font script="Beng" typeface="Vrinda"/>
+        <a:font script="Gujr" typeface="Shruti"/>
+        <a:font script="Khmr" typeface="DaunPenh"/>
+        <a:font script="Knda" typeface="Tunga"/>
+        <a:font script="Guru" typeface="Raavi"/>
+        <a:font script="Cans" typeface="Euphemia"/>
+        <a:font script="Cher" typeface="Plantagenet Cherokee"/>
+        <a:font script="Yiii" typeface="Microsoft Yi Baiti"/>
+        <a:font script="Tibt" typeface="Microsoft Himalaya"/>
+        <a:font script="Thaa" typeface="MV Boli"/>
+        <a:font script="Deva" typeface="Mangal"/>
+        <a:font script="Telu" typeface="Gautami"/>
+        <a:font script="Taml" typeface="Latha"/>
+        <a:font script="Syrc" typeface="Estrangelo Edessa"/>
+        <a:font script="Orya" typeface="Kalinga"/>
+        <a:font script="Mlym" typeface="Kartika"/>
+        <a:font script="Laoo" typeface="DokChampa"/>
+        <a:font script="Sinh" typeface="Iskoola Pota"/>
+        <a:font script="Mong" typeface="Mongolian Baiti"/>
+        <a:font script="Viet" typeface="Arial"/>
+        <a:font script="Uigh" typeface="Microsoft Uighur"/>
+        <a:font script="Geor" typeface="Sylfaen"/>
+      </a:minorFont>
+    </a:fontScheme>
+    <a:fmtScheme name="Office">
+      <a:fillStyleLst>
+        <a:solidFill>
+          <a:schemeClr val="phClr"/>
+        </a:solidFill>
+        <a:gradFill rotWithShape="1">
+          <a:gsLst>
+            <a:gs pos="0">
+              <a:schemeClr val="phClr">
+                <a:lumMod val="110000"/>
+                <a:satMod val="105000"/>
+                <a:tint val="67000"/>
+              </a:schemeClr>
+            </a:gs>
+            <a:gs pos="50000">
+              <a:schemeClr val="phClr">
+                <a:lumMod val="105000"/>
+                <a:satMod val="103000"/>
+                <a:tint val="73000"/>
+              </a:schemeClr>
+            </a:gs>
+            <a:gs pos="100000">
+              <a:schemeClr val="phClr">
+                <a:lumMod val="105000"/>
+                <a:satMod val="109000"/>
+                <a:tint val="81000"/>
+              </a:schemeClr>
+            </a:gs>
+          </a:gsLst>
+          <a:lin ang="5400000" scaled="0"/>
+        </a:gradFill>
+        <a:gradFill rotWithShape="1">
+          <a:gsLst>
+            <a:gs pos="0">
+              <a:schemeClr val="phClr">
+                <a:satMod val="103000"/>
+                <a:lumMod val="102000"/>
+                <a:tint val="94000"/>
+              </a:schemeClr>
+            </a:gs>
+            <a:gs pos="50000">
+              <a:schemeClr val="phClr">
+                <a:satMod val="110000"/>
+                <a:lumMod val="100000"/>
+                <a:shade val="100000"/>
+              </a:schemeClr>
+            </a:gs>
+            <a:gs pos="100000">
+              <a:schemeClr val="phClr">
+                <a:lumMod val="99000"/>
+                <a:satMod val="120000"/>
+                <a:shade val="78000"/>
+              </a:schemeClr>
+            </a:gs>
+          </a:gsLst>
+          <a:lin ang="5400000" scaled="0"/>
+        </a:gradFill>
+      </a:fillStyleLst>
+      <a:lnStyleLst>
+        <a:ln w="6350" cap="flat" cmpd="sng" algn="ctr">
+          <a:solidFill>
+            <a:schemeClr val="phClr"/>
+          </a:solidFill>
+          <a:prstDash val="solid"/>
+          <a:miter lim="800000"/>
+        </a:ln>
+        <a:ln w="12700" cap="flat" cmpd="sng" algn="ctr">
+          <a:solidFill>
+            <a:schemeClr val="phClr"/>
+          </a:solidFill>
+          <a:prstDash val="solid"/>
+          <a:miter lim="800000"/>
+        </a:ln>
+        <a:ln w="19050" cap="flat" cmpd="sng" algn="ctr">
+          <a:solidFill>
+            <a:schemeClr val="phClr"/>
+          </a:solidFill>
+          <a:prstDash val="solid"/>
+          <a:miter lim="800000"/>
+        </a:ln>
+      </a:lnStyleLst>
+      <a:effectStyleLst>
+        <a:effectStyle>
+          <a:effectLst/>
+        </a:effectStyle>
+        <a:effectStyle>
+          <a:effectLst/>
+        </a:effectStyle>
+        <a:effectStyle>
+          <a:effectLst>
+            <a:outerShdw blurRad="57150" dist="19050" dir="5400000" algn="ctr" rotWithShape="0">
+              <a:srgbClr val="000000">
+                <a:alpha val="63000"/>
+              </a:srgbClr>
+            </a:outerShdw>
+          </a:effectLst>
+        </a:effectStyle>
+      </a:effectStyleLst>
+      <a:bgFillStyleLst>
+        <a:solidFill>
+          <a:schemeClr val="phClr"/>
+        </a:solidFill>
+        <a:solidFill>
+          <a:schemeClr val="phClr">
+            <a:tint val="95000"/>
+            <a:satMod val="170000"/>
+          </a:schemeClr>
+        </a:solidFill>
+        <a:gradFill rotWithShape="1">
+          <a:gsLst>
+            <a:gs pos="0">
+              <a:schemeClr val="phClr">
+                <a:tint val="93000"/>
+                <a:satMod val="150000"/>
+                <a:shade val="98000"/>
+                <a:lumMod val="102000"/>
+              </a:schemeClr>
+            </a:gs>
+            <a:gs pos="50000">
+              <a:schemeClr val="phClr">
+                <a:tint val="98000"/>
+                <a:satMod val="130000"/>
+                <a:shade val="90000"/>
+                <a:lumMod val="103000"/>
+              </a:schemeClr>
+            </a:gs>
+            <a:gs pos="100000">
+              <a:schemeClr val="phClr">
+                <a:shade val="63000"/>
+                <a:satMod val="120000"/>
+              </a:schemeClr>
+            </a:gs>
+          </a:gsLst>
+          <a:lin ang="5400000" scaled="0"/>
+        </a:gradFill>
+      </a:bgFillStyleLst>
+    </a:fmtScheme>
+  </a:themeElements>
+  <a:objectDefaults/>
+  <a:extraClrSchemeLst/>
+  <a:extLst>
+    <a:ext uri="{05A4C25C-085E-4340-85A3-A5531E510DB2}">
+      <thm15:themeFamily xmlns:thm15="http://schemas.microsoft.com/office/thememl/2012/main" name="Office Theme" id="{62F939B6-93AF-4DB8-9C6B-D6C7DFDC589F}" vid="{4A3C46E8-61CC-4603-A589-7422A47A8E4A}"/>
+    </a:ext>
+  </a:extLst>
+</a:theme>
 </file>
--- a/Apresentação final/PDS16inEclipse.pptx
+++ b/Apresentação final/PDS16inEclipse.pptx
@@ -150,20 +150,6 @@
 </p:cmAuthorLst>
 </file>
 
-<file path=ppt/comments/comment1.xml><?xml version="1.0" encoding="utf-8"?>
-<p:cmLst xmlns:a="http://schemas.openxmlformats.org/drawingml/2006/main" xmlns:r="http://schemas.openxmlformats.org/officeDocument/2006/relationships" xmlns:p="http://schemas.openxmlformats.org/presentationml/2006/main">
-  <p:cm authorId="1" dt="2016-07-27T15:45:35.080" idx="1">
-    <p:pos x="4849" y="3081"/>
-    <p:text>não é bem a geração que é conseguida atravez do xtext, as ferramentas é que são realizadas recorrendo ao xtext</p:text>
-    <p:extLst>
-      <p:ext uri="{C676402C-5697-4E1C-873F-D02D1690AC5C}">
-        <p15:threadingInfo xmlns:p15="http://schemas.microsoft.com/office/powerpoint/2012/main" timeZoneBias="-60"/>
-      </p:ext>
-    </p:extLst>
-  </p:cm>
-</p:cmLst>
-</file>
-
 <file path=ppt/notesMasters/notesMaster1.xml><?xml version="1.0" encoding="utf-8"?>
 <p:notesMaster xmlns:a="http://schemas.openxmlformats.org/drawingml/2006/main" xmlns:r="http://schemas.openxmlformats.org/officeDocument/2006/relationships" xmlns:p="http://schemas.openxmlformats.org/presentationml/2006/main">
   <p:cSld>
@@ -246,7 +232,7 @@
           <a:p>
             <a:fld id="{3B5F8247-C030-442D-97C8-73781D4E9114}" type="datetimeFigureOut">
               <a:rPr lang="pt-PT" smtClean="0"/>
-              <a:t>27/07/2016</a:t>
+              <a:t>28/07/2016</a:t>
             </a:fld>
             <a:endParaRPr lang="pt-PT"/>
           </a:p>
@@ -977,13 +963,8 @@
             </a:r>
             <a:r>
               <a:rPr lang="pt-PT" baseline="0" dirty="0" smtClean="0"/>
-              <a:t> que estas duas classes criadas: “PDS16asmHighlithingConfiguration” e “Pds16asmTokenAtributeIdMapper” tem que ser registadas. </a:t>
-            </a:r>
-            <a:r>
-              <a:rPr lang="pt-PT" baseline="0" dirty="0" smtClean="0"/>
-              <a:t>(imagem)</a:t>
-            </a:r>
-            <a:endParaRPr lang="pt-PT" baseline="0" dirty="0" smtClean="0"/>
+              <a:t> que estas duas classes criadas: “PDS16asmHighlithingConfiguration” e “Pds16asmTokenAtributeIdMapper” tem que ser registadas. (imagem)</a:t>
+            </a:r>
           </a:p>
         </p:txBody>
       </p:sp>
@@ -1165,20 +1146,58 @@
           <a:p>
             <a:r>
               <a:rPr lang="pt-PT" baseline="0" dirty="0" smtClean="0"/>
-              <a:t>Aqui </a:t>
-            </a:r>
-            <a:r>
-              <a:rPr lang="pt-PT" baseline="0" dirty="0" smtClean="0"/>
-              <a:t>explicasse os parâmetros do método e o método faz e dizer quais os elementos que suportamos. </a:t>
-            </a:r>
-            <a:endParaRPr lang="pt-PT" baseline="0" dirty="0" smtClean="0"/>
-          </a:p>
-          <a:p>
+              <a:t>Aqui explicasse os parâmetros do método e o método faz e dizer quais os elementos que suportamos. </a:t>
+            </a:r>
+          </a:p>
+          <a:p>
+            <a:pPr marL="0" marR="0" indent="0" algn="l" defTabSz="914400" rtl="0" eaLnBrk="1" fontAlgn="auto" latinLnBrk="0" hangingPunct="1">
+              <a:lnSpc>
+                <a:spcPct val="100000"/>
+              </a:lnSpc>
+              <a:spcBef>
+                <a:spcPts val="0"/>
+              </a:spcBef>
+              <a:spcAft>
+                <a:spcPts val="0"/>
+              </a:spcAft>
+              <a:buClrTx/>
+              <a:buSzTx/>
+              <a:buFontTx/>
+              <a:buNone/>
+              <a:tabLst/>
+              <a:defRPr/>
+            </a:pPr>
             <a:r>
               <a:rPr lang="pt-PT" baseline="0" dirty="0" smtClean="0"/>
               <a:t>FUNCIONA COMO FILTRO</a:t>
             </a:r>
+          </a:p>
+          <a:p>
             <a:endParaRPr lang="pt-PT" baseline="0" dirty="0" smtClean="0"/>
+          </a:p>
+          <a:p>
+            <a:r>
+              <a:rPr lang="pt-PT" baseline="0" dirty="0" err="1" smtClean="0"/>
+              <a:t>Textdispacher</a:t>
+            </a:r>
+            <a:r>
+              <a:rPr lang="pt-PT" baseline="0" dirty="0" smtClean="0"/>
+              <a:t> </a:t>
+            </a:r>
+            <a:r>
+              <a:rPr lang="pt-PT" baseline="0" dirty="0" err="1" smtClean="0"/>
+              <a:t>obtem</a:t>
+            </a:r>
+            <a:r>
+              <a:rPr lang="pt-PT" baseline="0" dirty="0" smtClean="0"/>
+              <a:t> o nome a apresentar no nó, a partir do objeto</a:t>
+            </a:r>
+          </a:p>
+          <a:p>
+            <a:r>
+              <a:rPr lang="pt-PT" baseline="0" dirty="0" smtClean="0"/>
+              <a:t>Isto é feito via reflexão (passar para o próximo slide)</a:t>
+            </a:r>
           </a:p>
         </p:txBody>
       </p:sp>
@@ -1264,15 +1283,24 @@
           <a:p>
             <a:r>
               <a:rPr lang="pt-PT" dirty="0" smtClean="0"/>
+              <a:t>Via reflexão</a:t>
+            </a:r>
+            <a:r>
+              <a:rPr lang="pt-PT" baseline="0" dirty="0" smtClean="0"/>
+              <a:t> a partir do tipo do objeto da figura anterior</a:t>
+            </a:r>
+          </a:p>
+          <a:p>
+            <a:endParaRPr lang="pt-PT" dirty="0" smtClean="0"/>
+          </a:p>
+          <a:p>
+            <a:r>
+              <a:rPr lang="pt-PT" dirty="0" smtClean="0"/>
               <a:t>Dizer</a:t>
             </a:r>
             <a:r>
               <a:rPr lang="pt-PT" baseline="0" dirty="0" smtClean="0"/>
-              <a:t> </a:t>
-            </a:r>
-            <a:r>
-              <a:rPr lang="pt-PT" baseline="0" dirty="0" smtClean="0"/>
-              <a:t>que para cada tipo de regra da gramatica suportada pelo </a:t>
+              <a:t> que para cada tipo de regra da gramatica suportada pelo </a:t>
             </a:r>
             <a:r>
               <a:rPr lang="pt-PT" baseline="0" dirty="0" err="1" smtClean="0"/>
@@ -1280,11 +1308,7 @@
             </a:r>
             <a:r>
               <a:rPr lang="pt-PT" baseline="0" dirty="0" smtClean="0"/>
-              <a:t>, é calculado o nome a apresentar no elemento final</a:t>
-            </a:r>
-            <a:r>
-              <a:rPr lang="pt-PT" baseline="0" dirty="0" smtClean="0"/>
-              <a:t>.</a:t>
+              <a:t>, é calculado o nome a apresentar no elemento final.</a:t>
             </a:r>
           </a:p>
           <a:p>
@@ -1507,11 +1531,7 @@
             </a:r>
             <a:r>
               <a:rPr lang="pt-PT" baseline="0" dirty="0" smtClean="0"/>
-              <a:t> é </a:t>
-            </a:r>
-            <a:r>
-              <a:rPr lang="pt-PT" baseline="0" dirty="0" smtClean="0"/>
-              <a:t>chamado (ao gravar, sem erros de validação)</a:t>
+              <a:t> é chamado (ao gravar, sem erros de validação)</a:t>
             </a:r>
           </a:p>
           <a:p>
@@ -2370,55 +2390,7 @@
                 <a:ea typeface="+mn-ea"/>
                 <a:cs typeface="+mn-cs"/>
               </a:rPr>
-              <a:t>corpo </a:t>
-            </a:r>
-            <a:r>
-              <a:rPr lang="pt-PT" sz="1200" kern="1200" dirty="0" smtClean="0">
-                <a:solidFill>
-                  <a:schemeClr val="tx1"/>
-                </a:solidFill>
-                <a:effectLst/>
-                <a:latin typeface="+mn-lt"/>
-                <a:ea typeface="+mn-ea"/>
-                <a:cs typeface="+mn-cs"/>
-              </a:rPr>
-              <a:t>de um ficheiro de gramática Xtext é </a:t>
-            </a:r>
-            <a:r>
-              <a:rPr lang="pt-PT" sz="1200" kern="1200" dirty="0" smtClean="0">
-                <a:solidFill>
-                  <a:schemeClr val="tx1"/>
-                </a:solidFill>
-                <a:effectLst/>
-                <a:latin typeface="+mn-lt"/>
-                <a:ea typeface="+mn-ea"/>
-                <a:cs typeface="+mn-cs"/>
-              </a:rPr>
-              <a:t>composto por </a:t>
-            </a:r>
-            <a:r>
-              <a:rPr lang="pt-PT" sz="1200" kern="1200" dirty="0" smtClean="0">
-                <a:solidFill>
-                  <a:schemeClr val="tx1"/>
-                </a:solidFill>
-                <a:effectLst/>
-                <a:latin typeface="+mn-lt"/>
-                <a:ea typeface="+mn-ea"/>
-                <a:cs typeface="+mn-cs"/>
-              </a:rPr>
-              <a:t>uma sequência de </a:t>
-            </a:r>
-            <a:r>
-              <a:rPr lang="pt-PT" sz="1200" kern="1200" dirty="0" smtClean="0">
-                <a:solidFill>
-                  <a:schemeClr val="tx1"/>
-                </a:solidFill>
-                <a:effectLst/>
-                <a:latin typeface="+mn-lt"/>
-                <a:ea typeface="+mn-ea"/>
-                <a:cs typeface="+mn-cs"/>
-              </a:rPr>
-              <a:t>regras;</a:t>
+              <a:t>corpo de um ficheiro de gramática Xtext é composto por uma sequência de regras;</a:t>
             </a:r>
           </a:p>
           <a:p>
@@ -2441,27 +2413,11 @@
             </a:pPr>
             <a:r>
               <a:rPr lang="pt-PT" dirty="0" smtClean="0"/>
-              <a:t>Para </a:t>
-            </a:r>
-            <a:r>
-              <a:rPr lang="pt-PT" dirty="0" smtClean="0"/>
-              <a:t>definir</a:t>
+              <a:t>Para definir</a:t>
             </a:r>
             <a:r>
               <a:rPr lang="pt-PT" baseline="0" dirty="0" smtClean="0"/>
-              <a:t> regras é necessário </a:t>
-            </a:r>
-            <a:r>
-              <a:rPr lang="pt-PT" baseline="0" dirty="0" smtClean="0"/>
-              <a:t>conhecer os </a:t>
-            </a:r>
-            <a:r>
-              <a:rPr lang="pt-PT" baseline="0" dirty="0" smtClean="0"/>
-              <a:t>elementos de sintaxe </a:t>
-            </a:r>
-            <a:r>
-              <a:rPr lang="pt-PT" baseline="0" dirty="0" smtClean="0"/>
-              <a:t>disponíveis;</a:t>
+              <a:t> regras é necessário conhecer os elementos de sintaxe disponíveis;</a:t>
             </a:r>
           </a:p>
           <a:p>
@@ -2586,7 +2542,6 @@
               <a:rPr lang="pt-PT" baseline="0" dirty="0" smtClean="0"/>
               <a:t> existem dois tipos de regras: </a:t>
             </a:r>
-            <a:endParaRPr lang="pt-PT" baseline="0" dirty="0" smtClean="0"/>
           </a:p>
           <a:p>
             <a:r>
@@ -2711,11 +2666,7 @@
             </a:r>
             <a:r>
               <a:rPr lang="pt-PT" baseline="0" dirty="0" smtClean="0"/>
-              <a:t> de Regras </a:t>
-            </a:r>
-            <a:r>
-              <a:rPr lang="pt-PT" baseline="0" dirty="0" smtClean="0"/>
-              <a:t>Terminais</a:t>
+              <a:t> de Regras Terminais</a:t>
             </a:r>
           </a:p>
           <a:p>
@@ -2735,11 +2686,7 @@
           <a:p>
             <a:r>
               <a:rPr lang="pt-PT" baseline="0" dirty="0" smtClean="0"/>
-              <a:t>No </a:t>
-            </a:r>
-            <a:r>
-              <a:rPr lang="pt-PT" baseline="0" dirty="0" smtClean="0"/>
-              <a:t>exemplo deve explicar o retorno (</a:t>
+              <a:t>No exemplo deve explicar o retorno (</a:t>
             </a:r>
             <a:r>
               <a:rPr lang="pt-PT" baseline="0" dirty="0" err="1" smtClean="0"/>
@@ -2755,13 +2702,8 @@
             </a:r>
             <a:r>
               <a:rPr lang="pt-PT" baseline="0" dirty="0" smtClean="0"/>
-              <a:t>) e porque quisemos alterar o tipo de retorno</a:t>
-            </a:r>
-            <a:r>
-              <a:rPr lang="pt-PT" baseline="0" dirty="0" smtClean="0"/>
-              <a:t>.</a:t>
-            </a:r>
-            <a:endParaRPr lang="pt-PT" baseline="0" dirty="0" smtClean="0"/>
+              <a:t>) e porque quisemos alterar o tipo de retorno.</a:t>
+            </a:r>
           </a:p>
         </p:txBody>
       </p:sp>
@@ -2847,15 +2789,7 @@
           <a:p>
             <a:r>
               <a:rPr lang="pt-PT" baseline="0" dirty="0" smtClean="0"/>
-              <a:t>é </a:t>
-            </a:r>
-            <a:r>
-              <a:rPr lang="pt-PT" baseline="0" dirty="0" smtClean="0"/>
-              <a:t>necessário criar uma classe para cada tipo de </a:t>
-            </a:r>
-            <a:r>
-              <a:rPr lang="pt-PT" baseline="0" dirty="0" smtClean="0"/>
-              <a:t>retorno a converter</a:t>
+              <a:t>é necessário criar uma classe para cada tipo de retorno a converter</a:t>
             </a:r>
           </a:p>
           <a:p>
@@ -2897,7 +2831,6 @@
               <a:rPr lang="pt-PT" baseline="0" dirty="0" smtClean="0"/>
               <a:t> </a:t>
             </a:r>
-            <a:endParaRPr lang="pt-PT" baseline="0" dirty="0" smtClean="0"/>
           </a:p>
           <a:p>
             <a:r>
@@ -3282,7 +3215,7 @@
             <a:fld id="{96DFF08F-DC6B-4601-B491-B0F83F6DD2DA}" type="datetimeFigureOut">
               <a:rPr lang="en-US" smtClean="0"/>
               <a:pPr/>
-              <a:t>7/27/2016</a:t>
+              <a:t>7/28/2016</a:t>
             </a:fld>
             <a:endParaRPr lang="en-US" dirty="0"/>
           </a:p>
@@ -3637,7 +3570,7 @@
             <a:fld id="{96DFF08F-DC6B-4601-B491-B0F83F6DD2DA}" type="datetimeFigureOut">
               <a:rPr lang="en-US" smtClean="0"/>
               <a:pPr/>
-              <a:t>7/27/2016</a:t>
+              <a:t>7/28/2016</a:t>
             </a:fld>
             <a:endParaRPr lang="en-US" dirty="0"/>
           </a:p>
@@ -4023,7 +3956,7 @@
             <a:fld id="{96DFF08F-DC6B-4601-B491-B0F83F6DD2DA}" type="datetimeFigureOut">
               <a:rPr lang="en-US" smtClean="0"/>
               <a:pPr/>
-              <a:t>7/27/2016</a:t>
+              <a:t>7/28/2016</a:t>
             </a:fld>
             <a:endParaRPr lang="en-US" dirty="0"/>
           </a:p>
@@ -4202,7 +4135,7 @@
             <a:fld id="{96DFF08F-DC6B-4601-B491-B0F83F6DD2DA}" type="datetimeFigureOut">
               <a:rPr lang="en-US" smtClean="0"/>
               <a:pPr/>
-              <a:t>7/27/2016</a:t>
+              <a:t>7/28/2016</a:t>
             </a:fld>
             <a:endParaRPr lang="en-US" dirty="0"/>
           </a:p>
@@ -4467,7 +4400,7 @@
             <a:fld id="{96DFF08F-DC6B-4601-B491-B0F83F6DD2DA}" type="datetimeFigureOut">
               <a:rPr lang="en-US" smtClean="0"/>
               <a:pPr/>
-              <a:t>7/27/2016</a:t>
+              <a:t>7/28/2016</a:t>
             </a:fld>
             <a:endParaRPr lang="en-US" dirty="0"/>
           </a:p>
@@ -4608,7 +4541,7 @@
             <a:fld id="{96DFF08F-DC6B-4601-B491-B0F83F6DD2DA}" type="datetimeFigureOut">
               <a:rPr lang="en-US" smtClean="0"/>
               <a:pPr/>
-              <a:t>7/27/2016</a:t>
+              <a:t>7/28/2016</a:t>
             </a:fld>
             <a:endParaRPr lang="en-US" dirty="0"/>
           </a:p>
@@ -4904,7 +4837,7 @@
             <a:fld id="{96DFF08F-DC6B-4601-B491-B0F83F6DD2DA}" type="datetimeFigureOut">
               <a:rPr lang="en-US" smtClean="0"/>
               <a:pPr/>
-              <a:t>7/27/2016</a:t>
+              <a:t>7/28/2016</a:t>
             </a:fld>
             <a:endParaRPr lang="en-US" dirty="0"/>
           </a:p>
@@ -5121,7 +5054,7 @@
             <a:fld id="{96DFF08F-DC6B-4601-B491-B0F83F6DD2DA}" type="datetimeFigureOut">
               <a:rPr lang="en-US" smtClean="0"/>
               <a:pPr/>
-              <a:t>7/27/2016</a:t>
+              <a:t>7/28/2016</a:t>
             </a:fld>
             <a:endParaRPr lang="en-US" dirty="0"/>
           </a:p>
@@ -5473,7 +5406,7 @@
             <a:fld id="{96DFF08F-DC6B-4601-B491-B0F83F6DD2DA}" type="datetimeFigureOut">
               <a:rPr lang="en-US" smtClean="0"/>
               <a:pPr/>
-              <a:t>7/27/2016</a:t>
+              <a:t>7/28/2016</a:t>
             </a:fld>
             <a:endParaRPr lang="en-US" dirty="0"/>
           </a:p>
@@ -5757,7 +5690,7 @@
             <a:fld id="{96DFF08F-DC6B-4601-B491-B0F83F6DD2DA}" type="datetimeFigureOut">
               <a:rPr lang="en-US" smtClean="0"/>
               <a:pPr/>
-              <a:t>7/27/2016</a:t>
+              <a:t>7/28/2016</a:t>
             </a:fld>
             <a:endParaRPr lang="en-US" dirty="0"/>
           </a:p>
@@ -6145,7 +6078,7 @@
             <a:fld id="{96DFF08F-DC6B-4601-B491-B0F83F6DD2DA}" type="datetimeFigureOut">
               <a:rPr lang="en-US" smtClean="0"/>
               <a:pPr/>
-              <a:t>7/27/2016</a:t>
+              <a:t>7/28/2016</a:t>
             </a:fld>
             <a:endParaRPr lang="en-US" dirty="0"/>
           </a:p>
@@ -6272,7 +6205,7 @@
             <a:fld id="{96DFF08F-DC6B-4601-B491-B0F83F6DD2DA}" type="datetimeFigureOut">
               <a:rPr lang="en-US" smtClean="0"/>
               <a:pPr/>
-              <a:t>7/27/2016</a:t>
+              <a:t>7/28/2016</a:t>
             </a:fld>
             <a:endParaRPr lang="en-US" dirty="0"/>
           </a:p>
@@ -6452,7 +6385,7 @@
             <a:fld id="{96DFF08F-DC6B-4601-B491-B0F83F6DD2DA}" type="datetimeFigureOut">
               <a:rPr lang="en-US" smtClean="0"/>
               <a:pPr/>
-              <a:t>7/27/2016</a:t>
+              <a:t>7/28/2016</a:t>
             </a:fld>
             <a:endParaRPr lang="en-US" dirty="0"/>
           </a:p>
@@ -6640,7 +6573,7 @@
             <a:fld id="{96DFF08F-DC6B-4601-B491-B0F83F6DD2DA}" type="datetimeFigureOut">
               <a:rPr lang="en-US" smtClean="0"/>
               <a:pPr/>
-              <a:t>7/27/2016</a:t>
+              <a:t>7/28/2016</a:t>
             </a:fld>
             <a:endParaRPr lang="en-US" dirty="0"/>
           </a:p>
@@ -6959,7 +6892,7 @@
             <a:fld id="{96DFF08F-DC6B-4601-B491-B0F83F6DD2DA}" type="datetimeFigureOut">
               <a:rPr lang="en-US" smtClean="0"/>
               <a:pPr/>
-              <a:t>7/27/2016</a:t>
+              <a:t>7/28/2016</a:t>
             </a:fld>
             <a:endParaRPr lang="en-US" dirty="0"/>
           </a:p>
@@ -7714,7 +7647,7 @@
             <a:fld id="{96DFF08F-DC6B-4601-B491-B0F83F6DD2DA}" type="datetimeFigureOut">
               <a:rPr lang="en-US" smtClean="0"/>
               <a:pPr/>
-              <a:t>7/27/2016</a:t>
+              <a:t>7/28/2016</a:t>
             </a:fld>
             <a:endParaRPr lang="en-US" dirty="0"/>
           </a:p>
@@ -8578,7 +8511,7 @@
                                           </p:stCondLst>
                                         </p:cTn>
                                         <p:tgtEl>
-                                          <p:spTgt spid="6"/>
+                                          <p:spTgt spid="4"/>
                                         </p:tgtEl>
                                         <p:attrNameLst>
                                           <p:attrName>style.visibility</p:attrName>
@@ -8605,7 +8538,7 @@
                                           </p:stCondLst>
                                         </p:cTn>
                                         <p:tgtEl>
-                                          <p:spTgt spid="4"/>
+                                          <p:spTgt spid="6"/>
                                         </p:tgtEl>
                                         <p:attrNameLst>
                                           <p:attrName>style.visibility</p:attrName>
@@ -8823,6 +8756,54 @@
           </a:prstGeom>
         </p:spPr>
       </p:pic>
+      <p:sp>
+        <p:nvSpPr>
+          <p:cNvPr id="11" name="Oval 10"/>
+          <p:cNvSpPr/>
+          <p:nvPr/>
+        </p:nvSpPr>
+        <p:spPr>
+          <a:xfrm>
+            <a:off x="8793125" y="2915920"/>
+            <a:ext cx="2230475" cy="223520"/>
+          </a:xfrm>
+          <a:prstGeom prst="ellipse">
+            <a:avLst/>
+          </a:prstGeom>
+          <a:noFill/>
+          <a:ln>
+            <a:solidFill>
+              <a:schemeClr val="tx1"/>
+            </a:solidFill>
+          </a:ln>
+        </p:spPr>
+        <p:style>
+          <a:lnRef idx="2">
+            <a:schemeClr val="accent1">
+              <a:shade val="50000"/>
+            </a:schemeClr>
+          </a:lnRef>
+          <a:fillRef idx="1">
+            <a:schemeClr val="accent1"/>
+          </a:fillRef>
+          <a:effectRef idx="0">
+            <a:schemeClr val="accent1"/>
+          </a:effectRef>
+          <a:fontRef idx="minor">
+            <a:schemeClr val="lt1"/>
+          </a:fontRef>
+        </p:style>
+        <p:txBody>
+          <a:bodyPr rtlCol="0" anchor="ctr"/>
+          <a:lstStyle/>
+          <a:p>
+            <a:pPr algn="ctr"/>
+            <a:endParaRPr lang="pt-PT">
+              <a:noFill/>
+            </a:endParaRPr>
+          </a:p>
+        </p:txBody>
+      </p:sp>
     </p:spTree>
     <p:extLst>
       <p:ext uri="{BB962C8B-B14F-4D97-AF65-F5344CB8AC3E}">
@@ -8836,9 +8817,107 @@
   <p:timing>
     <p:tnLst>
       <p:par>
-        <p:cTn id="1" dur="indefinite" restart="never" nodeType="tmRoot"/>
+        <p:cTn id="1" dur="indefinite" restart="never" nodeType="tmRoot">
+          <p:childTnLst>
+            <p:seq concurrent="1" nextAc="seek">
+              <p:cTn id="2" dur="indefinite" nodeType="mainSeq">
+                <p:childTnLst>
+                  <p:par>
+                    <p:cTn id="3" fill="hold">
+                      <p:stCondLst>
+                        <p:cond delay="indefinite"/>
+                      </p:stCondLst>
+                      <p:childTnLst>
+                        <p:par>
+                          <p:cTn id="4" fill="hold">
+                            <p:stCondLst>
+                              <p:cond delay="0"/>
+                            </p:stCondLst>
+                            <p:childTnLst>
+                              <p:par>
+                                <p:cTn id="5" presetID="1" presetClass="entr" presetSubtype="0" fill="hold" nodeType="clickEffect">
+                                  <p:stCondLst>
+                                    <p:cond delay="0"/>
+                                  </p:stCondLst>
+                                  <p:childTnLst>
+                                    <p:set>
+                                      <p:cBhvr>
+                                        <p:cTn id="6" dur="1" fill="hold">
+                                          <p:stCondLst>
+                                            <p:cond delay="0"/>
+                                          </p:stCondLst>
+                                        </p:cTn>
+                                        <p:tgtEl>
+                                          <p:spTgt spid="3"/>
+                                        </p:tgtEl>
+                                        <p:attrNameLst>
+                                          <p:attrName>style.visibility</p:attrName>
+                                        </p:attrNameLst>
+                                      </p:cBhvr>
+                                      <p:to>
+                                        <p:strVal val="visible"/>
+                                      </p:to>
+                                    </p:set>
+                                  </p:childTnLst>
+                                </p:cTn>
+                              </p:par>
+                              <p:par>
+                                <p:cTn id="7" presetID="1" presetClass="entr" presetSubtype="0" fill="hold" grpId="0" nodeType="withEffect">
+                                  <p:stCondLst>
+                                    <p:cond delay="0"/>
+                                  </p:stCondLst>
+                                  <p:childTnLst>
+                                    <p:set>
+                                      <p:cBhvr>
+                                        <p:cTn id="8" dur="1" fill="hold">
+                                          <p:stCondLst>
+                                            <p:cond delay="0"/>
+                                          </p:stCondLst>
+                                        </p:cTn>
+                                        <p:tgtEl>
+                                          <p:spTgt spid="11"/>
+                                        </p:tgtEl>
+                                        <p:attrNameLst>
+                                          <p:attrName>style.visibility</p:attrName>
+                                        </p:attrNameLst>
+                                      </p:cBhvr>
+                                      <p:to>
+                                        <p:strVal val="visible"/>
+                                      </p:to>
+                                    </p:set>
+                                  </p:childTnLst>
+                                </p:cTn>
+                              </p:par>
+                            </p:childTnLst>
+                          </p:cTn>
+                        </p:par>
+                      </p:childTnLst>
+                    </p:cTn>
+                  </p:par>
+                </p:childTnLst>
+              </p:cTn>
+              <p:prevCondLst>
+                <p:cond evt="onPrev" delay="0">
+                  <p:tgtEl>
+                    <p:sldTgt/>
+                  </p:tgtEl>
+                </p:cond>
+              </p:prevCondLst>
+              <p:nextCondLst>
+                <p:cond evt="onNext" delay="0">
+                  <p:tgtEl>
+                    <p:sldTgt/>
+                  </p:tgtEl>
+                </p:cond>
+              </p:nextCondLst>
+            </p:seq>
+          </p:childTnLst>
+        </p:cTn>
       </p:par>
     </p:tnLst>
+    <p:bldLst>
+      <p:bldP spid="11" grpId="0" animBg="1"/>
+    </p:bldLst>
   </p:timing>
 </p:sld>
 </file>
@@ -9001,6 +9080,80 @@
           </a:xfrm>
         </p:spPr>
       </p:pic>
+      <p:sp>
+        <p:nvSpPr>
+          <p:cNvPr id="2" name="CaixaDeTexto 1"/>
+          <p:cNvSpPr txBox="1"/>
+          <p:nvPr/>
+        </p:nvSpPr>
+        <p:spPr>
+          <a:xfrm>
+            <a:off x="7437120" y="4399280"/>
+            <a:ext cx="2651760" cy="369332"/>
+          </a:xfrm>
+          <a:prstGeom prst="rect">
+            <a:avLst/>
+          </a:prstGeom>
+          <a:noFill/>
+          <a:ln>
+            <a:solidFill>
+              <a:schemeClr val="tx1"/>
+            </a:solidFill>
+            <a:prstDash val="lgDash"/>
+          </a:ln>
+        </p:spPr>
+        <p:txBody>
+          <a:bodyPr wrap="square" rtlCol="0">
+            <a:spAutoFit/>
+          </a:bodyPr>
+          <a:lstStyle/>
+          <a:p>
+            <a:pPr algn="ctr"/>
+            <a:r>
+              <a:rPr lang="pt-PT" dirty="0" smtClean="0"/>
+              <a:t>Criação e registo do estilo</a:t>
+            </a:r>
+            <a:endParaRPr lang="pt-PT" dirty="0"/>
+          </a:p>
+        </p:txBody>
+      </p:sp>
+      <p:sp>
+        <p:nvSpPr>
+          <p:cNvPr id="5" name="CaixaDeTexto 4"/>
+          <p:cNvSpPr txBox="1"/>
+          <p:nvPr/>
+        </p:nvSpPr>
+        <p:spPr>
+          <a:xfrm>
+            <a:off x="6766560" y="3190240"/>
+            <a:ext cx="3474720" cy="369332"/>
+          </a:xfrm>
+          <a:prstGeom prst="rect">
+            <a:avLst/>
+          </a:prstGeom>
+          <a:noFill/>
+          <a:ln>
+            <a:solidFill>
+              <a:schemeClr val="tx1"/>
+            </a:solidFill>
+            <a:prstDash val="lgDash"/>
+          </a:ln>
+        </p:spPr>
+        <p:txBody>
+          <a:bodyPr wrap="square" rtlCol="0">
+            <a:spAutoFit/>
+          </a:bodyPr>
+          <a:lstStyle/>
+          <a:p>
+            <a:pPr algn="ctr"/>
+            <a:r>
+              <a:rPr lang="pt-PT" dirty="0" smtClean="0"/>
+              <a:t>Configuração  de todos os estilos</a:t>
+            </a:r>
+            <a:endParaRPr lang="pt-PT" dirty="0"/>
+          </a:p>
+        </p:txBody>
+      </p:sp>
     </p:spTree>
     <p:extLst>
       <p:ext uri="{BB962C8B-B14F-4D97-AF65-F5344CB8AC3E}">
@@ -9014,9 +9167,126 @@
   <p:timing>
     <p:tnLst>
       <p:par>
-        <p:cTn id="1" dur="indefinite" restart="never" nodeType="tmRoot"/>
+        <p:cTn id="1" dur="indefinite" restart="never" nodeType="tmRoot">
+          <p:childTnLst>
+            <p:seq concurrent="1" nextAc="seek">
+              <p:cTn id="2" dur="indefinite" nodeType="mainSeq">
+                <p:childTnLst>
+                  <p:par>
+                    <p:cTn id="3" fill="hold">
+                      <p:stCondLst>
+                        <p:cond delay="indefinite"/>
+                      </p:stCondLst>
+                      <p:childTnLst>
+                        <p:par>
+                          <p:cTn id="4" fill="hold">
+                            <p:stCondLst>
+                              <p:cond delay="0"/>
+                            </p:stCondLst>
+                            <p:childTnLst>
+                              <p:par>
+                                <p:cTn id="5" presetID="1" presetClass="entr" presetSubtype="0" fill="hold" grpId="0" nodeType="clickEffect">
+                                  <p:stCondLst>
+                                    <p:cond delay="0"/>
+                                  </p:stCondLst>
+                                  <p:childTnLst>
+                                    <p:set>
+                                      <p:cBhvr>
+                                        <p:cTn id="6" dur="1" fill="hold">
+                                          <p:stCondLst>
+                                            <p:cond delay="0"/>
+                                          </p:stCondLst>
+                                        </p:cTn>
+                                        <p:tgtEl>
+                                          <p:spTgt spid="5"/>
+                                        </p:tgtEl>
+                                        <p:attrNameLst>
+                                          <p:attrName>style.visibility</p:attrName>
+                                        </p:attrNameLst>
+                                      </p:cBhvr>
+                                      <p:to>
+                                        <p:strVal val="visible"/>
+                                      </p:to>
+                                    </p:set>
+                                  </p:childTnLst>
+                                </p:cTn>
+                              </p:par>
+                            </p:childTnLst>
+                          </p:cTn>
+                        </p:par>
+                      </p:childTnLst>
+                    </p:cTn>
+                  </p:par>
+                  <p:par>
+                    <p:cTn id="7" fill="hold">
+                      <p:stCondLst>
+                        <p:cond delay="indefinite"/>
+                      </p:stCondLst>
+                      <p:childTnLst>
+                        <p:par>
+                          <p:cTn id="8" fill="hold">
+                            <p:stCondLst>
+                              <p:cond delay="0"/>
+                            </p:stCondLst>
+                            <p:childTnLst>
+                              <p:par>
+                                <p:cTn id="9" presetID="1" presetClass="entr" presetSubtype="0" fill="hold" grpId="0" nodeType="clickEffect">
+                                  <p:stCondLst>
+                                    <p:cond delay="0"/>
+                                  </p:stCondLst>
+                                  <p:childTnLst>
+                                    <p:set>
+                                      <p:cBhvr>
+                                        <p:cTn id="10" dur="1" fill="hold">
+                                          <p:stCondLst>
+                                            <p:cond delay="0"/>
+                                          </p:stCondLst>
+                                        </p:cTn>
+                                        <p:tgtEl>
+                                          <p:spTgt spid="2"/>
+                                        </p:tgtEl>
+                                        <p:attrNameLst>
+                                          <p:attrName>style.visibility</p:attrName>
+                                        </p:attrNameLst>
+                                      </p:cBhvr>
+                                      <p:to>
+                                        <p:strVal val="visible"/>
+                                      </p:to>
+                                    </p:set>
+                                  </p:childTnLst>
+                                </p:cTn>
+                              </p:par>
+                            </p:childTnLst>
+                          </p:cTn>
+                        </p:par>
+                      </p:childTnLst>
+                    </p:cTn>
+                  </p:par>
+                </p:childTnLst>
+              </p:cTn>
+              <p:prevCondLst>
+                <p:cond evt="onPrev" delay="0">
+                  <p:tgtEl>
+                    <p:sldTgt/>
+                  </p:tgtEl>
+                </p:cond>
+              </p:prevCondLst>
+              <p:nextCondLst>
+                <p:cond evt="onNext" delay="0">
+                  <p:tgtEl>
+                    <p:sldTgt/>
+                  </p:tgtEl>
+                </p:cond>
+              </p:nextCondLst>
+            </p:seq>
+          </p:childTnLst>
+        </p:cTn>
       </p:par>
     </p:tnLst>
+    <p:bldLst>
+      <p:bldP spid="2" grpId="0" animBg="1"/>
+      <p:bldP spid="5" grpId="0" animBg="1"/>
+    </p:bldLst>
   </p:timing>
 </p:sld>
 </file>
@@ -9143,6 +9413,43 @@
           </a:prstGeom>
         </p:spPr>
       </p:pic>
+      <p:sp>
+        <p:nvSpPr>
+          <p:cNvPr id="2" name="CaixaDeTexto 1"/>
+          <p:cNvSpPr txBox="1"/>
+          <p:nvPr/>
+        </p:nvSpPr>
+        <p:spPr>
+          <a:xfrm>
+            <a:off x="8617796" y="3342640"/>
+            <a:ext cx="1767840" cy="923330"/>
+          </a:xfrm>
+          <a:prstGeom prst="rect">
+            <a:avLst/>
+          </a:prstGeom>
+          <a:noFill/>
+          <a:ln>
+            <a:solidFill>
+              <a:schemeClr val="tx1"/>
+            </a:solidFill>
+            <a:prstDash val="lgDash"/>
+          </a:ln>
+        </p:spPr>
+        <p:txBody>
+          <a:bodyPr wrap="square" rtlCol="0">
+            <a:spAutoFit/>
+          </a:bodyPr>
+          <a:lstStyle/>
+          <a:p>
+            <a:pPr algn="ctr"/>
+            <a:r>
+              <a:rPr lang="pt-PT" dirty="0" smtClean="0"/>
+              <a:t>Atribuição do estilo a cada regra gramatical</a:t>
+            </a:r>
+            <a:endParaRPr lang="pt-PT" dirty="0"/>
+          </a:p>
+        </p:txBody>
+      </p:sp>
     </p:spTree>
     <p:extLst>
       <p:ext uri="{BB962C8B-B14F-4D97-AF65-F5344CB8AC3E}">
@@ -9227,6 +9534,33 @@
                                   </p:childTnLst>
                                 </p:cTn>
                               </p:par>
+                              <p:par>
+                                <p:cTn id="9" presetID="1" presetClass="exit" presetSubtype="0" fill="hold" grpId="0" nodeType="withEffect">
+                                  <p:stCondLst>
+                                    <p:cond delay="0"/>
+                                  </p:stCondLst>
+                                  <p:childTnLst>
+                                    <p:set>
+                                      <p:cBhvr>
+                                        <p:cTn id="10" dur="1" fill="hold">
+                                          <p:stCondLst>
+                                            <p:cond delay="0"/>
+                                          </p:stCondLst>
+                                        </p:cTn>
+                                        <p:tgtEl>
+                                          <p:spTgt spid="2"/>
+                                        </p:tgtEl>
+                                        <p:attrNameLst>
+                                          <p:attrName>style.visibility</p:attrName>
+                                        </p:attrNameLst>
+                                      </p:cBhvr>
+                                      <p:to>
+                                        <p:strVal val="hidden"/>
+                                      </p:to>
+                                    </p:set>
+                                  </p:childTnLst>
+                                </p:cTn>
+                              </p:par>
                             </p:childTnLst>
                           </p:cTn>
                         </p:par>
@@ -9254,6 +9588,9 @@
         </p:cTn>
       </p:par>
     </p:tnLst>
+    <p:bldLst>
+      <p:bldP spid="2" grpId="0" animBg="1"/>
+    </p:bldLst>
   </p:timing>
 </p:sld>
 </file>
@@ -9398,11 +9735,141 @@
         </p:blipFill>
         <p:spPr>
           <a:xfrm>
-            <a:off x="3216201" y="1824998"/>
+            <a:off x="3216201" y="1855478"/>
             <a:ext cx="5759598" cy="4486218"/>
           </a:xfrm>
         </p:spPr>
       </p:pic>
+      <p:sp>
+        <p:nvSpPr>
+          <p:cNvPr id="3" name="CaixaDeTexto 2"/>
+          <p:cNvSpPr txBox="1"/>
+          <p:nvPr/>
+        </p:nvSpPr>
+        <p:spPr>
+          <a:xfrm>
+            <a:off x="8975799" y="3322320"/>
+            <a:ext cx="2550160" cy="646331"/>
+          </a:xfrm>
+          <a:prstGeom prst="rect">
+            <a:avLst/>
+          </a:prstGeom>
+          <a:noFill/>
+          <a:ln>
+            <a:solidFill>
+              <a:schemeClr val="tx1"/>
+            </a:solidFill>
+            <a:prstDash val="lgDash"/>
+          </a:ln>
+        </p:spPr>
+        <p:txBody>
+          <a:bodyPr wrap="square" rtlCol="0">
+            <a:spAutoFit/>
+          </a:bodyPr>
+          <a:lstStyle/>
+          <a:p>
+            <a:pPr algn="ctr"/>
+            <a:r>
+              <a:rPr lang="pt-PT" dirty="0" smtClean="0"/>
+              <a:t>Filtragem de elementos a apresentar no </a:t>
+            </a:r>
+            <a:r>
+              <a:rPr lang="pt-PT" i="1" dirty="0" err="1" smtClean="0"/>
+              <a:t>Outline</a:t>
+            </a:r>
+            <a:endParaRPr lang="pt-PT" i="1" dirty="0"/>
+          </a:p>
+        </p:txBody>
+      </p:sp>
+      <p:sp>
+        <p:nvSpPr>
+          <p:cNvPr id="5" name="CaixaDeTexto 4"/>
+          <p:cNvSpPr txBox="1"/>
+          <p:nvPr/>
+        </p:nvSpPr>
+        <p:spPr>
+          <a:xfrm>
+            <a:off x="8427159" y="5142807"/>
+            <a:ext cx="2550160" cy="646331"/>
+          </a:xfrm>
+          <a:prstGeom prst="rect">
+            <a:avLst/>
+          </a:prstGeom>
+          <a:noFill/>
+          <a:ln>
+            <a:solidFill>
+              <a:schemeClr val="tx1"/>
+            </a:solidFill>
+            <a:prstDash val="lgDash"/>
+          </a:ln>
+        </p:spPr>
+        <p:txBody>
+          <a:bodyPr wrap="square" rtlCol="0">
+            <a:spAutoFit/>
+          </a:bodyPr>
+          <a:lstStyle/>
+          <a:p>
+            <a:pPr algn="ctr"/>
+            <a:r>
+              <a:rPr lang="pt-PT" dirty="0" smtClean="0"/>
+              <a:t>Criação de um nó e adição á lista </a:t>
+            </a:r>
+            <a:r>
+              <a:rPr lang="pt-PT" i="1" dirty="0" err="1" smtClean="0"/>
+              <a:t>Outline</a:t>
+            </a:r>
+            <a:endParaRPr lang="pt-PT" i="1" dirty="0"/>
+          </a:p>
+        </p:txBody>
+      </p:sp>
+      <p:sp>
+        <p:nvSpPr>
+          <p:cNvPr id="6" name="Oval 5"/>
+          <p:cNvSpPr/>
+          <p:nvPr/>
+        </p:nvSpPr>
+        <p:spPr>
+          <a:xfrm>
+            <a:off x="5161281" y="5142806"/>
+            <a:ext cx="2379596" cy="252153"/>
+          </a:xfrm>
+          <a:prstGeom prst="ellipse">
+            <a:avLst/>
+          </a:prstGeom>
+          <a:noFill/>
+          <a:ln>
+            <a:solidFill>
+              <a:schemeClr val="tx1"/>
+            </a:solidFill>
+          </a:ln>
+        </p:spPr>
+        <p:style>
+          <a:lnRef idx="2">
+            <a:schemeClr val="accent1">
+              <a:shade val="50000"/>
+            </a:schemeClr>
+          </a:lnRef>
+          <a:fillRef idx="1">
+            <a:schemeClr val="accent1"/>
+          </a:fillRef>
+          <a:effectRef idx="0">
+            <a:schemeClr val="accent1"/>
+          </a:effectRef>
+          <a:fontRef idx="minor">
+            <a:schemeClr val="lt1"/>
+          </a:fontRef>
+        </p:style>
+        <p:txBody>
+          <a:bodyPr rtlCol="0" anchor="ctr"/>
+          <a:lstStyle/>
+          <a:p>
+            <a:pPr algn="ctr"/>
+            <a:endParaRPr lang="pt-PT">
+              <a:noFill/>
+            </a:endParaRPr>
+          </a:p>
+        </p:txBody>
+      </p:sp>
     </p:spTree>
     <p:extLst>
       <p:ext uri="{BB962C8B-B14F-4D97-AF65-F5344CB8AC3E}">
@@ -9416,9 +9883,172 @@
   <p:timing>
     <p:tnLst>
       <p:par>
-        <p:cTn id="1" dur="indefinite" restart="never" nodeType="tmRoot"/>
+        <p:cTn id="1" dur="indefinite" restart="never" nodeType="tmRoot">
+          <p:childTnLst>
+            <p:seq concurrent="1" nextAc="seek">
+              <p:cTn id="2" dur="indefinite" nodeType="mainSeq">
+                <p:childTnLst>
+                  <p:par>
+                    <p:cTn id="3" fill="hold">
+                      <p:stCondLst>
+                        <p:cond delay="indefinite"/>
+                      </p:stCondLst>
+                      <p:childTnLst>
+                        <p:par>
+                          <p:cTn id="4" fill="hold">
+                            <p:stCondLst>
+                              <p:cond delay="0"/>
+                            </p:stCondLst>
+                            <p:childTnLst>
+                              <p:par>
+                                <p:cTn id="5" presetID="1" presetClass="entr" presetSubtype="0" fill="hold" grpId="0" nodeType="clickEffect">
+                                  <p:stCondLst>
+                                    <p:cond delay="0"/>
+                                  </p:stCondLst>
+                                  <p:childTnLst>
+                                    <p:set>
+                                      <p:cBhvr>
+                                        <p:cTn id="6" dur="1" fill="hold">
+                                          <p:stCondLst>
+                                            <p:cond delay="0"/>
+                                          </p:stCondLst>
+                                        </p:cTn>
+                                        <p:tgtEl>
+                                          <p:spTgt spid="3"/>
+                                        </p:tgtEl>
+                                        <p:attrNameLst>
+                                          <p:attrName>style.visibility</p:attrName>
+                                        </p:attrNameLst>
+                                      </p:cBhvr>
+                                      <p:to>
+                                        <p:strVal val="visible"/>
+                                      </p:to>
+                                    </p:set>
+                                  </p:childTnLst>
+                                </p:cTn>
+                              </p:par>
+                            </p:childTnLst>
+                          </p:cTn>
+                        </p:par>
+                      </p:childTnLst>
+                    </p:cTn>
+                  </p:par>
+                  <p:par>
+                    <p:cTn id="7" fill="hold">
+                      <p:stCondLst>
+                        <p:cond delay="indefinite"/>
+                      </p:stCondLst>
+                      <p:childTnLst>
+                        <p:par>
+                          <p:cTn id="8" fill="hold">
+                            <p:stCondLst>
+                              <p:cond delay="0"/>
+                            </p:stCondLst>
+                            <p:childTnLst>
+                              <p:par>
+                                <p:cTn id="9" presetID="1" presetClass="entr" presetSubtype="0" fill="hold" grpId="0" nodeType="clickEffect">
+                                  <p:stCondLst>
+                                    <p:cond delay="0"/>
+                                  </p:stCondLst>
+                                  <p:childTnLst>
+                                    <p:set>
+                                      <p:cBhvr>
+                                        <p:cTn id="10" dur="1" fill="hold">
+                                          <p:stCondLst>
+                                            <p:cond delay="0"/>
+                                          </p:stCondLst>
+                                        </p:cTn>
+                                        <p:tgtEl>
+                                          <p:spTgt spid="5"/>
+                                        </p:tgtEl>
+                                        <p:attrNameLst>
+                                          <p:attrName>style.visibility</p:attrName>
+                                        </p:attrNameLst>
+                                      </p:cBhvr>
+                                      <p:to>
+                                        <p:strVal val="visible"/>
+                                      </p:to>
+                                    </p:set>
+                                  </p:childTnLst>
+                                </p:cTn>
+                              </p:par>
+                            </p:childTnLst>
+                          </p:cTn>
+                        </p:par>
+                      </p:childTnLst>
+                    </p:cTn>
+                  </p:par>
+                  <p:par>
+                    <p:cTn id="11" fill="hold">
+                      <p:stCondLst>
+                        <p:cond delay="indefinite"/>
+                      </p:stCondLst>
+                      <p:childTnLst>
+                        <p:par>
+                          <p:cTn id="12" fill="hold">
+                            <p:stCondLst>
+                              <p:cond delay="0"/>
+                            </p:stCondLst>
+                            <p:childTnLst>
+                              <p:par>
+                                <p:cTn id="13" presetID="1" presetClass="entr" presetSubtype="0" fill="hold" grpId="0" nodeType="clickEffect">
+                                  <p:stCondLst>
+                                    <p:cond delay="0"/>
+                                  </p:stCondLst>
+                                  <p:childTnLst>
+                                    <p:set>
+                                      <p:cBhvr>
+                                        <p:cTn id="14" dur="1" fill="hold">
+                                          <p:stCondLst>
+                                            <p:cond delay="0"/>
+                                          </p:stCondLst>
+                                        </p:cTn>
+                                        <p:tgtEl>
+                                          <p:spTgt spid="6"/>
+                                        </p:tgtEl>
+                                        <p:attrNameLst>
+                                          <p:attrName>style.visibility</p:attrName>
+                                        </p:attrNameLst>
+                                      </p:cBhvr>
+                                      <p:to>
+                                        <p:strVal val="visible"/>
+                                      </p:to>
+                                    </p:set>
+                                  </p:childTnLst>
+                                </p:cTn>
+                              </p:par>
+                            </p:childTnLst>
+                          </p:cTn>
+                        </p:par>
+                      </p:childTnLst>
+                    </p:cTn>
+                  </p:par>
+                </p:childTnLst>
+              </p:cTn>
+              <p:prevCondLst>
+                <p:cond evt="onPrev" delay="0">
+                  <p:tgtEl>
+                    <p:sldTgt/>
+                  </p:tgtEl>
+                </p:cond>
+              </p:prevCondLst>
+              <p:nextCondLst>
+                <p:cond evt="onNext" delay="0">
+                  <p:tgtEl>
+                    <p:sldTgt/>
+                  </p:tgtEl>
+                </p:cond>
+              </p:nextCondLst>
+            </p:seq>
+          </p:childTnLst>
+        </p:cTn>
       </p:par>
     </p:tnLst>
+    <p:bldLst>
+      <p:bldP spid="3" grpId="0" animBg="1"/>
+      <p:bldP spid="5" grpId="0" animBg="1"/>
+      <p:bldP spid="6" grpId="0" animBg="1"/>
+    </p:bldLst>
   </p:timing>
 </p:sld>
 </file>
@@ -10121,6 +10751,280 @@
           </a:xfrm>
         </p:spPr>
       </p:pic>
+      <p:sp>
+        <p:nvSpPr>
+          <p:cNvPr id="3" name="CaixaDeTexto 2"/>
+          <p:cNvSpPr txBox="1"/>
+          <p:nvPr/>
+        </p:nvSpPr>
+        <p:spPr>
+          <a:xfrm>
+            <a:off x="8808549" y="2235215"/>
+            <a:ext cx="2339340" cy="646331"/>
+          </a:xfrm>
+          <a:prstGeom prst="rect">
+            <a:avLst/>
+          </a:prstGeom>
+          <a:noFill/>
+          <a:ln>
+            <a:solidFill>
+              <a:schemeClr val="tx1"/>
+            </a:solidFill>
+            <a:prstDash val="lgDash"/>
+          </a:ln>
+        </p:spPr>
+        <p:txBody>
+          <a:bodyPr wrap="square" rtlCol="0">
+            <a:spAutoFit/>
+          </a:bodyPr>
+          <a:lstStyle/>
+          <a:p>
+            <a:pPr algn="ctr"/>
+            <a:r>
+              <a:rPr lang="pt-PT" dirty="0" smtClean="0"/>
+              <a:t>Verificar a existência do elemento “.</a:t>
+            </a:r>
+            <a:r>
+              <a:rPr lang="pt-PT" dirty="0" err="1" smtClean="0"/>
+              <a:t>end</a:t>
+            </a:r>
+            <a:r>
+              <a:rPr lang="pt-PT" dirty="0" smtClean="0"/>
+              <a:t>”</a:t>
+            </a:r>
+            <a:endParaRPr lang="pt-PT" dirty="0"/>
+          </a:p>
+        </p:txBody>
+      </p:sp>
+      <p:sp>
+        <p:nvSpPr>
+          <p:cNvPr id="6" name="CaixaDeTexto 5"/>
+          <p:cNvSpPr txBox="1"/>
+          <p:nvPr/>
+        </p:nvSpPr>
+        <p:spPr>
+          <a:xfrm>
+            <a:off x="8557089" y="3302396"/>
+            <a:ext cx="2842260" cy="369332"/>
+          </a:xfrm>
+          <a:prstGeom prst="rect">
+            <a:avLst/>
+          </a:prstGeom>
+          <a:noFill/>
+          <a:ln>
+            <a:solidFill>
+              <a:schemeClr val="tx1"/>
+            </a:solidFill>
+            <a:prstDash val="lgDash"/>
+          </a:ln>
+        </p:spPr>
+        <p:txBody>
+          <a:bodyPr wrap="square" rtlCol="0">
+            <a:spAutoFit/>
+          </a:bodyPr>
+          <a:lstStyle/>
+          <a:p>
+            <a:pPr algn="ctr"/>
+            <a:r>
+              <a:rPr lang="pt-PT" dirty="0" smtClean="0"/>
+              <a:t>Execução do assemblador</a:t>
+            </a:r>
+          </a:p>
+        </p:txBody>
+      </p:sp>
+      <p:sp>
+        <p:nvSpPr>
+          <p:cNvPr id="7" name="CaixaDeTexto 6"/>
+          <p:cNvSpPr txBox="1"/>
+          <p:nvPr/>
+        </p:nvSpPr>
+        <p:spPr>
+          <a:xfrm>
+            <a:off x="8941899" y="4187434"/>
+            <a:ext cx="2072640" cy="369332"/>
+          </a:xfrm>
+          <a:prstGeom prst="rect">
+            <a:avLst/>
+          </a:prstGeom>
+          <a:noFill/>
+          <a:ln>
+            <a:solidFill>
+              <a:schemeClr val="tx1"/>
+            </a:solidFill>
+            <a:prstDash val="lgDash"/>
+          </a:ln>
+        </p:spPr>
+        <p:txBody>
+          <a:bodyPr wrap="square" rtlCol="0">
+            <a:spAutoFit/>
+          </a:bodyPr>
+          <a:lstStyle/>
+          <a:p>
+            <a:pPr algn="ctr"/>
+            <a:r>
+              <a:rPr lang="pt-PT" dirty="0"/>
+              <a:t>Conversão de </a:t>
+            </a:r>
+            <a:r>
+              <a:rPr lang="pt-PT" dirty="0" smtClean="0"/>
+              <a:t>erros</a:t>
+            </a:r>
+            <a:endParaRPr lang="pt-PT" dirty="0"/>
+          </a:p>
+        </p:txBody>
+      </p:sp>
+      <p:sp>
+        <p:nvSpPr>
+          <p:cNvPr id="8" name="CaixaDeTexto 7"/>
+          <p:cNvSpPr txBox="1"/>
+          <p:nvPr/>
+        </p:nvSpPr>
+        <p:spPr>
+          <a:xfrm>
+            <a:off x="8854269" y="5138781"/>
+            <a:ext cx="2247900" cy="369332"/>
+          </a:xfrm>
+          <a:prstGeom prst="rect">
+            <a:avLst/>
+          </a:prstGeom>
+          <a:noFill/>
+          <a:ln>
+            <a:solidFill>
+              <a:schemeClr val="tx1"/>
+            </a:solidFill>
+            <a:prstDash val="lgDash"/>
+          </a:ln>
+        </p:spPr>
+        <p:txBody>
+          <a:bodyPr wrap="square" rtlCol="0">
+            <a:spAutoFit/>
+          </a:bodyPr>
+          <a:lstStyle/>
+          <a:p>
+            <a:pPr algn="ctr"/>
+            <a:r>
+              <a:rPr lang="pt-PT" dirty="0"/>
+              <a:t>Marcação de </a:t>
+            </a:r>
+            <a:r>
+              <a:rPr lang="pt-PT" dirty="0" smtClean="0"/>
+              <a:t>erros</a:t>
+            </a:r>
+            <a:endParaRPr lang="pt-PT" dirty="0"/>
+          </a:p>
+        </p:txBody>
+      </p:sp>
+      <p:cxnSp>
+        <p:nvCxnSpPr>
+          <p:cNvPr id="9" name="Conexão reta unidirecional 8"/>
+          <p:cNvCxnSpPr>
+            <a:stCxn id="3" idx="2"/>
+            <a:endCxn id="6" idx="0"/>
+          </p:cNvCxnSpPr>
+          <p:nvPr/>
+        </p:nvCxnSpPr>
+        <p:spPr>
+          <a:xfrm>
+            <a:off x="9978219" y="2881546"/>
+            <a:ext cx="0" cy="420850"/>
+          </a:xfrm>
+          <a:prstGeom prst="straightConnector1">
+            <a:avLst/>
+          </a:prstGeom>
+          <a:ln w="50800">
+            <a:tailEnd type="triangle"/>
+          </a:ln>
+          <a:effectLst/>
+        </p:spPr>
+        <p:style>
+          <a:lnRef idx="3">
+            <a:schemeClr val="dk1"/>
+          </a:lnRef>
+          <a:fillRef idx="0">
+            <a:schemeClr val="dk1"/>
+          </a:fillRef>
+          <a:effectRef idx="2">
+            <a:schemeClr val="dk1"/>
+          </a:effectRef>
+          <a:fontRef idx="minor">
+            <a:schemeClr val="tx1"/>
+          </a:fontRef>
+        </p:style>
+      </p:cxnSp>
+      <p:cxnSp>
+        <p:nvCxnSpPr>
+          <p:cNvPr id="12" name="Conexão reta unidirecional 11"/>
+          <p:cNvCxnSpPr>
+            <a:stCxn id="6" idx="2"/>
+            <a:endCxn id="7" idx="0"/>
+          </p:cNvCxnSpPr>
+          <p:nvPr/>
+        </p:nvCxnSpPr>
+        <p:spPr>
+          <a:xfrm>
+            <a:off x="9978219" y="3671728"/>
+            <a:ext cx="0" cy="515706"/>
+          </a:xfrm>
+          <a:prstGeom prst="straightConnector1">
+            <a:avLst/>
+          </a:prstGeom>
+          <a:ln w="50800">
+            <a:tailEnd type="triangle"/>
+          </a:ln>
+          <a:effectLst/>
+        </p:spPr>
+        <p:style>
+          <a:lnRef idx="3">
+            <a:schemeClr val="dk1"/>
+          </a:lnRef>
+          <a:fillRef idx="0">
+            <a:schemeClr val="dk1"/>
+          </a:fillRef>
+          <a:effectRef idx="2">
+            <a:schemeClr val="dk1"/>
+          </a:effectRef>
+          <a:fontRef idx="minor">
+            <a:schemeClr val="tx1"/>
+          </a:fontRef>
+        </p:style>
+      </p:cxnSp>
+      <p:cxnSp>
+        <p:nvCxnSpPr>
+          <p:cNvPr id="15" name="Conexão reta unidirecional 14"/>
+          <p:cNvCxnSpPr>
+            <a:stCxn id="7" idx="2"/>
+            <a:endCxn id="8" idx="0"/>
+          </p:cNvCxnSpPr>
+          <p:nvPr/>
+        </p:nvCxnSpPr>
+        <p:spPr>
+          <a:xfrm>
+            <a:off x="9978219" y="4556766"/>
+            <a:ext cx="0" cy="582015"/>
+          </a:xfrm>
+          <a:prstGeom prst="straightConnector1">
+            <a:avLst/>
+          </a:prstGeom>
+          <a:ln w="50800">
+            <a:tailEnd type="triangle"/>
+          </a:ln>
+          <a:effectLst/>
+        </p:spPr>
+        <p:style>
+          <a:lnRef idx="3">
+            <a:schemeClr val="dk1"/>
+          </a:lnRef>
+          <a:fillRef idx="0">
+            <a:schemeClr val="dk1"/>
+          </a:fillRef>
+          <a:effectRef idx="2">
+            <a:schemeClr val="dk1"/>
+          </a:effectRef>
+          <a:fontRef idx="minor">
+            <a:schemeClr val="tx1"/>
+          </a:fontRef>
+        </p:style>
+      </p:cxnSp>
     </p:spTree>
     <p:extLst>
       <p:ext uri="{BB962C8B-B14F-4D97-AF65-F5344CB8AC3E}">
@@ -10134,9 +11038,299 @@
   <p:timing>
     <p:tnLst>
       <p:par>
-        <p:cTn id="1" dur="indefinite" restart="never" nodeType="tmRoot"/>
+        <p:cTn id="1" dur="indefinite" restart="never" nodeType="tmRoot">
+          <p:childTnLst>
+            <p:seq concurrent="1" nextAc="seek">
+              <p:cTn id="2" dur="indefinite" nodeType="mainSeq">
+                <p:childTnLst>
+                  <p:par>
+                    <p:cTn id="3" fill="hold">
+                      <p:stCondLst>
+                        <p:cond delay="indefinite"/>
+                      </p:stCondLst>
+                      <p:childTnLst>
+                        <p:par>
+                          <p:cTn id="4" fill="hold">
+                            <p:stCondLst>
+                              <p:cond delay="0"/>
+                            </p:stCondLst>
+                            <p:childTnLst>
+                              <p:par>
+                                <p:cTn id="5" presetID="1" presetClass="entr" presetSubtype="0" fill="hold" grpId="0" nodeType="clickEffect">
+                                  <p:stCondLst>
+                                    <p:cond delay="0"/>
+                                  </p:stCondLst>
+                                  <p:childTnLst>
+                                    <p:set>
+                                      <p:cBhvr>
+                                        <p:cTn id="6" dur="1" fill="hold">
+                                          <p:stCondLst>
+                                            <p:cond delay="0"/>
+                                          </p:stCondLst>
+                                        </p:cTn>
+                                        <p:tgtEl>
+                                          <p:spTgt spid="3"/>
+                                        </p:tgtEl>
+                                        <p:attrNameLst>
+                                          <p:attrName>style.visibility</p:attrName>
+                                        </p:attrNameLst>
+                                      </p:cBhvr>
+                                      <p:to>
+                                        <p:strVal val="visible"/>
+                                      </p:to>
+                                    </p:set>
+                                  </p:childTnLst>
+                                </p:cTn>
+                              </p:par>
+                            </p:childTnLst>
+                          </p:cTn>
+                        </p:par>
+                      </p:childTnLst>
+                    </p:cTn>
+                  </p:par>
+                  <p:par>
+                    <p:cTn id="7" fill="hold">
+                      <p:stCondLst>
+                        <p:cond delay="indefinite"/>
+                      </p:stCondLst>
+                      <p:childTnLst>
+                        <p:par>
+                          <p:cTn id="8" fill="hold">
+                            <p:stCondLst>
+                              <p:cond delay="0"/>
+                            </p:stCondLst>
+                            <p:childTnLst>
+                              <p:par>
+                                <p:cTn id="9" presetID="1" presetClass="entr" presetSubtype="0" fill="hold" nodeType="clickEffect">
+                                  <p:stCondLst>
+                                    <p:cond delay="0"/>
+                                  </p:stCondLst>
+                                  <p:childTnLst>
+                                    <p:set>
+                                      <p:cBhvr>
+                                        <p:cTn id="10" dur="1" fill="hold">
+                                          <p:stCondLst>
+                                            <p:cond delay="0"/>
+                                          </p:stCondLst>
+                                        </p:cTn>
+                                        <p:tgtEl>
+                                          <p:spTgt spid="9"/>
+                                        </p:tgtEl>
+                                        <p:attrNameLst>
+                                          <p:attrName>style.visibility</p:attrName>
+                                        </p:attrNameLst>
+                                      </p:cBhvr>
+                                      <p:to>
+                                        <p:strVal val="visible"/>
+                                      </p:to>
+                                    </p:set>
+                                  </p:childTnLst>
+                                </p:cTn>
+                              </p:par>
+                              <p:par>
+                                <p:cTn id="11" presetID="1" presetClass="entr" presetSubtype="0" fill="hold" grpId="0" nodeType="withEffect">
+                                  <p:stCondLst>
+                                    <p:cond delay="0"/>
+                                  </p:stCondLst>
+                                  <p:childTnLst>
+                                    <p:set>
+                                      <p:cBhvr>
+                                        <p:cTn id="12" dur="1" fill="hold">
+                                          <p:stCondLst>
+                                            <p:cond delay="0"/>
+                                          </p:stCondLst>
+                                        </p:cTn>
+                                        <p:tgtEl>
+                                          <p:spTgt spid="6"/>
+                                        </p:tgtEl>
+                                        <p:attrNameLst>
+                                          <p:attrName>style.visibility</p:attrName>
+                                        </p:attrNameLst>
+                                      </p:cBhvr>
+                                      <p:to>
+                                        <p:strVal val="visible"/>
+                                      </p:to>
+                                    </p:set>
+                                  </p:childTnLst>
+                                </p:cTn>
+                              </p:par>
+                            </p:childTnLst>
+                          </p:cTn>
+                        </p:par>
+                      </p:childTnLst>
+                    </p:cTn>
+                  </p:par>
+                  <p:par>
+                    <p:cTn id="13" fill="hold">
+                      <p:stCondLst>
+                        <p:cond delay="indefinite"/>
+                      </p:stCondLst>
+                      <p:childTnLst>
+                        <p:par>
+                          <p:cTn id="14" fill="hold">
+                            <p:stCondLst>
+                              <p:cond delay="0"/>
+                            </p:stCondLst>
+                            <p:childTnLst>
+                              <p:par>
+                                <p:cTn id="15" presetID="1" presetClass="entr" presetSubtype="0" fill="hold" nodeType="clickEffect">
+                                  <p:stCondLst>
+                                    <p:cond delay="0"/>
+                                  </p:stCondLst>
+                                  <p:childTnLst>
+                                    <p:set>
+                                      <p:cBhvr>
+                                        <p:cTn id="16" dur="1" fill="hold">
+                                          <p:stCondLst>
+                                            <p:cond delay="0"/>
+                                          </p:stCondLst>
+                                        </p:cTn>
+                                        <p:tgtEl>
+                                          <p:spTgt spid="12"/>
+                                        </p:tgtEl>
+                                        <p:attrNameLst>
+                                          <p:attrName>style.visibility</p:attrName>
+                                        </p:attrNameLst>
+                                      </p:cBhvr>
+                                      <p:to>
+                                        <p:strVal val="visible"/>
+                                      </p:to>
+                                    </p:set>
+                                  </p:childTnLst>
+                                </p:cTn>
+                              </p:par>
+                              <p:par>
+                                <p:cTn id="17" presetID="1" presetClass="entr" presetSubtype="0" fill="hold" grpId="0" nodeType="withEffect">
+                                  <p:stCondLst>
+                                    <p:cond delay="0"/>
+                                  </p:stCondLst>
+                                  <p:childTnLst>
+                                    <p:set>
+                                      <p:cBhvr>
+                                        <p:cTn id="18" dur="1" fill="hold">
+                                          <p:stCondLst>
+                                            <p:cond delay="0"/>
+                                          </p:stCondLst>
+                                        </p:cTn>
+                                        <p:tgtEl>
+                                          <p:spTgt spid="7"/>
+                                        </p:tgtEl>
+                                        <p:attrNameLst>
+                                          <p:attrName>style.visibility</p:attrName>
+                                        </p:attrNameLst>
+                                      </p:cBhvr>
+                                      <p:to>
+                                        <p:strVal val="visible"/>
+                                      </p:to>
+                                    </p:set>
+                                  </p:childTnLst>
+                                </p:cTn>
+                              </p:par>
+                            </p:childTnLst>
+                          </p:cTn>
+                        </p:par>
+                      </p:childTnLst>
+                    </p:cTn>
+                  </p:par>
+                  <p:par>
+                    <p:cTn id="19" fill="hold">
+                      <p:stCondLst>
+                        <p:cond delay="indefinite"/>
+                      </p:stCondLst>
+                      <p:childTnLst>
+                        <p:par>
+                          <p:cTn id="20" fill="hold">
+                            <p:stCondLst>
+                              <p:cond delay="0"/>
+                            </p:stCondLst>
+                            <p:childTnLst>
+                              <p:par>
+                                <p:cTn id="21" presetID="1" presetClass="entr" presetSubtype="0" fill="hold" nodeType="clickEffect">
+                                  <p:stCondLst>
+                                    <p:cond delay="0"/>
+                                  </p:stCondLst>
+                                  <p:childTnLst>
+                                    <p:set>
+                                      <p:cBhvr>
+                                        <p:cTn id="22" dur="1" fill="hold">
+                                          <p:stCondLst>
+                                            <p:cond delay="0"/>
+                                          </p:stCondLst>
+                                        </p:cTn>
+                                        <p:tgtEl>
+                                          <p:spTgt spid="15"/>
+                                        </p:tgtEl>
+                                        <p:attrNameLst>
+                                          <p:attrName>style.visibility</p:attrName>
+                                        </p:attrNameLst>
+                                      </p:cBhvr>
+                                      <p:to>
+                                        <p:strVal val="visible"/>
+                                      </p:to>
+                                    </p:set>
+                                  </p:childTnLst>
+                                </p:cTn>
+                              </p:par>
+                              <p:par>
+                                <p:cTn id="23" presetID="1" presetClass="entr" presetSubtype="0" fill="hold" grpId="0" nodeType="withEffect">
+                                  <p:stCondLst>
+                                    <p:cond delay="0"/>
+                                  </p:stCondLst>
+                                  <p:childTnLst>
+                                    <p:set>
+                                      <p:cBhvr>
+                                        <p:cTn id="24" dur="1" fill="hold">
+                                          <p:stCondLst>
+                                            <p:cond delay="0"/>
+                                          </p:stCondLst>
+                                        </p:cTn>
+                                        <p:tgtEl>
+                                          <p:spTgt spid="8"/>
+                                        </p:tgtEl>
+                                        <p:attrNameLst>
+                                          <p:attrName>style.visibility</p:attrName>
+                                        </p:attrNameLst>
+                                      </p:cBhvr>
+                                      <p:to>
+                                        <p:strVal val="visible"/>
+                                      </p:to>
+                                    </p:set>
+                                  </p:childTnLst>
+                                </p:cTn>
+                              </p:par>
+                            </p:childTnLst>
+                          </p:cTn>
+                        </p:par>
+                      </p:childTnLst>
+                    </p:cTn>
+                  </p:par>
+                </p:childTnLst>
+              </p:cTn>
+              <p:prevCondLst>
+                <p:cond evt="onPrev" delay="0">
+                  <p:tgtEl>
+                    <p:sldTgt/>
+                  </p:tgtEl>
+                </p:cond>
+              </p:prevCondLst>
+              <p:nextCondLst>
+                <p:cond evt="onNext" delay="0">
+                  <p:tgtEl>
+                    <p:sldTgt/>
+                  </p:tgtEl>
+                </p:cond>
+              </p:nextCondLst>
+            </p:seq>
+          </p:childTnLst>
+        </p:cTn>
       </p:par>
     </p:tnLst>
+    <p:bldLst>
+      <p:bldP spid="3" grpId="0" animBg="1"/>
+      <p:bldP spid="6" grpId="0" animBg="1"/>
+      <p:bldP spid="7" grpId="0" animBg="1"/>
+      <p:bldP spid="8" grpId="0" animBg="1"/>
+    </p:bldLst>
   </p:timing>
 </p:sld>
 </file>
@@ -10287,7 +11481,6 @@
               <a:rPr lang="pt-PT" sz="2600" dirty="0" smtClean="0"/>
               <a:t> Verificação de sintaxe e semântica; </a:t>
             </a:r>
-            <a:endParaRPr lang="pt-PT" sz="2600" dirty="0" smtClean="0"/>
           </a:p>
           <a:p>
             <a:pPr lvl="3">
@@ -10333,7 +11526,6 @@
               <a:rPr lang="pt-PT" sz="2600" i="1" dirty="0" smtClean="0"/>
               <a:t>; </a:t>
             </a:r>
-            <a:endParaRPr lang="pt-PT" sz="2600" i="1" dirty="0" smtClean="0"/>
           </a:p>
           <a:p>
             <a:pPr lvl="3">
@@ -10352,7 +11544,6 @@
               <a:rPr lang="pt-PT" sz="2600" i="1" dirty="0" smtClean="0"/>
               <a:t>;</a:t>
             </a:r>
-            <a:endParaRPr lang="pt-PT" sz="2600" i="1" dirty="0" smtClean="0"/>
           </a:p>
           <a:p>
             <a:pPr lvl="3">
@@ -10567,7 +11758,6 @@
               <a:rPr lang="pt-PT" sz="2600" dirty="0" smtClean="0"/>
               <a:t>Verificação de sintaxe e semântica;</a:t>
             </a:r>
-            <a:endParaRPr lang="pt-PT" sz="2600" dirty="0" smtClean="0"/>
           </a:p>
           <a:p>
             <a:pPr lvl="3">
@@ -10605,7 +11795,6 @@
               <a:rPr lang="pt-PT" sz="2600" i="1" dirty="0" smtClean="0"/>
               <a:t>;</a:t>
             </a:r>
-            <a:endParaRPr lang="pt-PT" sz="2600" i="1" dirty="0" smtClean="0"/>
           </a:p>
           <a:p>
             <a:pPr lvl="3">
@@ -10620,7 +11809,6 @@
               <a:rPr lang="pt-PT" sz="2600" i="1" dirty="0" smtClean="0"/>
               <a:t>;</a:t>
             </a:r>
-            <a:endParaRPr lang="pt-PT" sz="2600" i="1" dirty="0" smtClean="0"/>
           </a:p>
           <a:p>
             <a:pPr lvl="3">
@@ -11560,11 +12748,7 @@
             </a:r>
             <a:r>
               <a:rPr lang="pt-PT" b="1" dirty="0" smtClean="0"/>
-              <a:t> - Elementos da </a:t>
-            </a:r>
-            <a:r>
-              <a:rPr lang="pt-PT" b="1" dirty="0" smtClean="0"/>
-              <a:t>Sintaxe </a:t>
+              <a:t> - Elementos da Sintaxe </a:t>
             </a:r>
             <a:r>
               <a:rPr lang="pt-PT" b="1" dirty="0" err="1" smtClean="0"/>
@@ -11627,14 +12811,18 @@
           <a:lstStyle/>
           <a:p>
             <a:r>
+              <a:rPr lang="pt-PT" b="1" i="1" dirty="0" smtClean="0"/>
+              <a:t>Xtext -  </a:t>
+            </a:r>
+            <a:r>
               <a:rPr lang="pt-PT" b="1" i="1" dirty="0" err="1" smtClean="0"/>
-              <a:t>Xtext</a:t>
-            </a:r>
-            <a:r>
-              <a:rPr lang="pt-PT" b="1" dirty="0" smtClean="0"/>
-              <a:t> -  Definição das Regras</a:t>
-            </a:r>
-            <a:endParaRPr lang="pt-PT" b="1" dirty="0"/>
+              <a:t>Parser</a:t>
+            </a:r>
+            <a:r>
+              <a:rPr lang="pt-PT" b="1" i="1" dirty="0" smtClean="0"/>
+              <a:t> Rules</a:t>
+            </a:r>
+            <a:endParaRPr lang="pt-PT" b="1" i="1" dirty="0"/>
           </a:p>
         </p:txBody>
       </p:sp>
@@ -11662,7 +12850,7 @@
         </p:blipFill>
         <p:spPr>
           <a:xfrm>
-            <a:off x="1602606" y="2166377"/>
+            <a:off x="1097280" y="2166377"/>
             <a:ext cx="9047747" cy="3793796"/>
           </a:xfrm>
         </p:spPr>
@@ -11689,7 +12877,7 @@
         </p:blipFill>
         <p:spPr>
           <a:xfrm>
-            <a:off x="9269730" y="2166377"/>
+            <a:off x="8554956" y="1763552"/>
             <a:ext cx="1885950" cy="1409700"/>
           </a:xfrm>
           <a:prstGeom prst="rect">
@@ -11697,10 +12885,563 @@
           </a:prstGeom>
         </p:spPr>
       </p:pic>
+      <p:cxnSp>
+        <p:nvCxnSpPr>
+          <p:cNvPr id="6" name="Conexão reta unidirecional 5"/>
+          <p:cNvCxnSpPr/>
+          <p:nvPr/>
+        </p:nvCxnSpPr>
+        <p:spPr>
+          <a:xfrm flipV="1">
+            <a:off x="1856445" y="2491030"/>
+            <a:ext cx="6698511" cy="640080"/>
+          </a:xfrm>
+          <a:prstGeom prst="straightConnector1">
+            <a:avLst/>
+          </a:prstGeom>
+          <a:ln w="50800">
+            <a:tailEnd type="triangle"/>
+          </a:ln>
+          <a:effectLst/>
+        </p:spPr>
+        <p:style>
+          <a:lnRef idx="3">
+            <a:schemeClr val="dk1"/>
+          </a:lnRef>
+          <a:fillRef idx="0">
+            <a:schemeClr val="dk1"/>
+          </a:fillRef>
+          <a:effectRef idx="2">
+            <a:schemeClr val="dk1"/>
+          </a:effectRef>
+          <a:fontRef idx="minor">
+            <a:schemeClr val="tx1"/>
+          </a:fontRef>
+        </p:style>
+      </p:cxnSp>
+      <p:sp>
+        <p:nvSpPr>
+          <p:cNvPr id="7" name="CaixaDeTexto 6"/>
+          <p:cNvSpPr txBox="1"/>
+          <p:nvPr/>
+        </p:nvSpPr>
+        <p:spPr>
+          <a:xfrm>
+            <a:off x="7301449" y="3809131"/>
+            <a:ext cx="1763304" cy="369332"/>
+          </a:xfrm>
+          <a:prstGeom prst="rect">
+            <a:avLst/>
+          </a:prstGeom>
+          <a:noFill/>
+          <a:ln>
+            <a:solidFill>
+              <a:schemeClr val="tx1"/>
+            </a:solidFill>
+            <a:prstDash val="lgDash"/>
+          </a:ln>
+        </p:spPr>
+        <p:txBody>
+          <a:bodyPr wrap="square" rtlCol="0">
+            <a:spAutoFit/>
+          </a:bodyPr>
+          <a:lstStyle/>
+          <a:p>
+            <a:r>
+              <a:rPr lang="pt-PT" dirty="0" smtClean="0"/>
+              <a:t>Chamada a regra</a:t>
+            </a:r>
+            <a:endParaRPr lang="pt-PT" dirty="0"/>
+          </a:p>
+        </p:txBody>
+      </p:sp>
+      <p:sp>
+        <p:nvSpPr>
+          <p:cNvPr id="8" name="CaixaDeTexto 7"/>
+          <p:cNvSpPr txBox="1"/>
+          <p:nvPr/>
+        </p:nvSpPr>
+        <p:spPr>
+          <a:xfrm>
+            <a:off x="9649134" y="4509108"/>
+            <a:ext cx="1583543" cy="369332"/>
+          </a:xfrm>
+          <a:prstGeom prst="rect">
+            <a:avLst/>
+          </a:prstGeom>
+          <a:noFill/>
+          <a:ln>
+            <a:solidFill>
+              <a:schemeClr val="tx1"/>
+            </a:solidFill>
+            <a:prstDash val="lgDash"/>
+          </a:ln>
+        </p:spPr>
+        <p:txBody>
+          <a:bodyPr wrap="square" rtlCol="0">
+            <a:spAutoFit/>
+          </a:bodyPr>
+          <a:lstStyle/>
+          <a:p>
+            <a:pPr algn="ctr"/>
+            <a:r>
+              <a:rPr lang="pt-PT" dirty="0" smtClean="0"/>
+              <a:t>Palavras-chave</a:t>
+            </a:r>
+            <a:endParaRPr lang="pt-PT" dirty="0"/>
+          </a:p>
+        </p:txBody>
+      </p:sp>
+      <p:sp>
+        <p:nvSpPr>
+          <p:cNvPr id="9" name="CaixaDeTexto 8"/>
+          <p:cNvSpPr txBox="1"/>
+          <p:nvPr/>
+        </p:nvSpPr>
+        <p:spPr>
+          <a:xfrm>
+            <a:off x="3683118" y="5141533"/>
+            <a:ext cx="1356716" cy="369332"/>
+          </a:xfrm>
+          <a:prstGeom prst="rect">
+            <a:avLst/>
+          </a:prstGeom>
+          <a:noFill/>
+          <a:ln>
+            <a:solidFill>
+              <a:schemeClr val="tx1"/>
+            </a:solidFill>
+            <a:prstDash val="lgDash"/>
+          </a:ln>
+        </p:spPr>
+        <p:txBody>
+          <a:bodyPr wrap="square" rtlCol="0">
+            <a:spAutoFit/>
+          </a:bodyPr>
+          <a:lstStyle/>
+          <a:p>
+            <a:pPr algn="ctr"/>
+            <a:r>
+              <a:rPr lang="pt-PT" dirty="0" smtClean="0"/>
+              <a:t>Propriedade</a:t>
+            </a:r>
+            <a:endParaRPr lang="pt-PT" dirty="0"/>
+          </a:p>
+        </p:txBody>
+      </p:sp>
     </p:spTree>
     <p:extLst>
       <p:ext uri="{BB962C8B-B14F-4D97-AF65-F5344CB8AC3E}">
         <p14:creationId xmlns:p14="http://schemas.microsoft.com/office/powerpoint/2010/main" val="2991949729"/>
+      </p:ext>
+    </p:extLst>
+  </p:cSld>
+  <p:clrMapOvr>
+    <a:masterClrMapping/>
+  </p:clrMapOvr>
+  <p:timing>
+    <p:tnLst>
+      <p:par>
+        <p:cTn id="1" dur="indefinite" restart="never" nodeType="tmRoot">
+          <p:childTnLst>
+            <p:seq concurrent="1" nextAc="seek">
+              <p:cTn id="2" dur="indefinite" nodeType="mainSeq">
+                <p:childTnLst>
+                  <p:par>
+                    <p:cTn id="3" fill="hold">
+                      <p:stCondLst>
+                        <p:cond delay="indefinite"/>
+                      </p:stCondLst>
+                      <p:childTnLst>
+                        <p:par>
+                          <p:cTn id="4" fill="hold">
+                            <p:stCondLst>
+                              <p:cond delay="0"/>
+                            </p:stCondLst>
+                            <p:childTnLst>
+                              <p:par>
+                                <p:cTn id="5" presetID="1" presetClass="entr" presetSubtype="0" fill="hold" grpId="0" nodeType="clickEffect">
+                                  <p:stCondLst>
+                                    <p:cond delay="0"/>
+                                  </p:stCondLst>
+                                  <p:childTnLst>
+                                    <p:set>
+                                      <p:cBhvr>
+                                        <p:cTn id="6" dur="1" fill="hold">
+                                          <p:stCondLst>
+                                            <p:cond delay="0"/>
+                                          </p:stCondLst>
+                                        </p:cTn>
+                                        <p:tgtEl>
+                                          <p:spTgt spid="7"/>
+                                        </p:tgtEl>
+                                        <p:attrNameLst>
+                                          <p:attrName>style.visibility</p:attrName>
+                                        </p:attrNameLst>
+                                      </p:cBhvr>
+                                      <p:to>
+                                        <p:strVal val="visible"/>
+                                      </p:to>
+                                    </p:set>
+                                  </p:childTnLst>
+                                </p:cTn>
+                              </p:par>
+                            </p:childTnLst>
+                          </p:cTn>
+                        </p:par>
+                      </p:childTnLst>
+                    </p:cTn>
+                  </p:par>
+                  <p:par>
+                    <p:cTn id="7" fill="hold">
+                      <p:stCondLst>
+                        <p:cond delay="indefinite"/>
+                      </p:stCondLst>
+                      <p:childTnLst>
+                        <p:par>
+                          <p:cTn id="8" fill="hold">
+                            <p:stCondLst>
+                              <p:cond delay="0"/>
+                            </p:stCondLst>
+                            <p:childTnLst>
+                              <p:par>
+                                <p:cTn id="9" presetID="1" presetClass="entr" presetSubtype="0" fill="hold" grpId="0" nodeType="clickEffect">
+                                  <p:stCondLst>
+                                    <p:cond delay="0"/>
+                                  </p:stCondLst>
+                                  <p:childTnLst>
+                                    <p:set>
+                                      <p:cBhvr>
+                                        <p:cTn id="10" dur="1" fill="hold">
+                                          <p:stCondLst>
+                                            <p:cond delay="0"/>
+                                          </p:stCondLst>
+                                        </p:cTn>
+                                        <p:tgtEl>
+                                          <p:spTgt spid="8"/>
+                                        </p:tgtEl>
+                                        <p:attrNameLst>
+                                          <p:attrName>style.visibility</p:attrName>
+                                        </p:attrNameLst>
+                                      </p:cBhvr>
+                                      <p:to>
+                                        <p:strVal val="visible"/>
+                                      </p:to>
+                                    </p:set>
+                                  </p:childTnLst>
+                                </p:cTn>
+                              </p:par>
+                            </p:childTnLst>
+                          </p:cTn>
+                        </p:par>
+                      </p:childTnLst>
+                    </p:cTn>
+                  </p:par>
+                  <p:par>
+                    <p:cTn id="11" fill="hold">
+                      <p:stCondLst>
+                        <p:cond delay="indefinite"/>
+                      </p:stCondLst>
+                      <p:childTnLst>
+                        <p:par>
+                          <p:cTn id="12" fill="hold">
+                            <p:stCondLst>
+                              <p:cond delay="0"/>
+                            </p:stCondLst>
+                            <p:childTnLst>
+                              <p:par>
+                                <p:cTn id="13" presetID="1" presetClass="entr" presetSubtype="0" fill="hold" grpId="0" nodeType="clickEffect">
+                                  <p:stCondLst>
+                                    <p:cond delay="0"/>
+                                  </p:stCondLst>
+                                  <p:childTnLst>
+                                    <p:set>
+                                      <p:cBhvr>
+                                        <p:cTn id="14" dur="1" fill="hold">
+                                          <p:stCondLst>
+                                            <p:cond delay="0"/>
+                                          </p:stCondLst>
+                                        </p:cTn>
+                                        <p:tgtEl>
+                                          <p:spTgt spid="9"/>
+                                        </p:tgtEl>
+                                        <p:attrNameLst>
+                                          <p:attrName>style.visibility</p:attrName>
+                                        </p:attrNameLst>
+                                      </p:cBhvr>
+                                      <p:to>
+                                        <p:strVal val="visible"/>
+                                      </p:to>
+                                    </p:set>
+                                  </p:childTnLst>
+                                </p:cTn>
+                              </p:par>
+                            </p:childTnLst>
+                          </p:cTn>
+                        </p:par>
+                      </p:childTnLst>
+                    </p:cTn>
+                  </p:par>
+                  <p:par>
+                    <p:cTn id="15" fill="hold">
+                      <p:stCondLst>
+                        <p:cond delay="indefinite"/>
+                      </p:stCondLst>
+                      <p:childTnLst>
+                        <p:par>
+                          <p:cTn id="16" fill="hold">
+                            <p:stCondLst>
+                              <p:cond delay="0"/>
+                            </p:stCondLst>
+                            <p:childTnLst>
+                              <p:par>
+                                <p:cTn id="17" presetID="1" presetClass="entr" presetSubtype="0" fill="hold" nodeType="clickEffect">
+                                  <p:stCondLst>
+                                    <p:cond delay="0"/>
+                                  </p:stCondLst>
+                                  <p:childTnLst>
+                                    <p:set>
+                                      <p:cBhvr>
+                                        <p:cTn id="18" dur="1" fill="hold">
+                                          <p:stCondLst>
+                                            <p:cond delay="0"/>
+                                          </p:stCondLst>
+                                        </p:cTn>
+                                        <p:tgtEl>
+                                          <p:spTgt spid="3"/>
+                                        </p:tgtEl>
+                                        <p:attrNameLst>
+                                          <p:attrName>style.visibility</p:attrName>
+                                        </p:attrNameLst>
+                                      </p:cBhvr>
+                                      <p:to>
+                                        <p:strVal val="visible"/>
+                                      </p:to>
+                                    </p:set>
+                                  </p:childTnLst>
+                                </p:cTn>
+                              </p:par>
+                              <p:par>
+                                <p:cTn id="19" presetID="1" presetClass="entr" presetSubtype="0" fill="hold" nodeType="withEffect">
+                                  <p:stCondLst>
+                                    <p:cond delay="0"/>
+                                  </p:stCondLst>
+                                  <p:childTnLst>
+                                    <p:set>
+                                      <p:cBhvr>
+                                        <p:cTn id="20" dur="1" fill="hold">
+                                          <p:stCondLst>
+                                            <p:cond delay="0"/>
+                                          </p:stCondLst>
+                                        </p:cTn>
+                                        <p:tgtEl>
+                                          <p:spTgt spid="6"/>
+                                        </p:tgtEl>
+                                        <p:attrNameLst>
+                                          <p:attrName>style.visibility</p:attrName>
+                                        </p:attrNameLst>
+                                      </p:cBhvr>
+                                      <p:to>
+                                        <p:strVal val="visible"/>
+                                      </p:to>
+                                    </p:set>
+                                  </p:childTnLst>
+                                </p:cTn>
+                              </p:par>
+                            </p:childTnLst>
+                          </p:cTn>
+                        </p:par>
+                      </p:childTnLst>
+                    </p:cTn>
+                  </p:par>
+                </p:childTnLst>
+              </p:cTn>
+              <p:prevCondLst>
+                <p:cond evt="onPrev" delay="0">
+                  <p:tgtEl>
+                    <p:sldTgt/>
+                  </p:tgtEl>
+                </p:cond>
+              </p:prevCondLst>
+              <p:nextCondLst>
+                <p:cond evt="onNext" delay="0">
+                  <p:tgtEl>
+                    <p:sldTgt/>
+                  </p:tgtEl>
+                </p:cond>
+              </p:nextCondLst>
+            </p:seq>
+          </p:childTnLst>
+        </p:cTn>
+      </p:par>
+    </p:tnLst>
+    <p:bldLst>
+      <p:bldP spid="7" grpId="0" animBg="1"/>
+      <p:bldP spid="8" grpId="0" animBg="1"/>
+      <p:bldP spid="9" grpId="0" animBg="1"/>
+    </p:bldLst>
+  </p:timing>
+</p:sld>
+</file>
+
+<file path=ppt/slides/slide9.xml><?xml version="1.0" encoding="utf-8"?>
+<p:sld xmlns:a="http://schemas.openxmlformats.org/drawingml/2006/main" xmlns:r="http://schemas.openxmlformats.org/officeDocument/2006/relationships" xmlns:p="http://schemas.openxmlformats.org/presentationml/2006/main">
+  <p:cSld>
+    <p:spTree>
+      <p:nvGrpSpPr>
+        <p:cNvPr id="1" name=""/>
+        <p:cNvGrpSpPr/>
+        <p:nvPr/>
+      </p:nvGrpSpPr>
+      <p:grpSpPr>
+        <a:xfrm>
+          <a:off x="0" y="0"/>
+          <a:ext cx="0" cy="0"/>
+          <a:chOff x="0" y="0"/>
+          <a:chExt cx="0" cy="0"/>
+        </a:xfrm>
+      </p:grpSpPr>
+      <p:sp>
+        <p:nvSpPr>
+          <p:cNvPr id="2" name="Título 1"/>
+          <p:cNvSpPr>
+            <a:spLocks noGrp="1"/>
+          </p:cNvSpPr>
+          <p:nvPr>
+            <p:ph type="title"/>
+          </p:nvPr>
+        </p:nvSpPr>
+        <p:spPr/>
+        <p:txBody>
+          <a:bodyPr/>
+          <a:lstStyle/>
+          <a:p>
+            <a:r>
+              <a:rPr lang="pt-PT" b="1" i="1" dirty="0" err="1" smtClean="0"/>
+              <a:t>Xtext</a:t>
+            </a:r>
+            <a:r>
+              <a:rPr lang="pt-PT" b="1" i="1" dirty="0" smtClean="0"/>
+              <a:t> </a:t>
+            </a:r>
+            <a:r>
+              <a:rPr lang="pt-PT" b="1" dirty="0" smtClean="0"/>
+              <a:t>– Regras Terminais</a:t>
+            </a:r>
+            <a:endParaRPr lang="pt-PT" b="1" dirty="0"/>
+          </a:p>
+        </p:txBody>
+      </p:sp>
+      <p:pic>
+        <p:nvPicPr>
+          <p:cNvPr id="8" name="Imagem 7"/>
+          <p:cNvPicPr/>
+          <p:nvPr/>
+        </p:nvPicPr>
+        <p:blipFill rotWithShape="1">
+          <a:blip r:embed="rId3">
+            <a:extLst>
+              <a:ext uri="{28A0092B-C50C-407E-A947-70E740481C1C}">
+                <a14:useLocalDpi xmlns:a14="http://schemas.microsoft.com/office/drawing/2010/main" val="0"/>
+              </a:ext>
+            </a:extLst>
+          </a:blip>
+          <a:srcRect l="28070" t="43758" r="20184" b="46577"/>
+          <a:stretch/>
+        </p:blipFill>
+        <p:spPr bwMode="auto">
+          <a:xfrm>
+            <a:off x="1923448" y="3285601"/>
+            <a:ext cx="8406063" cy="1101542"/>
+          </a:xfrm>
+          <a:prstGeom prst="rect">
+            <a:avLst/>
+          </a:prstGeom>
+          <a:ln>
+            <a:noFill/>
+          </a:ln>
+          <a:extLst>
+            <a:ext uri="{53640926-AAD7-44D8-BBD7-CCE9431645EC}">
+              <a14:shadowObscured xmlns:a14="http://schemas.microsoft.com/office/drawing/2010/main"/>
+            </a:ext>
+          </a:extLst>
+        </p:spPr>
+      </p:pic>
+      <p:sp>
+        <p:nvSpPr>
+          <p:cNvPr id="3" name="CaixaDeTexto 2"/>
+          <p:cNvSpPr txBox="1"/>
+          <p:nvPr/>
+        </p:nvSpPr>
+        <p:spPr>
+          <a:xfrm>
+            <a:off x="2804160" y="5311949"/>
+            <a:ext cx="2852448" cy="369332"/>
+          </a:xfrm>
+          <a:prstGeom prst="rect">
+            <a:avLst/>
+          </a:prstGeom>
+          <a:noFill/>
+          <a:ln>
+            <a:solidFill>
+              <a:schemeClr val="tx1"/>
+            </a:solidFill>
+            <a:prstDash val="lgDash"/>
+          </a:ln>
+        </p:spPr>
+        <p:txBody>
+          <a:bodyPr wrap="none" rtlCol="0">
+            <a:spAutoFit/>
+          </a:bodyPr>
+          <a:lstStyle/>
+          <a:p>
+            <a:pPr algn="ctr"/>
+            <a:r>
+              <a:rPr lang="pt-PT" dirty="0" smtClean="0"/>
+              <a:t>Alteração do tipo de retorno</a:t>
+            </a:r>
+            <a:endParaRPr lang="pt-PT" dirty="0"/>
+          </a:p>
+        </p:txBody>
+      </p:sp>
+      <p:cxnSp>
+        <p:nvCxnSpPr>
+          <p:cNvPr id="5" name="Conexão reta unidirecional 4"/>
+          <p:cNvCxnSpPr/>
+          <p:nvPr/>
+        </p:nvCxnSpPr>
+        <p:spPr>
+          <a:xfrm>
+            <a:off x="4236480" y="4175760"/>
+            <a:ext cx="0" cy="1075229"/>
+          </a:xfrm>
+          <a:prstGeom prst="straightConnector1">
+            <a:avLst/>
+          </a:prstGeom>
+          <a:ln w="50800">
+            <a:tailEnd type="triangle"/>
+          </a:ln>
+          <a:effectLst/>
+        </p:spPr>
+        <p:style>
+          <a:lnRef idx="3">
+            <a:schemeClr val="dk1"/>
+          </a:lnRef>
+          <a:fillRef idx="0">
+            <a:schemeClr val="dk1"/>
+          </a:fillRef>
+          <a:effectRef idx="2">
+            <a:schemeClr val="dk1"/>
+          </a:effectRef>
+          <a:fontRef idx="minor">
+            <a:schemeClr val="tx1"/>
+          </a:fontRef>
+        </p:style>
+      </p:cxnSp>
+    </p:spTree>
+    <p:extLst>
+      <p:ext uri="{BB962C8B-B14F-4D97-AF65-F5344CB8AC3E}">
+        <p14:creationId xmlns:p14="http://schemas.microsoft.com/office/powerpoint/2010/main" val="2865011979"/>
       </p:ext>
     </p:extLst>
   </p:cSld>
@@ -11736,6 +13477,33 @@
                                     <p:set>
                                       <p:cBhvr>
                                         <p:cTn id="6" dur="1" fill="hold">
+                                          <p:stCondLst>
+                                            <p:cond delay="0"/>
+                                          </p:stCondLst>
+                                        </p:cTn>
+                                        <p:tgtEl>
+                                          <p:spTgt spid="5"/>
+                                        </p:tgtEl>
+                                        <p:attrNameLst>
+                                          <p:attrName>style.visibility</p:attrName>
+                                        </p:attrNameLst>
+                                      </p:cBhvr>
+                                      <p:to>
+                                        <p:strVal val="visible"/>
+                                      </p:to>
+                                    </p:set>
+                                  </p:childTnLst>
+                                </p:cTn>
+                              </p:par>
+                              <p:par>
+                                <p:cTn id="7" presetID="1" presetClass="entr" presetSubtype="0" fill="hold" grpId="0" nodeType="withEffect">
+                                  <p:stCondLst>
+                                    <p:cond delay="0"/>
+                                  </p:stCondLst>
+                                  <p:childTnLst>
+                                    <p:set>
+                                      <p:cBhvr>
+                                        <p:cTn id="8" dur="1" fill="hold">
                                           <p:stCondLst>
                                             <p:cond delay="0"/>
                                           </p:stCondLst>
@@ -11781,109 +13549,9 @@
         </p:cTn>
       </p:par>
     </p:tnLst>
-  </p:timing>
-</p:sld>
-</file>
-
-<file path=ppt/slides/slide9.xml><?xml version="1.0" encoding="utf-8"?>
-<p:sld xmlns:a="http://schemas.openxmlformats.org/drawingml/2006/main" xmlns:r="http://schemas.openxmlformats.org/officeDocument/2006/relationships" xmlns:p="http://schemas.openxmlformats.org/presentationml/2006/main">
-  <p:cSld>
-    <p:spTree>
-      <p:nvGrpSpPr>
-        <p:cNvPr id="1" name=""/>
-        <p:cNvGrpSpPr/>
-        <p:nvPr/>
-      </p:nvGrpSpPr>
-      <p:grpSpPr>
-        <a:xfrm>
-          <a:off x="0" y="0"/>
-          <a:ext cx="0" cy="0"/>
-          <a:chOff x="0" y="0"/>
-          <a:chExt cx="0" cy="0"/>
-        </a:xfrm>
-      </p:grpSpPr>
-      <p:sp>
-        <p:nvSpPr>
-          <p:cNvPr id="2" name="Título 1"/>
-          <p:cNvSpPr>
-            <a:spLocks noGrp="1"/>
-          </p:cNvSpPr>
-          <p:nvPr>
-            <p:ph type="title"/>
-          </p:nvPr>
-        </p:nvSpPr>
-        <p:spPr/>
-        <p:txBody>
-          <a:bodyPr/>
-          <a:lstStyle/>
-          <a:p>
-            <a:r>
-              <a:rPr lang="pt-PT" b="1" i="1" dirty="0" err="1" smtClean="0"/>
-              <a:t>Xtext</a:t>
-            </a:r>
-            <a:r>
-              <a:rPr lang="pt-PT" b="1" i="1" dirty="0" smtClean="0"/>
-              <a:t> </a:t>
-            </a:r>
-            <a:r>
-              <a:rPr lang="pt-PT" b="1" dirty="0" smtClean="0"/>
-              <a:t>– Regras Terminais</a:t>
-            </a:r>
-            <a:endParaRPr lang="pt-PT" b="1" dirty="0"/>
-          </a:p>
-        </p:txBody>
-      </p:sp>
-      <p:pic>
-        <p:nvPicPr>
-          <p:cNvPr id="8" name="Imagem 7"/>
-          <p:cNvPicPr/>
-          <p:nvPr/>
-        </p:nvPicPr>
-        <p:blipFill rotWithShape="1">
-          <a:blip r:embed="rId3">
-            <a:extLst>
-              <a:ext uri="{28A0092B-C50C-407E-A947-70E740481C1C}">
-                <a14:useLocalDpi xmlns:a14="http://schemas.microsoft.com/office/drawing/2010/main" val="0"/>
-              </a:ext>
-            </a:extLst>
-          </a:blip>
-          <a:srcRect l="28070" t="43758" r="20184" b="46577"/>
-          <a:stretch/>
-        </p:blipFill>
-        <p:spPr bwMode="auto">
-          <a:xfrm>
-            <a:off x="1923448" y="3285601"/>
-            <a:ext cx="8406063" cy="1101542"/>
-          </a:xfrm>
-          <a:prstGeom prst="rect">
-            <a:avLst/>
-          </a:prstGeom>
-          <a:ln>
-            <a:noFill/>
-          </a:ln>
-          <a:extLst>
-            <a:ext uri="{53640926-AAD7-44D8-BBD7-CCE9431645EC}">
-              <a14:shadowObscured xmlns:a14="http://schemas.microsoft.com/office/drawing/2010/main"/>
-            </a:ext>
-          </a:extLst>
-        </p:spPr>
-      </p:pic>
-    </p:spTree>
-    <p:extLst>
-      <p:ext uri="{BB962C8B-B14F-4D97-AF65-F5344CB8AC3E}">
-        <p14:creationId xmlns:p14="http://schemas.microsoft.com/office/powerpoint/2010/main" val="2865011979"/>
-      </p:ext>
-    </p:extLst>
-  </p:cSld>
-  <p:clrMapOvr>
-    <a:masterClrMapping/>
-  </p:clrMapOvr>
-  <p:timing>
-    <p:tnLst>
-      <p:par>
-        <p:cTn id="1" dur="indefinite" restart="never" nodeType="tmRoot"/>
-      </p:par>
-    </p:tnLst>
+    <p:bldLst>
+      <p:bldP spid="3" grpId="0" animBg="1"/>
+    </p:bldLst>
   </p:timing>
 </p:sld>
 </file>
